--- a/PresentaciónVue.pptx
+++ b/PresentaciónVue.pptx
@@ -30,7 +30,18 @@
     <p:sldId id="278" r:id="rId24"/>
     <p:sldId id="281" r:id="rId25"/>
     <p:sldId id="279" r:id="rId26"/>
-    <p:sldId id="269" r:id="rId27"/>
+    <p:sldId id="283" r:id="rId27"/>
+    <p:sldId id="284" r:id="rId28"/>
+    <p:sldId id="287" r:id="rId29"/>
+    <p:sldId id="289" r:id="rId30"/>
+    <p:sldId id="285" r:id="rId31"/>
+    <p:sldId id="286" r:id="rId32"/>
+    <p:sldId id="282" r:id="rId33"/>
+    <p:sldId id="290" r:id="rId34"/>
+    <p:sldId id="291" r:id="rId35"/>
+    <p:sldId id="292" r:id="rId36"/>
+    <p:sldId id="293" r:id="rId37"/>
+    <p:sldId id="269" r:id="rId38"/>
   </p:sldIdLst>
   <p:sldSz cx="12192000" cy="6858000"/>
   <p:notesSz cx="6858000" cy="9144000"/>
@@ -286,7 +297,7 @@
           <a:p>
             <a:fld id="{B5EDB842-B252-4ABC-8433-2288CE88CD35}" type="datetimeFigureOut">
               <a:rPr lang="es-MX" smtClean="0"/>
-              <a:t>14/05/2019</a:t>
+              <a:t>29/05/2019</a:t>
             </a:fld>
             <a:endParaRPr lang="es-MX"/>
           </a:p>
@@ -486,7 +497,7 @@
           <a:p>
             <a:fld id="{B5EDB842-B252-4ABC-8433-2288CE88CD35}" type="datetimeFigureOut">
               <a:rPr lang="es-MX" smtClean="0"/>
-              <a:t>14/05/2019</a:t>
+              <a:t>29/05/2019</a:t>
             </a:fld>
             <a:endParaRPr lang="es-MX"/>
           </a:p>
@@ -696,7 +707,7 @@
           <a:p>
             <a:fld id="{B5EDB842-B252-4ABC-8433-2288CE88CD35}" type="datetimeFigureOut">
               <a:rPr lang="es-MX" smtClean="0"/>
-              <a:t>14/05/2019</a:t>
+              <a:t>29/05/2019</a:t>
             </a:fld>
             <a:endParaRPr lang="es-MX"/>
           </a:p>
@@ -896,7 +907,7 @@
           <a:p>
             <a:fld id="{B5EDB842-B252-4ABC-8433-2288CE88CD35}" type="datetimeFigureOut">
               <a:rPr lang="es-MX" smtClean="0"/>
-              <a:t>14/05/2019</a:t>
+              <a:t>29/05/2019</a:t>
             </a:fld>
             <a:endParaRPr lang="es-MX"/>
           </a:p>
@@ -1172,7 +1183,7 @@
           <a:p>
             <a:fld id="{B5EDB842-B252-4ABC-8433-2288CE88CD35}" type="datetimeFigureOut">
               <a:rPr lang="es-MX" smtClean="0"/>
-              <a:t>14/05/2019</a:t>
+              <a:t>29/05/2019</a:t>
             </a:fld>
             <a:endParaRPr lang="es-MX"/>
           </a:p>
@@ -1440,7 +1451,7 @@
           <a:p>
             <a:fld id="{B5EDB842-B252-4ABC-8433-2288CE88CD35}" type="datetimeFigureOut">
               <a:rPr lang="es-MX" smtClean="0"/>
-              <a:t>14/05/2019</a:t>
+              <a:t>29/05/2019</a:t>
             </a:fld>
             <a:endParaRPr lang="es-MX"/>
           </a:p>
@@ -1855,7 +1866,7 @@
           <a:p>
             <a:fld id="{B5EDB842-B252-4ABC-8433-2288CE88CD35}" type="datetimeFigureOut">
               <a:rPr lang="es-MX" smtClean="0"/>
-              <a:t>14/05/2019</a:t>
+              <a:t>29/05/2019</a:t>
             </a:fld>
             <a:endParaRPr lang="es-MX"/>
           </a:p>
@@ -1997,7 +2008,7 @@
           <a:p>
             <a:fld id="{B5EDB842-B252-4ABC-8433-2288CE88CD35}" type="datetimeFigureOut">
               <a:rPr lang="es-MX" smtClean="0"/>
-              <a:t>14/05/2019</a:t>
+              <a:t>29/05/2019</a:t>
             </a:fld>
             <a:endParaRPr lang="es-MX"/>
           </a:p>
@@ -2110,7 +2121,7 @@
           <a:p>
             <a:fld id="{B5EDB842-B252-4ABC-8433-2288CE88CD35}" type="datetimeFigureOut">
               <a:rPr lang="es-MX" smtClean="0"/>
-              <a:t>14/05/2019</a:t>
+              <a:t>29/05/2019</a:t>
             </a:fld>
             <a:endParaRPr lang="es-MX"/>
           </a:p>
@@ -2423,7 +2434,7 @@
           <a:p>
             <a:fld id="{B5EDB842-B252-4ABC-8433-2288CE88CD35}" type="datetimeFigureOut">
               <a:rPr lang="es-MX" smtClean="0"/>
-              <a:t>14/05/2019</a:t>
+              <a:t>29/05/2019</a:t>
             </a:fld>
             <a:endParaRPr lang="es-MX"/>
           </a:p>
@@ -2712,7 +2723,7 @@
           <a:p>
             <a:fld id="{B5EDB842-B252-4ABC-8433-2288CE88CD35}" type="datetimeFigureOut">
               <a:rPr lang="es-MX" smtClean="0"/>
-              <a:t>14/05/2019</a:t>
+              <a:t>29/05/2019</a:t>
             </a:fld>
             <a:endParaRPr lang="es-MX"/>
           </a:p>
@@ -2955,7 +2966,7 @@
           <a:p>
             <a:fld id="{B5EDB842-B252-4ABC-8433-2288CE88CD35}" type="datetimeFigureOut">
               <a:rPr lang="es-MX" smtClean="0"/>
-              <a:t>14/05/2019</a:t>
+              <a:t>29/05/2019</a:t>
             </a:fld>
             <a:endParaRPr lang="es-MX"/>
           </a:p>
@@ -8690,7 +8701,7 @@
           <p:cNvPr id="7" name="CuadroTexto 6">
             <a:extLst>
               <a:ext uri="{FF2B5EF4-FFF2-40B4-BE49-F238E27FC236}">
-                <a16:creationId xmlns:a16="http://schemas.microsoft.com/office/drawing/2014/main" id="{074EE99A-5541-427A-B215-BD19665AF749}"/>
+                <a16:creationId xmlns:a16="http://schemas.microsoft.com/office/drawing/2014/main" id="{4C12B744-E3BD-4A2D-A4C2-17BC2CD88CE0}"/>
               </a:ext>
             </a:extLst>
           </p:cNvPr>
@@ -8699,7 +8710,7 @@
         </p:nvSpPr>
         <p:spPr>
           <a:xfrm>
-            <a:off x="131990" y="668273"/>
+            <a:off x="261021" y="314288"/>
             <a:ext cx="9720942" cy="830997"/>
           </a:xfrm>
           <a:prstGeom prst="rect">
@@ -8715,18 +8726,18 @@
           <a:p>
             <a:pPr algn="ctr"/>
             <a:r>
-              <a:rPr lang="en-US" sz="4800" dirty="0" err="1">
+              <a:rPr lang="es-MX" sz="4800" dirty="0">
                 <a:latin typeface="Arial" panose="020B0604020202020204" pitchFamily="34" charset="0"/>
                 <a:cs typeface="Arial" panose="020B0604020202020204" pitchFamily="34" charset="0"/>
               </a:rPr>
-              <a:t>Cibergraf</a:t>
+              <a:t>Vue.JS Data-</a:t>
             </a:r>
             <a:r>
               <a:rPr lang="es-MX" sz="4800" dirty="0" err="1">
                 <a:latin typeface="Arial" panose="020B0604020202020204" pitchFamily="34" charset="0"/>
                 <a:cs typeface="Arial" panose="020B0604020202020204" pitchFamily="34" charset="0"/>
               </a:rPr>
-              <a:t>ía</a:t>
+              <a:t>Binding</a:t>
             </a:r>
             <a:endParaRPr lang="es-MX" sz="4800" dirty="0">
               <a:latin typeface="Arial" panose="020B0604020202020204" pitchFamily="34" charset="0"/>
@@ -8737,10 +8748,10 @@
       </p:sp>
       <p:sp>
         <p:nvSpPr>
-          <p:cNvPr id="2" name="CuadroTexto 1">
-            <a:extLst>
-              <a:ext uri="{FF2B5EF4-FFF2-40B4-BE49-F238E27FC236}">
-                <a16:creationId xmlns:a16="http://schemas.microsoft.com/office/drawing/2014/main" id="{6F9F0A0B-CC5A-4AC2-BDCC-A693C1DDAB20}"/>
+          <p:cNvPr id="8" name="CuadroTexto 7">
+            <a:extLst>
+              <a:ext uri="{FF2B5EF4-FFF2-40B4-BE49-F238E27FC236}">
+                <a16:creationId xmlns:a16="http://schemas.microsoft.com/office/drawing/2014/main" id="{994488DF-13E1-4659-B15E-185C5AA293D8}"/>
               </a:ext>
             </a:extLst>
           </p:cNvPr>
@@ -8749,8 +8760,8 @@
         </p:nvSpPr>
         <p:spPr>
           <a:xfrm>
-            <a:off x="228599" y="1430997"/>
-            <a:ext cx="11831411" cy="3785652"/>
+            <a:off x="0" y="1576587"/>
+            <a:ext cx="4865615" cy="646331"/>
           </a:xfrm>
           <a:prstGeom prst="rect">
             <a:avLst/>
@@ -8763,132 +8774,255 @@
           </a:bodyPr>
           <a:lstStyle/>
           <a:p>
-            <a:pPr marL="285750" indent="-285750">
-              <a:buFont typeface="Arial" panose="020B0604020202020204" pitchFamily="34" charset="0"/>
-              <a:buChar char="•"/>
-            </a:pPr>
-            <a:r>
-              <a:rPr lang="es-MX" sz="2400" dirty="0">
-                <a:hlinkClick r:id="rId2"/>
-              </a:rPr>
-              <a:t>https://www.adictosaltrabajo.com/2012/10/07/zk-mvc-mvvm/</a:t>
+            <a:pPr algn="ctr"/>
+            <a:r>
+              <a:rPr lang="es-MX" sz="3600" dirty="0">
+                <a:latin typeface="Arial" panose="020B0604020202020204" pitchFamily="34" charset="0"/>
+                <a:cs typeface="Arial" panose="020B0604020202020204" pitchFamily="34" charset="0"/>
+              </a:rPr>
+              <a:t>Normal</a:t>
+            </a:r>
+          </a:p>
+        </p:txBody>
+      </p:sp>
+      <p:sp>
+        <p:nvSpPr>
+          <p:cNvPr id="9" name="CuadroTexto 8">
+            <a:extLst>
+              <a:ext uri="{FF2B5EF4-FFF2-40B4-BE49-F238E27FC236}">
+                <a16:creationId xmlns:a16="http://schemas.microsoft.com/office/drawing/2014/main" id="{F9793043-5C20-4DB2-8274-22D1629D78CC}"/>
+              </a:ext>
+            </a:extLst>
+          </p:cNvPr>
+          <p:cNvSpPr txBox="1"/>
+          <p:nvPr/>
+        </p:nvSpPr>
+        <p:spPr>
+          <a:xfrm>
+            <a:off x="4464341" y="1576587"/>
+            <a:ext cx="4865615" cy="646331"/>
+          </a:xfrm>
+          <a:prstGeom prst="rect">
+            <a:avLst/>
+          </a:prstGeom>
+          <a:noFill/>
+        </p:spPr>
+        <p:txBody>
+          <a:bodyPr wrap="square" rtlCol="0">
+            <a:spAutoFit/>
+          </a:bodyPr>
+          <a:lstStyle/>
+          <a:p>
+            <a:pPr algn="ctr"/>
+            <a:r>
+              <a:rPr lang="es-MX" sz="3600" dirty="0">
+                <a:latin typeface="Arial" panose="020B0604020202020204" pitchFamily="34" charset="0"/>
+                <a:cs typeface="Arial" panose="020B0604020202020204" pitchFamily="34" charset="0"/>
+              </a:rPr>
+              <a:t>Short</a:t>
+            </a:r>
+          </a:p>
+        </p:txBody>
+      </p:sp>
+      <p:sp>
+        <p:nvSpPr>
+          <p:cNvPr id="2" name="Rectángulo 1">
+            <a:extLst>
+              <a:ext uri="{FF2B5EF4-FFF2-40B4-BE49-F238E27FC236}">
+                <a16:creationId xmlns:a16="http://schemas.microsoft.com/office/drawing/2014/main" id="{13CA9565-B7ED-466E-8802-8E860A73B224}"/>
+              </a:ext>
+            </a:extLst>
+          </p:cNvPr>
+          <p:cNvSpPr/>
+          <p:nvPr/>
+        </p:nvSpPr>
+        <p:spPr>
+          <a:xfrm>
+            <a:off x="5951837" y="2828833"/>
+            <a:ext cx="4198585" cy="1200329"/>
+          </a:xfrm>
+          <a:prstGeom prst="rect">
+            <a:avLst/>
+          </a:prstGeom>
+        </p:spPr>
+        <p:txBody>
+          <a:bodyPr wrap="none">
+            <a:spAutoFit/>
+          </a:bodyPr>
+          <a:lstStyle/>
+          <a:p>
+            <a:r>
+              <a:rPr lang="en-US" sz="2400" dirty="0">
+                <a:solidFill>
+                  <a:srgbClr val="2973B7"/>
+                </a:solidFill>
+                <a:latin typeface="Roboto Mono"/>
+              </a:rPr>
+              <a:t>&lt;div </a:t>
+            </a:r>
+          </a:p>
+          <a:p>
+            <a:r>
+              <a:rPr lang="en-US" sz="2400" dirty="0">
+                <a:solidFill>
+                  <a:srgbClr val="2973B7"/>
+                </a:solidFill>
+                <a:latin typeface="Roboto Mono"/>
+              </a:rPr>
+              <a:t>     :class=</a:t>
+            </a:r>
+            <a:r>
+              <a:rPr lang="en-US" sz="2400" dirty="0">
+                <a:solidFill>
+                  <a:srgbClr val="42B983"/>
+                </a:solidFill>
+                <a:latin typeface="Roboto Mono"/>
+              </a:rPr>
+              <a:t>"{ active: </a:t>
+            </a:r>
+            <a:r>
+              <a:rPr lang="en-US" sz="2400" dirty="0" err="1">
+                <a:solidFill>
+                  <a:srgbClr val="42B983"/>
+                </a:solidFill>
+                <a:latin typeface="Roboto Mono"/>
+              </a:rPr>
+              <a:t>isActive</a:t>
+            </a:r>
+            <a:r>
+              <a:rPr lang="en-US" sz="2400" dirty="0">
+                <a:solidFill>
+                  <a:srgbClr val="42B983"/>
+                </a:solidFill>
+                <a:latin typeface="Roboto Mono"/>
+              </a:rPr>
+              <a:t> }“</a:t>
+            </a:r>
+          </a:p>
+          <a:p>
+            <a:r>
+              <a:rPr lang="en-US" sz="2400" dirty="0">
+                <a:solidFill>
+                  <a:srgbClr val="2973B7"/>
+                </a:solidFill>
+                <a:latin typeface="Roboto Mono"/>
+              </a:rPr>
+              <a:t>&gt;&lt;/div&gt;</a:t>
             </a:r>
             <a:endParaRPr lang="es-MX" sz="2400" dirty="0"/>
           </a:p>
-          <a:p>
-            <a:pPr marL="285750" indent="-285750">
-              <a:buFont typeface="Arial" panose="020B0604020202020204" pitchFamily="34" charset="0"/>
-              <a:buChar char="•"/>
-            </a:pPr>
-            <a:r>
-              <a:rPr lang="es-MX" sz="2400" dirty="0">
-                <a:hlinkClick r:id="rId3"/>
-              </a:rPr>
-              <a:t>https://msdn.microsoft.com/en-us/magazine/dn463786.aspx</a:t>
-            </a:r>
-            <a:endParaRPr lang="es-MX" sz="2400" dirty="0"/>
-          </a:p>
-          <a:p>
-            <a:pPr marL="285750" indent="-285750">
-              <a:buFont typeface="Arial" panose="020B0604020202020204" pitchFamily="34" charset="0"/>
-              <a:buChar char="•"/>
-            </a:pPr>
-            <a:r>
-              <a:rPr lang="es-MX" sz="2400" dirty="0">
-                <a:hlinkClick r:id="rId4"/>
-              </a:rPr>
-              <a:t>https://en.wikipedia.org/wiki/Vue.js</a:t>
-            </a:r>
-            <a:endParaRPr lang="es-MX" sz="2400" dirty="0"/>
-          </a:p>
-          <a:p>
-            <a:pPr marL="285750" indent="-285750">
-              <a:buFont typeface="Arial" panose="020B0604020202020204" pitchFamily="34" charset="0"/>
-              <a:buChar char="•"/>
-            </a:pPr>
-            <a:r>
-              <a:rPr lang="es-MX" sz="2400" dirty="0">
-                <a:hlinkClick r:id="rId5"/>
-              </a:rPr>
-              <a:t>https://es-vuejs.github.io/vuejs.org/v2/guide/</a:t>
-            </a:r>
-            <a:endParaRPr lang="es-MX" sz="2400" dirty="0"/>
-          </a:p>
-          <a:p>
-            <a:pPr marL="285750" indent="-285750">
-              <a:buFont typeface="Arial" panose="020B0604020202020204" pitchFamily="34" charset="0"/>
-              <a:buChar char="•"/>
-            </a:pPr>
-            <a:r>
-              <a:rPr lang="es-MX" sz="2400" dirty="0">
-                <a:hlinkClick r:id="rId6"/>
-              </a:rPr>
-              <a:t>https://github.com/vuejs/vue</a:t>
-            </a:r>
-            <a:endParaRPr lang="es-MX" sz="2400" dirty="0"/>
-          </a:p>
-          <a:p>
-            <a:pPr marL="285750" indent="-285750">
-              <a:buFont typeface="Arial" panose="020B0604020202020204" pitchFamily="34" charset="0"/>
-              <a:buChar char="•"/>
-            </a:pPr>
-            <a:r>
-              <a:rPr lang="es-MX" sz="2400" dirty="0">
-                <a:hlinkClick r:id="rId7"/>
-              </a:rPr>
-              <a:t>https://vuejs.org/</a:t>
-            </a:r>
-            <a:endParaRPr lang="es-MX" sz="2400" dirty="0"/>
-          </a:p>
-          <a:p>
-            <a:pPr marL="285750" indent="-285750">
-              <a:buFont typeface="Arial" panose="020B0604020202020204" pitchFamily="34" charset="0"/>
-              <a:buChar char="•"/>
-            </a:pPr>
-            <a:r>
-              <a:rPr lang="es-MX" sz="2400" dirty="0">
-                <a:hlinkClick r:id="rId8"/>
-              </a:rPr>
-              <a:t>https://es.slideshare.net/HctorPablosLpez/introduccin-a-vuejs</a:t>
-            </a:r>
-            <a:endParaRPr lang="es-MX" sz="2400" dirty="0"/>
-          </a:p>
-          <a:p>
-            <a:pPr marL="285750" indent="-285750">
-              <a:buFont typeface="Arial" panose="020B0604020202020204" pitchFamily="34" charset="0"/>
-              <a:buChar char="•"/>
-            </a:pPr>
-            <a:r>
-              <a:rPr lang="es-MX" sz="2400" dirty="0">
-                <a:hlinkClick r:id="rId8"/>
-              </a:rPr>
-              <a:t>https://es.slideshare.net/HctorPablosLpez/introduccin-a-vuejs</a:t>
-            </a:r>
-            <a:endParaRPr lang="es-MX" sz="2400" dirty="0"/>
-          </a:p>
-          <a:p>
-            <a:pPr marL="285750" indent="-285750">
-              <a:buFont typeface="Arial" panose="020B0604020202020204" pitchFamily="34" charset="0"/>
-              <a:buChar char="•"/>
-            </a:pPr>
-            <a:r>
-              <a:rPr lang="es-MX" sz="2400" dirty="0">
-                <a:hlinkClick r:id="rId9"/>
-              </a:rPr>
-              <a:t>https://www.fullstack.pe/blog/angular-data-binding</a:t>
-            </a:r>
-            <a:endParaRPr lang="es-MX" sz="2400" dirty="0"/>
-          </a:p>
-          <a:p>
-            <a:pPr marL="285750" indent="-285750">
-              <a:buFont typeface="Arial" panose="020B0604020202020204" pitchFamily="34" charset="0"/>
-              <a:buChar char="•"/>
-            </a:pPr>
-            <a:r>
-              <a:rPr lang="es-MX" sz="2400" dirty="0">
-                <a:hlinkClick r:id="rId10"/>
-              </a:rPr>
-              <a:t>https://cli.vuejs.org/guide/cli-service.html#using-the-binary</a:t>
+        </p:txBody>
+      </p:sp>
+      <p:sp>
+        <p:nvSpPr>
+          <p:cNvPr id="11" name="Rectángulo 10">
+            <a:extLst>
+              <a:ext uri="{FF2B5EF4-FFF2-40B4-BE49-F238E27FC236}">
+                <a16:creationId xmlns:a16="http://schemas.microsoft.com/office/drawing/2014/main" id="{0EE4D0CA-BB25-485D-A6CA-82FCDFF4B013}"/>
+              </a:ext>
+            </a:extLst>
+          </p:cNvPr>
+          <p:cNvSpPr/>
+          <p:nvPr/>
+        </p:nvSpPr>
+        <p:spPr>
+          <a:xfrm>
+            <a:off x="261021" y="2828834"/>
+            <a:ext cx="5057795" cy="1200329"/>
+          </a:xfrm>
+          <a:prstGeom prst="rect">
+            <a:avLst/>
+          </a:prstGeom>
+        </p:spPr>
+        <p:txBody>
+          <a:bodyPr wrap="none">
+            <a:spAutoFit/>
+          </a:bodyPr>
+          <a:lstStyle/>
+          <a:p>
+            <a:r>
+              <a:rPr lang="en-US" sz="2400" dirty="0">
+                <a:solidFill>
+                  <a:srgbClr val="2973B7"/>
+                </a:solidFill>
+                <a:latin typeface="Roboto Mono"/>
+              </a:rPr>
+              <a:t>&lt;div </a:t>
+            </a:r>
+          </a:p>
+          <a:p>
+            <a:r>
+              <a:rPr lang="en-US" sz="2400" dirty="0">
+                <a:solidFill>
+                  <a:srgbClr val="2973B7"/>
+                </a:solidFill>
+                <a:latin typeface="Roboto Mono"/>
+              </a:rPr>
+              <a:t>     </a:t>
+            </a:r>
+            <a:r>
+              <a:rPr lang="en-US" sz="2400" dirty="0"/>
+              <a:t> </a:t>
+            </a:r>
+            <a:r>
+              <a:rPr lang="en-US" sz="2400" dirty="0" err="1"/>
+              <a:t>v-bind</a:t>
+            </a:r>
+            <a:r>
+              <a:rPr lang="en-US" sz="2400" dirty="0" err="1">
+                <a:solidFill>
+                  <a:srgbClr val="2973B7"/>
+                </a:solidFill>
+                <a:latin typeface="Roboto Mono"/>
+              </a:rPr>
+              <a:t>:class</a:t>
+            </a:r>
+            <a:r>
+              <a:rPr lang="en-US" sz="2400" dirty="0">
+                <a:solidFill>
+                  <a:srgbClr val="2973B7"/>
+                </a:solidFill>
+                <a:latin typeface="Roboto Mono"/>
+              </a:rPr>
+              <a:t>=</a:t>
+            </a:r>
+            <a:r>
+              <a:rPr lang="en-US" sz="2400" dirty="0">
+                <a:solidFill>
+                  <a:srgbClr val="42B983"/>
+                </a:solidFill>
+                <a:latin typeface="Roboto Mono"/>
+              </a:rPr>
+              <a:t>"{ active: </a:t>
+            </a:r>
+            <a:r>
+              <a:rPr lang="en-US" sz="2400" dirty="0" err="1">
+                <a:solidFill>
+                  <a:srgbClr val="42B983"/>
+                </a:solidFill>
+                <a:latin typeface="Roboto Mono"/>
+              </a:rPr>
+              <a:t>isActive</a:t>
+            </a:r>
+            <a:r>
+              <a:rPr lang="en-US" sz="2400" dirty="0">
+                <a:solidFill>
+                  <a:srgbClr val="42B983"/>
+                </a:solidFill>
+                <a:latin typeface="Roboto Mono"/>
+              </a:rPr>
+              <a:t> }“</a:t>
+            </a:r>
+          </a:p>
+          <a:p>
+            <a:r>
+              <a:rPr lang="en-US" sz="2400" dirty="0">
+                <a:solidFill>
+                  <a:srgbClr val="2973B7"/>
+                </a:solidFill>
+                <a:latin typeface="Roboto Mono"/>
+              </a:rPr>
+              <a:t>&gt;&lt;/div&gt;</a:t>
             </a:r>
             <a:endParaRPr lang="es-MX" sz="2400" dirty="0"/>
           </a:p>
@@ -8897,7 +9031,2203 @@
     </p:spTree>
     <p:extLst>
       <p:ext uri="{BB962C8B-B14F-4D97-AF65-F5344CB8AC3E}">
-        <p14:creationId xmlns:p14="http://schemas.microsoft.com/office/powerpoint/2010/main" val="3398731177"/>
+        <p14:creationId xmlns:p14="http://schemas.microsoft.com/office/powerpoint/2010/main" val="3892599986"/>
+      </p:ext>
+    </p:extLst>
+  </p:cSld>
+  <p:clrMapOvr>
+    <a:masterClrMapping/>
+  </p:clrMapOvr>
+</p:sld>
+</file>
+
+<file path=ppt/slides/slide27.xml><?xml version="1.0" encoding="utf-8"?>
+<p:sld xmlns:a="http://schemas.openxmlformats.org/drawingml/2006/main" xmlns:r="http://schemas.openxmlformats.org/officeDocument/2006/relationships" xmlns:p="http://schemas.openxmlformats.org/presentationml/2006/main">
+  <p:cSld>
+    <p:spTree>
+      <p:nvGrpSpPr>
+        <p:cNvPr id="1" name=""/>
+        <p:cNvGrpSpPr/>
+        <p:nvPr/>
+      </p:nvGrpSpPr>
+      <p:grpSpPr>
+        <a:xfrm>
+          <a:off x="0" y="0"/>
+          <a:ext cx="0" cy="0"/>
+          <a:chOff x="0" y="0"/>
+          <a:chExt cx="0" cy="0"/>
+        </a:xfrm>
+      </p:grpSpPr>
+      <p:grpSp>
+        <p:nvGrpSpPr>
+          <p:cNvPr id="6" name="Grupo 5">
+            <a:extLst>
+              <a:ext uri="{FF2B5EF4-FFF2-40B4-BE49-F238E27FC236}">
+                <a16:creationId xmlns:a16="http://schemas.microsoft.com/office/drawing/2014/main" id="{343A7275-E56E-4FEE-ABCF-A540F4DEE010}"/>
+              </a:ext>
+            </a:extLst>
+          </p:cNvPr>
+          <p:cNvGrpSpPr/>
+          <p:nvPr/>
+        </p:nvGrpSpPr>
+        <p:grpSpPr>
+          <a:xfrm>
+            <a:off x="6803571" y="0"/>
+            <a:ext cx="5388429" cy="6858000"/>
+            <a:chOff x="6803571" y="0"/>
+            <a:chExt cx="5388429" cy="6858000"/>
+          </a:xfrm>
+        </p:grpSpPr>
+        <p:sp>
+          <p:nvSpPr>
+            <p:cNvPr id="4" name="Triángulo isósceles 3">
+              <a:extLst>
+                <a:ext uri="{FF2B5EF4-FFF2-40B4-BE49-F238E27FC236}">
+                  <a16:creationId xmlns:a16="http://schemas.microsoft.com/office/drawing/2014/main" id="{E21A7FE1-A148-4572-8889-559F87E19312}"/>
+                </a:ext>
+              </a:extLst>
+            </p:cNvPr>
+            <p:cNvSpPr/>
+            <p:nvPr/>
+          </p:nvSpPr>
+          <p:spPr>
+            <a:xfrm>
+              <a:off x="6803571" y="1992086"/>
+              <a:ext cx="5388429" cy="4865914"/>
+            </a:xfrm>
+            <a:prstGeom prst="triangle">
+              <a:avLst>
+                <a:gd name="adj" fmla="val 100000"/>
+              </a:avLst>
+            </a:prstGeom>
+            <a:solidFill>
+              <a:srgbClr val="2FB982"/>
+            </a:solidFill>
+            <a:ln>
+              <a:solidFill>
+                <a:srgbClr val="2FB982"/>
+              </a:solidFill>
+            </a:ln>
+          </p:spPr>
+          <p:style>
+            <a:lnRef idx="2">
+              <a:schemeClr val="accent1">
+                <a:shade val="50000"/>
+              </a:schemeClr>
+            </a:lnRef>
+            <a:fillRef idx="1">
+              <a:schemeClr val="accent1"/>
+            </a:fillRef>
+            <a:effectRef idx="0">
+              <a:schemeClr val="accent1"/>
+            </a:effectRef>
+            <a:fontRef idx="minor">
+              <a:schemeClr val="lt1"/>
+            </a:fontRef>
+          </p:style>
+          <p:txBody>
+            <a:bodyPr rtlCol="0" anchor="ctr"/>
+            <a:lstStyle/>
+            <a:p>
+              <a:pPr algn="ctr"/>
+              <a:endParaRPr lang="es-MX"/>
+            </a:p>
+          </p:txBody>
+        </p:sp>
+        <p:sp>
+          <p:nvSpPr>
+            <p:cNvPr id="5" name="Triángulo isósceles 4">
+              <a:extLst>
+                <a:ext uri="{FF2B5EF4-FFF2-40B4-BE49-F238E27FC236}">
+                  <a16:creationId xmlns:a16="http://schemas.microsoft.com/office/drawing/2014/main" id="{ED709881-D5FA-47C9-A6F9-83B57056699B}"/>
+                </a:ext>
+              </a:extLst>
+            </p:cNvPr>
+            <p:cNvSpPr/>
+            <p:nvPr/>
+          </p:nvSpPr>
+          <p:spPr>
+            <a:xfrm rot="10800000">
+              <a:off x="9535885" y="0"/>
+              <a:ext cx="2656115" cy="4778832"/>
+            </a:xfrm>
+            <a:prstGeom prst="triangle">
+              <a:avLst>
+                <a:gd name="adj" fmla="val 0"/>
+              </a:avLst>
+            </a:prstGeom>
+            <a:solidFill>
+              <a:srgbClr val="34475F"/>
+            </a:solidFill>
+            <a:ln>
+              <a:solidFill>
+                <a:srgbClr val="34475F"/>
+              </a:solidFill>
+            </a:ln>
+          </p:spPr>
+          <p:style>
+            <a:lnRef idx="2">
+              <a:schemeClr val="accent1">
+                <a:shade val="50000"/>
+              </a:schemeClr>
+            </a:lnRef>
+            <a:fillRef idx="1">
+              <a:schemeClr val="accent1"/>
+            </a:fillRef>
+            <a:effectRef idx="0">
+              <a:schemeClr val="accent1"/>
+            </a:effectRef>
+            <a:fontRef idx="minor">
+              <a:schemeClr val="lt1"/>
+            </a:fontRef>
+          </p:style>
+          <p:txBody>
+            <a:bodyPr rtlCol="0" anchor="ctr"/>
+            <a:lstStyle/>
+            <a:p>
+              <a:pPr algn="ctr"/>
+              <a:endParaRPr lang="es-MX" dirty="0"/>
+            </a:p>
+          </p:txBody>
+        </p:sp>
+      </p:grpSp>
+      <p:sp>
+        <p:nvSpPr>
+          <p:cNvPr id="7" name="CuadroTexto 6">
+            <a:extLst>
+              <a:ext uri="{FF2B5EF4-FFF2-40B4-BE49-F238E27FC236}">
+                <a16:creationId xmlns:a16="http://schemas.microsoft.com/office/drawing/2014/main" id="{4C12B744-E3BD-4A2D-A4C2-17BC2CD88CE0}"/>
+              </a:ext>
+            </a:extLst>
+          </p:cNvPr>
+          <p:cNvSpPr txBox="1"/>
+          <p:nvPr/>
+        </p:nvSpPr>
+        <p:spPr>
+          <a:xfrm>
+            <a:off x="59685" y="280732"/>
+            <a:ext cx="9720942" cy="830997"/>
+          </a:xfrm>
+          <a:prstGeom prst="rect">
+            <a:avLst/>
+          </a:prstGeom>
+          <a:noFill/>
+        </p:spPr>
+        <p:txBody>
+          <a:bodyPr wrap="square" rtlCol="0">
+            <a:spAutoFit/>
+          </a:bodyPr>
+          <a:lstStyle/>
+          <a:p>
+            <a:pPr algn="ctr"/>
+            <a:r>
+              <a:rPr lang="es-MX" sz="4800" dirty="0">
+                <a:latin typeface="Arial" panose="020B0604020202020204" pitchFamily="34" charset="0"/>
+                <a:cs typeface="Arial" panose="020B0604020202020204" pitchFamily="34" charset="0"/>
+              </a:rPr>
+              <a:t>Interpolación</a:t>
+            </a:r>
+          </a:p>
+        </p:txBody>
+      </p:sp>
+      <p:sp>
+        <p:nvSpPr>
+          <p:cNvPr id="2" name="Rectángulo 1">
+            <a:extLst>
+              <a:ext uri="{FF2B5EF4-FFF2-40B4-BE49-F238E27FC236}">
+                <a16:creationId xmlns:a16="http://schemas.microsoft.com/office/drawing/2014/main" id="{4BAD9DDD-EE08-4DBB-9DAF-7C5793CC8710}"/>
+              </a:ext>
+            </a:extLst>
+          </p:cNvPr>
+          <p:cNvSpPr/>
+          <p:nvPr/>
+        </p:nvSpPr>
+        <p:spPr>
+          <a:xfrm>
+            <a:off x="1775978" y="2149709"/>
+            <a:ext cx="5703806" cy="954107"/>
+          </a:xfrm>
+          <a:prstGeom prst="rect">
+            <a:avLst/>
+          </a:prstGeom>
+        </p:spPr>
+        <p:txBody>
+          <a:bodyPr wrap="none">
+            <a:spAutoFit/>
+          </a:bodyPr>
+          <a:lstStyle/>
+          <a:p>
+            <a:r>
+              <a:rPr lang="es-MX" sz="2800" dirty="0">
+                <a:latin typeface="Roboto Mono"/>
+              </a:rPr>
+              <a:t>TEXTO:</a:t>
+            </a:r>
+          </a:p>
+          <a:p>
+            <a:r>
+              <a:rPr lang="es-MX" sz="2800" dirty="0">
+                <a:solidFill>
+                  <a:srgbClr val="2973B7"/>
+                </a:solidFill>
+                <a:latin typeface="Roboto Mono"/>
+              </a:rPr>
+              <a:t>&lt;</a:t>
+            </a:r>
+            <a:r>
+              <a:rPr lang="es-MX" sz="2800" dirty="0" err="1">
+                <a:solidFill>
+                  <a:srgbClr val="2973B7"/>
+                </a:solidFill>
+                <a:latin typeface="Roboto Mono"/>
+              </a:rPr>
+              <a:t>span</a:t>
+            </a:r>
+            <a:r>
+              <a:rPr lang="es-MX" sz="2800" dirty="0">
+                <a:solidFill>
+                  <a:srgbClr val="2973B7"/>
+                </a:solidFill>
+                <a:latin typeface="Roboto Mono"/>
+              </a:rPr>
+              <a:t>&gt;</a:t>
+            </a:r>
+            <a:r>
+              <a:rPr lang="es-MX" sz="2800" dirty="0" err="1">
+                <a:solidFill>
+                  <a:srgbClr val="525252"/>
+                </a:solidFill>
+                <a:latin typeface="Roboto Mono"/>
+              </a:rPr>
+              <a:t>Message</a:t>
+            </a:r>
+            <a:r>
+              <a:rPr lang="es-MX" sz="2800" dirty="0">
+                <a:solidFill>
+                  <a:srgbClr val="525252"/>
+                </a:solidFill>
+                <a:latin typeface="Roboto Mono"/>
+              </a:rPr>
+              <a:t>: </a:t>
+            </a:r>
+            <a:r>
+              <a:rPr lang="es-MX" sz="2800" u="sng" dirty="0">
+                <a:solidFill>
+                  <a:srgbClr val="FF0000"/>
+                </a:solidFill>
+                <a:latin typeface="Roboto Mono"/>
+              </a:rPr>
+              <a:t>{{ </a:t>
+            </a:r>
+            <a:r>
+              <a:rPr lang="es-MX" sz="2800" u="sng" dirty="0" err="1">
+                <a:solidFill>
+                  <a:srgbClr val="FF0000"/>
+                </a:solidFill>
+                <a:latin typeface="Roboto Mono"/>
+              </a:rPr>
+              <a:t>msg</a:t>
+            </a:r>
+            <a:r>
+              <a:rPr lang="es-MX" sz="2800" u="sng" dirty="0">
+                <a:solidFill>
+                  <a:srgbClr val="FF0000"/>
+                </a:solidFill>
+                <a:latin typeface="Roboto Mono"/>
+              </a:rPr>
+              <a:t> }}</a:t>
+            </a:r>
+            <a:r>
+              <a:rPr lang="es-MX" sz="2800" dirty="0">
+                <a:solidFill>
+                  <a:srgbClr val="2973B7"/>
+                </a:solidFill>
+                <a:latin typeface="Roboto Mono"/>
+              </a:rPr>
+              <a:t>&lt;/</a:t>
+            </a:r>
+            <a:r>
+              <a:rPr lang="es-MX" sz="2800" dirty="0" err="1">
+                <a:solidFill>
+                  <a:srgbClr val="2973B7"/>
+                </a:solidFill>
+                <a:latin typeface="Roboto Mono"/>
+              </a:rPr>
+              <a:t>span</a:t>
+            </a:r>
+            <a:r>
+              <a:rPr lang="es-MX" sz="2800" dirty="0">
+                <a:solidFill>
+                  <a:srgbClr val="2973B7"/>
+                </a:solidFill>
+                <a:latin typeface="Roboto Mono"/>
+              </a:rPr>
+              <a:t>&gt;</a:t>
+            </a:r>
+            <a:endParaRPr lang="es-MX" sz="2800" dirty="0"/>
+          </a:p>
+        </p:txBody>
+      </p:sp>
+    </p:spTree>
+    <p:extLst>
+      <p:ext uri="{BB962C8B-B14F-4D97-AF65-F5344CB8AC3E}">
+        <p14:creationId xmlns:p14="http://schemas.microsoft.com/office/powerpoint/2010/main" val="574869829"/>
+      </p:ext>
+    </p:extLst>
+  </p:cSld>
+  <p:clrMapOvr>
+    <a:masterClrMapping/>
+  </p:clrMapOvr>
+</p:sld>
+</file>
+
+<file path=ppt/slides/slide28.xml><?xml version="1.0" encoding="utf-8"?>
+<p:sld xmlns:a="http://schemas.openxmlformats.org/drawingml/2006/main" xmlns:r="http://schemas.openxmlformats.org/officeDocument/2006/relationships" xmlns:p="http://schemas.openxmlformats.org/presentationml/2006/main">
+  <p:cSld>
+    <p:spTree>
+      <p:nvGrpSpPr>
+        <p:cNvPr id="1" name=""/>
+        <p:cNvGrpSpPr/>
+        <p:nvPr/>
+      </p:nvGrpSpPr>
+      <p:grpSpPr>
+        <a:xfrm>
+          <a:off x="0" y="0"/>
+          <a:ext cx="0" cy="0"/>
+          <a:chOff x="0" y="0"/>
+          <a:chExt cx="0" cy="0"/>
+        </a:xfrm>
+      </p:grpSpPr>
+      <p:grpSp>
+        <p:nvGrpSpPr>
+          <p:cNvPr id="6" name="Grupo 5">
+            <a:extLst>
+              <a:ext uri="{FF2B5EF4-FFF2-40B4-BE49-F238E27FC236}">
+                <a16:creationId xmlns:a16="http://schemas.microsoft.com/office/drawing/2014/main" id="{343A7275-E56E-4FEE-ABCF-A540F4DEE010}"/>
+              </a:ext>
+            </a:extLst>
+          </p:cNvPr>
+          <p:cNvGrpSpPr/>
+          <p:nvPr/>
+        </p:nvGrpSpPr>
+        <p:grpSpPr>
+          <a:xfrm>
+            <a:off x="6803571" y="0"/>
+            <a:ext cx="5388429" cy="6858000"/>
+            <a:chOff x="6803571" y="0"/>
+            <a:chExt cx="5388429" cy="6858000"/>
+          </a:xfrm>
+        </p:grpSpPr>
+        <p:sp>
+          <p:nvSpPr>
+            <p:cNvPr id="4" name="Triángulo isósceles 3">
+              <a:extLst>
+                <a:ext uri="{FF2B5EF4-FFF2-40B4-BE49-F238E27FC236}">
+                  <a16:creationId xmlns:a16="http://schemas.microsoft.com/office/drawing/2014/main" id="{E21A7FE1-A148-4572-8889-559F87E19312}"/>
+                </a:ext>
+              </a:extLst>
+            </p:cNvPr>
+            <p:cNvSpPr/>
+            <p:nvPr/>
+          </p:nvSpPr>
+          <p:spPr>
+            <a:xfrm>
+              <a:off x="6803571" y="1992086"/>
+              <a:ext cx="5388429" cy="4865914"/>
+            </a:xfrm>
+            <a:prstGeom prst="triangle">
+              <a:avLst>
+                <a:gd name="adj" fmla="val 100000"/>
+              </a:avLst>
+            </a:prstGeom>
+            <a:solidFill>
+              <a:srgbClr val="2FB982"/>
+            </a:solidFill>
+            <a:ln>
+              <a:solidFill>
+                <a:srgbClr val="2FB982"/>
+              </a:solidFill>
+            </a:ln>
+          </p:spPr>
+          <p:style>
+            <a:lnRef idx="2">
+              <a:schemeClr val="accent1">
+                <a:shade val="50000"/>
+              </a:schemeClr>
+            </a:lnRef>
+            <a:fillRef idx="1">
+              <a:schemeClr val="accent1"/>
+            </a:fillRef>
+            <a:effectRef idx="0">
+              <a:schemeClr val="accent1"/>
+            </a:effectRef>
+            <a:fontRef idx="minor">
+              <a:schemeClr val="lt1"/>
+            </a:fontRef>
+          </p:style>
+          <p:txBody>
+            <a:bodyPr rtlCol="0" anchor="ctr"/>
+            <a:lstStyle/>
+            <a:p>
+              <a:pPr algn="ctr"/>
+              <a:endParaRPr lang="es-MX"/>
+            </a:p>
+          </p:txBody>
+        </p:sp>
+        <p:sp>
+          <p:nvSpPr>
+            <p:cNvPr id="5" name="Triángulo isósceles 4">
+              <a:extLst>
+                <a:ext uri="{FF2B5EF4-FFF2-40B4-BE49-F238E27FC236}">
+                  <a16:creationId xmlns:a16="http://schemas.microsoft.com/office/drawing/2014/main" id="{ED709881-D5FA-47C9-A6F9-83B57056699B}"/>
+                </a:ext>
+              </a:extLst>
+            </p:cNvPr>
+            <p:cNvSpPr/>
+            <p:nvPr/>
+          </p:nvSpPr>
+          <p:spPr>
+            <a:xfrm rot="10800000">
+              <a:off x="9535885" y="0"/>
+              <a:ext cx="2656115" cy="4778832"/>
+            </a:xfrm>
+            <a:prstGeom prst="triangle">
+              <a:avLst>
+                <a:gd name="adj" fmla="val 0"/>
+              </a:avLst>
+            </a:prstGeom>
+            <a:solidFill>
+              <a:srgbClr val="34475F"/>
+            </a:solidFill>
+            <a:ln>
+              <a:solidFill>
+                <a:srgbClr val="34475F"/>
+              </a:solidFill>
+            </a:ln>
+          </p:spPr>
+          <p:style>
+            <a:lnRef idx="2">
+              <a:schemeClr val="accent1">
+                <a:shade val="50000"/>
+              </a:schemeClr>
+            </a:lnRef>
+            <a:fillRef idx="1">
+              <a:schemeClr val="accent1"/>
+            </a:fillRef>
+            <a:effectRef idx="0">
+              <a:schemeClr val="accent1"/>
+            </a:effectRef>
+            <a:fontRef idx="minor">
+              <a:schemeClr val="lt1"/>
+            </a:fontRef>
+          </p:style>
+          <p:txBody>
+            <a:bodyPr rtlCol="0" anchor="ctr"/>
+            <a:lstStyle/>
+            <a:p>
+              <a:pPr algn="ctr"/>
+              <a:endParaRPr lang="es-MX" dirty="0"/>
+            </a:p>
+          </p:txBody>
+        </p:sp>
+      </p:grpSp>
+      <p:sp>
+        <p:nvSpPr>
+          <p:cNvPr id="7" name="CuadroTexto 6">
+            <a:extLst>
+              <a:ext uri="{FF2B5EF4-FFF2-40B4-BE49-F238E27FC236}">
+                <a16:creationId xmlns:a16="http://schemas.microsoft.com/office/drawing/2014/main" id="{4C12B744-E3BD-4A2D-A4C2-17BC2CD88CE0}"/>
+              </a:ext>
+            </a:extLst>
+          </p:cNvPr>
+          <p:cNvSpPr txBox="1"/>
+          <p:nvPr/>
+        </p:nvSpPr>
+        <p:spPr>
+          <a:xfrm>
+            <a:off x="59685" y="280732"/>
+            <a:ext cx="9226928" cy="769441"/>
+          </a:xfrm>
+          <a:prstGeom prst="rect">
+            <a:avLst/>
+          </a:prstGeom>
+          <a:noFill/>
+        </p:spPr>
+        <p:txBody>
+          <a:bodyPr wrap="square" rtlCol="0">
+            <a:spAutoFit/>
+          </a:bodyPr>
+          <a:lstStyle/>
+          <a:p>
+            <a:pPr algn="ctr"/>
+            <a:r>
+              <a:rPr lang="en-US" sz="4400" dirty="0"/>
+              <a:t>JavaScript Expressions</a:t>
+            </a:r>
+          </a:p>
+        </p:txBody>
+      </p:sp>
+      <p:sp>
+        <p:nvSpPr>
+          <p:cNvPr id="8" name="Rectangle 2">
+            <a:extLst>
+              <a:ext uri="{FF2B5EF4-FFF2-40B4-BE49-F238E27FC236}">
+                <a16:creationId xmlns:a16="http://schemas.microsoft.com/office/drawing/2014/main" id="{11F173C4-0C73-4694-890C-A0F53B240020}"/>
+              </a:ext>
+            </a:extLst>
+          </p:cNvPr>
+          <p:cNvSpPr>
+            <a:spLocks noChangeArrowheads="1"/>
+          </p:cNvSpPr>
+          <p:nvPr/>
+        </p:nvSpPr>
+        <p:spPr bwMode="auto">
+          <a:xfrm>
+            <a:off x="1349322" y="1223662"/>
+            <a:ext cx="6647654" cy="1477328"/>
+          </a:xfrm>
+          <a:prstGeom prst="rect">
+            <a:avLst/>
+          </a:prstGeom>
+          <a:solidFill>
+            <a:srgbClr val="F8F8F8"/>
+          </a:solidFill>
+          <a:ln>
+            <a:noFill/>
+          </a:ln>
+          <a:effectLst/>
+          <a:extLst>
+            <a:ext uri="{91240B29-F687-4F45-9708-019B960494DF}">
+              <a14:hiddenLine xmlns:a14="http://schemas.microsoft.com/office/drawing/2010/main" w="9525">
+                <a:solidFill>
+                  <a:schemeClr val="tx1"/>
+                </a:solidFill>
+                <a:miter lim="800000"/>
+                <a:headEnd/>
+                <a:tailEnd/>
+              </a14:hiddenLine>
+            </a:ext>
+            <a:ext uri="{AF507438-7753-43E0-B8FC-AC1667EBCBE1}">
+              <a14:hiddenEffects xmlns:a14="http://schemas.microsoft.com/office/drawing/2010/main">
+                <a:effectLst>
+                  <a:outerShdw dist="35921" dir="2700000" algn="ctr" rotWithShape="0">
+                    <a:schemeClr val="bg2"/>
+                  </a:outerShdw>
+                </a:effectLst>
+              </a14:hiddenEffects>
+            </a:ext>
+          </a:extLst>
+        </p:spPr>
+        <p:txBody>
+          <a:bodyPr vert="horz" wrap="none" lIns="0" tIns="0" rIns="0" bIns="0" numCol="1" anchor="ctr" anchorCtr="0" compatLnSpc="1">
+            <a:prstTxWarp prst="textNoShape">
+              <a:avLst/>
+            </a:prstTxWarp>
+            <a:spAutoFit/>
+          </a:bodyPr>
+          <a:lstStyle/>
+          <a:p>
+            <a:pPr marL="0" marR="0" lvl="0" indent="0" algn="l" defTabSz="914400" rtl="0" eaLnBrk="0" fontAlgn="base" latinLnBrk="0" hangingPunct="0">
+              <a:lnSpc>
+                <a:spcPct val="100000"/>
+              </a:lnSpc>
+              <a:spcBef>
+                <a:spcPct val="0"/>
+              </a:spcBef>
+              <a:spcAft>
+                <a:spcPct val="0"/>
+              </a:spcAft>
+              <a:buClrTx/>
+              <a:buSzTx/>
+              <a:buFontTx/>
+              <a:buNone/>
+              <a:tabLst/>
+            </a:pPr>
+            <a:r>
+              <a:rPr kumimoji="0" lang="es-MX" altLang="es-MX" sz="3200" b="0" i="0" u="none" strike="noStrike" cap="none" normalizeH="0" baseline="0" dirty="0">
+                <a:ln>
+                  <a:noFill/>
+                </a:ln>
+                <a:solidFill>
+                  <a:srgbClr val="525252"/>
+                </a:solidFill>
+                <a:effectLst/>
+                <a:latin typeface="Roboto Mono"/>
+              </a:rPr>
+              <a:t>{{ </a:t>
+            </a:r>
+            <a:r>
+              <a:rPr kumimoji="0" lang="es-MX" altLang="es-MX" sz="3200" b="0" i="0" u="none" strike="noStrike" cap="none" normalizeH="0" baseline="0" dirty="0" err="1">
+                <a:ln>
+                  <a:noFill/>
+                </a:ln>
+                <a:solidFill>
+                  <a:srgbClr val="525252"/>
+                </a:solidFill>
+                <a:effectLst/>
+                <a:latin typeface="Roboto Mono"/>
+              </a:rPr>
+              <a:t>number</a:t>
+            </a:r>
+            <a:r>
+              <a:rPr kumimoji="0" lang="es-MX" altLang="es-MX" sz="3200" b="0" i="0" u="none" strike="noStrike" cap="none" normalizeH="0" baseline="0" dirty="0">
+                <a:ln>
+                  <a:noFill/>
+                </a:ln>
+                <a:solidFill>
+                  <a:srgbClr val="525252"/>
+                </a:solidFill>
+                <a:effectLst/>
+                <a:latin typeface="Roboto Mono"/>
+              </a:rPr>
+              <a:t> + 1 }}</a:t>
+            </a:r>
+          </a:p>
+          <a:p>
+            <a:pPr marL="0" marR="0" lvl="0" indent="0" algn="l" defTabSz="914400" rtl="0" eaLnBrk="0" fontAlgn="base" latinLnBrk="0" hangingPunct="0">
+              <a:lnSpc>
+                <a:spcPct val="100000"/>
+              </a:lnSpc>
+              <a:spcBef>
+                <a:spcPct val="0"/>
+              </a:spcBef>
+              <a:spcAft>
+                <a:spcPct val="0"/>
+              </a:spcAft>
+              <a:buClrTx/>
+              <a:buSzTx/>
+              <a:buFontTx/>
+              <a:buNone/>
+              <a:tabLst/>
+            </a:pPr>
+            <a:r>
+              <a:rPr kumimoji="0" lang="es-MX" altLang="es-MX" sz="3200" b="0" i="0" u="none" strike="noStrike" cap="none" normalizeH="0" baseline="0" dirty="0">
+                <a:ln>
+                  <a:noFill/>
+                </a:ln>
+                <a:solidFill>
+                  <a:srgbClr val="525252"/>
+                </a:solidFill>
+                <a:effectLst/>
+                <a:latin typeface="Roboto Mono"/>
+              </a:rPr>
+              <a:t>{{ ok ? 'YES' : 'NO' }}</a:t>
+            </a:r>
+          </a:p>
+          <a:p>
+            <a:pPr marL="0" marR="0" lvl="0" indent="0" algn="l" defTabSz="914400" rtl="0" eaLnBrk="0" fontAlgn="base" latinLnBrk="0" hangingPunct="0">
+              <a:lnSpc>
+                <a:spcPct val="100000"/>
+              </a:lnSpc>
+              <a:spcBef>
+                <a:spcPct val="0"/>
+              </a:spcBef>
+              <a:spcAft>
+                <a:spcPct val="0"/>
+              </a:spcAft>
+              <a:buClrTx/>
+              <a:buSzTx/>
+              <a:buFontTx/>
+              <a:buNone/>
+              <a:tabLst/>
+            </a:pPr>
+            <a:r>
+              <a:rPr kumimoji="0" lang="es-MX" altLang="es-MX" sz="3200" b="0" i="0" u="none" strike="noStrike" cap="none" normalizeH="0" baseline="0" dirty="0">
+                <a:ln>
+                  <a:noFill/>
+                </a:ln>
+                <a:solidFill>
+                  <a:srgbClr val="525252"/>
+                </a:solidFill>
+                <a:effectLst/>
+                <a:latin typeface="Roboto Mono"/>
+              </a:rPr>
+              <a:t>{{ </a:t>
+            </a:r>
+            <a:r>
+              <a:rPr kumimoji="0" lang="es-MX" altLang="es-MX" sz="3200" b="0" i="0" u="none" strike="noStrike" cap="none" normalizeH="0" baseline="0" dirty="0" err="1">
+                <a:ln>
+                  <a:noFill/>
+                </a:ln>
+                <a:solidFill>
+                  <a:srgbClr val="525252"/>
+                </a:solidFill>
+                <a:effectLst/>
+                <a:latin typeface="Roboto Mono"/>
+              </a:rPr>
+              <a:t>message.split</a:t>
+            </a:r>
+            <a:r>
+              <a:rPr kumimoji="0" lang="es-MX" altLang="es-MX" sz="3200" b="0" i="0" u="none" strike="noStrike" cap="none" normalizeH="0" baseline="0" dirty="0">
+                <a:ln>
+                  <a:noFill/>
+                </a:ln>
+                <a:solidFill>
+                  <a:srgbClr val="525252"/>
+                </a:solidFill>
+                <a:effectLst/>
+                <a:latin typeface="Roboto Mono"/>
+              </a:rPr>
+              <a:t>('').reverse().</a:t>
+            </a:r>
+            <a:r>
+              <a:rPr kumimoji="0" lang="es-MX" altLang="es-MX" sz="3200" b="0" i="0" u="none" strike="noStrike" cap="none" normalizeH="0" baseline="0" dirty="0" err="1">
+                <a:ln>
+                  <a:noFill/>
+                </a:ln>
+                <a:solidFill>
+                  <a:srgbClr val="525252"/>
+                </a:solidFill>
+                <a:effectLst/>
+                <a:latin typeface="Roboto Mono"/>
+              </a:rPr>
+              <a:t>join</a:t>
+            </a:r>
+            <a:r>
+              <a:rPr kumimoji="0" lang="es-MX" altLang="es-MX" sz="3200" b="0" i="0" u="none" strike="noStrike" cap="none" normalizeH="0" baseline="0" dirty="0">
+                <a:ln>
+                  <a:noFill/>
+                </a:ln>
+                <a:solidFill>
+                  <a:srgbClr val="525252"/>
+                </a:solidFill>
+                <a:effectLst/>
+                <a:latin typeface="Roboto Mono"/>
+              </a:rPr>
+              <a:t>('') }}</a:t>
+            </a:r>
+            <a:endParaRPr kumimoji="0" lang="es-MX" altLang="es-MX" sz="700" b="0" i="0" u="none" strike="noStrike" cap="none" normalizeH="0" baseline="0" dirty="0">
+              <a:ln>
+                <a:noFill/>
+              </a:ln>
+              <a:solidFill>
+                <a:schemeClr val="tx1"/>
+              </a:solidFill>
+              <a:effectLst/>
+              <a:latin typeface="Arial" panose="020B0604020202020204" pitchFamily="34" charset="0"/>
+            </a:endParaRPr>
+          </a:p>
+        </p:txBody>
+      </p:sp>
+      <p:sp>
+        <p:nvSpPr>
+          <p:cNvPr id="9" name="Rectangle 3">
+            <a:extLst>
+              <a:ext uri="{FF2B5EF4-FFF2-40B4-BE49-F238E27FC236}">
+                <a16:creationId xmlns:a16="http://schemas.microsoft.com/office/drawing/2014/main" id="{6F0B6447-A48E-4800-A22C-16F7ADD39C8A}"/>
+              </a:ext>
+            </a:extLst>
+          </p:cNvPr>
+          <p:cNvSpPr>
+            <a:spLocks noChangeArrowheads="1"/>
+          </p:cNvSpPr>
+          <p:nvPr/>
+        </p:nvSpPr>
+        <p:spPr bwMode="auto">
+          <a:xfrm>
+            <a:off x="534917" y="3351883"/>
+            <a:ext cx="8522819" cy="1477328"/>
+          </a:xfrm>
+          <a:prstGeom prst="rect">
+            <a:avLst/>
+          </a:prstGeom>
+          <a:solidFill>
+            <a:srgbClr val="F8F8F8"/>
+          </a:solidFill>
+          <a:ln>
+            <a:noFill/>
+          </a:ln>
+          <a:effectLst/>
+          <a:extLst>
+            <a:ext uri="{91240B29-F687-4F45-9708-019B960494DF}">
+              <a14:hiddenLine xmlns:a14="http://schemas.microsoft.com/office/drawing/2010/main" w="9525">
+                <a:solidFill>
+                  <a:schemeClr val="tx1"/>
+                </a:solidFill>
+                <a:miter lim="800000"/>
+                <a:headEnd/>
+                <a:tailEnd/>
+              </a14:hiddenLine>
+            </a:ext>
+            <a:ext uri="{AF507438-7753-43E0-B8FC-AC1667EBCBE1}">
+              <a14:hiddenEffects xmlns:a14="http://schemas.microsoft.com/office/drawing/2010/main">
+                <a:effectLst>
+                  <a:outerShdw dist="35921" dir="2700000" algn="ctr" rotWithShape="0">
+                    <a:schemeClr val="bg2"/>
+                  </a:outerShdw>
+                </a:effectLst>
+              </a14:hiddenEffects>
+            </a:ext>
+          </a:extLst>
+        </p:spPr>
+        <p:txBody>
+          <a:bodyPr vert="horz" wrap="square" lIns="0" tIns="0" rIns="0" bIns="0" numCol="1" anchor="ctr" anchorCtr="0" compatLnSpc="1">
+            <a:prstTxWarp prst="textNoShape">
+              <a:avLst/>
+            </a:prstTxWarp>
+            <a:spAutoFit/>
+          </a:bodyPr>
+          <a:lstStyle/>
+          <a:p>
+            <a:pPr marL="0" marR="0" lvl="0" indent="0" algn="l" defTabSz="914400" rtl="0" eaLnBrk="0" fontAlgn="base" latinLnBrk="0" hangingPunct="0">
+              <a:lnSpc>
+                <a:spcPct val="100000"/>
+              </a:lnSpc>
+              <a:spcBef>
+                <a:spcPct val="0"/>
+              </a:spcBef>
+              <a:spcAft>
+                <a:spcPct val="0"/>
+              </a:spcAft>
+              <a:buClrTx/>
+              <a:buSzTx/>
+              <a:buFontTx/>
+              <a:buNone/>
+              <a:tabLst/>
+            </a:pPr>
+            <a:r>
+              <a:rPr kumimoji="0" lang="es-MX" altLang="es-MX" sz="2400" b="0" i="0" u="none" strike="noStrike" cap="none" normalizeH="0" baseline="0" dirty="0">
+                <a:ln>
+                  <a:noFill/>
+                </a:ln>
+                <a:solidFill>
+                  <a:srgbClr val="B3B3B3"/>
+                </a:solidFill>
+                <a:effectLst/>
+                <a:latin typeface="Roboto Mono"/>
+              </a:rPr>
+              <a:t>&lt;!-- </a:t>
+            </a:r>
+            <a:r>
+              <a:rPr kumimoji="0" lang="es-MX" altLang="es-MX" sz="2400" b="0" i="0" u="none" strike="noStrike" cap="none" normalizeH="0" baseline="0" dirty="0" err="1">
+                <a:ln>
+                  <a:noFill/>
+                </a:ln>
+                <a:solidFill>
+                  <a:srgbClr val="B3B3B3"/>
+                </a:solidFill>
+                <a:effectLst/>
+                <a:latin typeface="Roboto Mono"/>
+              </a:rPr>
+              <a:t>this</a:t>
+            </a:r>
+            <a:r>
+              <a:rPr kumimoji="0" lang="es-MX" altLang="es-MX" sz="2400" b="0" i="0" u="none" strike="noStrike" cap="none" normalizeH="0" baseline="0" dirty="0">
+                <a:ln>
+                  <a:noFill/>
+                </a:ln>
+                <a:solidFill>
+                  <a:srgbClr val="B3B3B3"/>
+                </a:solidFill>
+                <a:effectLst/>
+                <a:latin typeface="Roboto Mono"/>
+              </a:rPr>
+              <a:t> </a:t>
+            </a:r>
+            <a:r>
+              <a:rPr kumimoji="0" lang="es-MX" altLang="es-MX" sz="2400" b="0" i="0" u="none" strike="noStrike" cap="none" normalizeH="0" baseline="0" dirty="0" err="1">
+                <a:ln>
+                  <a:noFill/>
+                </a:ln>
+                <a:solidFill>
+                  <a:srgbClr val="B3B3B3"/>
+                </a:solidFill>
+                <a:effectLst/>
+                <a:latin typeface="Roboto Mono"/>
+              </a:rPr>
+              <a:t>is</a:t>
+            </a:r>
+            <a:r>
+              <a:rPr kumimoji="0" lang="es-MX" altLang="es-MX" sz="2400" b="0" i="0" u="none" strike="noStrike" cap="none" normalizeH="0" baseline="0" dirty="0">
+                <a:ln>
+                  <a:noFill/>
+                </a:ln>
+                <a:solidFill>
+                  <a:srgbClr val="B3B3B3"/>
+                </a:solidFill>
+                <a:effectLst/>
+                <a:latin typeface="Roboto Mono"/>
+              </a:rPr>
+              <a:t> a </a:t>
+            </a:r>
+            <a:r>
+              <a:rPr kumimoji="0" lang="es-MX" altLang="es-MX" sz="2400" b="0" i="0" u="none" strike="noStrike" cap="none" normalizeH="0" baseline="0" dirty="0" err="1">
+                <a:ln>
+                  <a:noFill/>
+                </a:ln>
+                <a:solidFill>
+                  <a:srgbClr val="B3B3B3"/>
+                </a:solidFill>
+                <a:effectLst/>
+                <a:latin typeface="Roboto Mono"/>
+              </a:rPr>
+              <a:t>statement</a:t>
+            </a:r>
+            <a:r>
+              <a:rPr kumimoji="0" lang="es-MX" altLang="es-MX" sz="2400" b="0" i="0" u="none" strike="noStrike" cap="none" normalizeH="0" baseline="0" dirty="0">
+                <a:ln>
+                  <a:noFill/>
+                </a:ln>
+                <a:solidFill>
+                  <a:srgbClr val="B3B3B3"/>
+                </a:solidFill>
+                <a:effectLst/>
+                <a:latin typeface="Roboto Mono"/>
+              </a:rPr>
+              <a:t>, </a:t>
+            </a:r>
+            <a:r>
+              <a:rPr kumimoji="0" lang="es-MX" altLang="es-MX" sz="2400" b="0" i="0" u="none" strike="noStrike" cap="none" normalizeH="0" baseline="0" dirty="0" err="1">
+                <a:ln>
+                  <a:noFill/>
+                </a:ln>
+                <a:solidFill>
+                  <a:srgbClr val="B3B3B3"/>
+                </a:solidFill>
+                <a:effectLst/>
+                <a:latin typeface="Roboto Mono"/>
+              </a:rPr>
+              <a:t>not</a:t>
+            </a:r>
+            <a:r>
+              <a:rPr kumimoji="0" lang="es-MX" altLang="es-MX" sz="2400" b="0" i="0" u="none" strike="noStrike" cap="none" normalizeH="0" baseline="0" dirty="0">
+                <a:ln>
+                  <a:noFill/>
+                </a:ln>
+                <a:solidFill>
+                  <a:srgbClr val="B3B3B3"/>
+                </a:solidFill>
+                <a:effectLst/>
+                <a:latin typeface="Roboto Mono"/>
+              </a:rPr>
+              <a:t> </a:t>
+            </a:r>
+            <a:r>
+              <a:rPr kumimoji="0" lang="es-MX" altLang="es-MX" sz="2400" b="0" i="0" u="none" strike="noStrike" cap="none" normalizeH="0" baseline="0" dirty="0" err="1">
+                <a:ln>
+                  <a:noFill/>
+                </a:ln>
+                <a:solidFill>
+                  <a:srgbClr val="B3B3B3"/>
+                </a:solidFill>
+                <a:effectLst/>
+                <a:latin typeface="Roboto Mono"/>
+              </a:rPr>
+              <a:t>an</a:t>
+            </a:r>
+            <a:r>
+              <a:rPr kumimoji="0" lang="es-MX" altLang="es-MX" sz="2400" b="0" i="0" u="none" strike="noStrike" cap="none" normalizeH="0" baseline="0" dirty="0">
+                <a:ln>
+                  <a:noFill/>
+                </a:ln>
+                <a:solidFill>
+                  <a:srgbClr val="B3B3B3"/>
+                </a:solidFill>
+                <a:effectLst/>
+                <a:latin typeface="Roboto Mono"/>
+              </a:rPr>
+              <a:t> </a:t>
+            </a:r>
+            <a:r>
+              <a:rPr kumimoji="0" lang="es-MX" altLang="es-MX" sz="2400" b="0" i="0" u="none" strike="noStrike" cap="none" normalizeH="0" baseline="0" dirty="0" err="1">
+                <a:ln>
+                  <a:noFill/>
+                </a:ln>
+                <a:solidFill>
+                  <a:srgbClr val="B3B3B3"/>
+                </a:solidFill>
+                <a:effectLst/>
+                <a:latin typeface="Roboto Mono"/>
+              </a:rPr>
+              <a:t>expression</a:t>
+            </a:r>
+            <a:r>
+              <a:rPr kumimoji="0" lang="es-MX" altLang="es-MX" sz="2400" b="0" i="0" u="none" strike="noStrike" cap="none" normalizeH="0" baseline="0" dirty="0">
+                <a:ln>
+                  <a:noFill/>
+                </a:ln>
+                <a:solidFill>
+                  <a:srgbClr val="B3B3B3"/>
+                </a:solidFill>
+                <a:effectLst/>
+                <a:latin typeface="Roboto Mono"/>
+              </a:rPr>
+              <a:t>: --&gt;</a:t>
+            </a:r>
+            <a:endParaRPr kumimoji="0" lang="es-MX" altLang="es-MX" sz="2400" b="0" i="0" u="none" strike="noStrike" cap="none" normalizeH="0" baseline="0" dirty="0">
+              <a:ln>
+                <a:noFill/>
+              </a:ln>
+              <a:solidFill>
+                <a:srgbClr val="525252"/>
+              </a:solidFill>
+              <a:effectLst/>
+              <a:latin typeface="Roboto Mono"/>
+            </a:endParaRPr>
+          </a:p>
+          <a:p>
+            <a:pPr marL="0" marR="0" lvl="0" indent="0" algn="l" defTabSz="914400" rtl="0" eaLnBrk="0" fontAlgn="base" latinLnBrk="0" hangingPunct="0">
+              <a:lnSpc>
+                <a:spcPct val="100000"/>
+              </a:lnSpc>
+              <a:spcBef>
+                <a:spcPct val="0"/>
+              </a:spcBef>
+              <a:spcAft>
+                <a:spcPct val="0"/>
+              </a:spcAft>
+              <a:buClrTx/>
+              <a:buSzTx/>
+              <a:buFontTx/>
+              <a:buNone/>
+              <a:tabLst/>
+            </a:pPr>
+            <a:r>
+              <a:rPr kumimoji="0" lang="es-MX" altLang="es-MX" sz="2400" b="0" i="0" u="none" strike="noStrike" cap="none" normalizeH="0" baseline="0" dirty="0">
+                <a:ln>
+                  <a:noFill/>
+                </a:ln>
+                <a:solidFill>
+                  <a:srgbClr val="525252"/>
+                </a:solidFill>
+                <a:effectLst/>
+                <a:latin typeface="Roboto Mono"/>
+              </a:rPr>
+              <a:t>{{ </a:t>
+            </a:r>
+            <a:r>
+              <a:rPr kumimoji="0" lang="es-MX" altLang="es-MX" sz="2400" b="0" i="0" u="none" strike="noStrike" cap="none" normalizeH="0" baseline="0" dirty="0" err="1">
+                <a:ln>
+                  <a:noFill/>
+                </a:ln>
+                <a:solidFill>
+                  <a:srgbClr val="525252"/>
+                </a:solidFill>
+                <a:effectLst/>
+                <a:latin typeface="Roboto Mono"/>
+              </a:rPr>
+              <a:t>var</a:t>
+            </a:r>
+            <a:r>
+              <a:rPr kumimoji="0" lang="es-MX" altLang="es-MX" sz="2400" b="0" i="0" u="none" strike="noStrike" cap="none" normalizeH="0" baseline="0" dirty="0">
+                <a:ln>
+                  <a:noFill/>
+                </a:ln>
+                <a:solidFill>
+                  <a:srgbClr val="525252"/>
+                </a:solidFill>
+                <a:effectLst/>
+                <a:latin typeface="Roboto Mono"/>
+              </a:rPr>
+              <a:t> a = 1 }}</a:t>
+            </a:r>
+          </a:p>
+          <a:p>
+            <a:pPr marL="0" marR="0" lvl="0" indent="0" algn="l" defTabSz="914400" rtl="0" eaLnBrk="0" fontAlgn="base" latinLnBrk="0" hangingPunct="0">
+              <a:lnSpc>
+                <a:spcPct val="100000"/>
+              </a:lnSpc>
+              <a:spcBef>
+                <a:spcPct val="0"/>
+              </a:spcBef>
+              <a:spcAft>
+                <a:spcPct val="0"/>
+              </a:spcAft>
+              <a:buClrTx/>
+              <a:buSzTx/>
+              <a:buFontTx/>
+              <a:buNone/>
+              <a:tabLst/>
+            </a:pPr>
+            <a:r>
+              <a:rPr kumimoji="0" lang="es-MX" altLang="es-MX" sz="2400" b="0" i="0" u="none" strike="noStrike" cap="none" normalizeH="0" baseline="0" dirty="0">
+                <a:ln>
+                  <a:noFill/>
+                </a:ln>
+                <a:solidFill>
+                  <a:srgbClr val="B3B3B3"/>
+                </a:solidFill>
+                <a:effectLst/>
+                <a:latin typeface="Roboto Mono"/>
+              </a:rPr>
+              <a:t>&lt;!-- </a:t>
+            </a:r>
+            <a:r>
+              <a:rPr kumimoji="0" lang="es-MX" altLang="es-MX" sz="2400" b="0" i="0" u="none" strike="noStrike" cap="none" normalizeH="0" baseline="0" dirty="0" err="1">
+                <a:ln>
+                  <a:noFill/>
+                </a:ln>
+                <a:solidFill>
+                  <a:srgbClr val="B3B3B3"/>
+                </a:solidFill>
+                <a:effectLst/>
+                <a:latin typeface="Roboto Mono"/>
+              </a:rPr>
+              <a:t>flow</a:t>
+            </a:r>
+            <a:r>
+              <a:rPr kumimoji="0" lang="es-MX" altLang="es-MX" sz="2400" b="0" i="0" u="none" strike="noStrike" cap="none" normalizeH="0" baseline="0" dirty="0">
+                <a:ln>
+                  <a:noFill/>
+                </a:ln>
+                <a:solidFill>
+                  <a:srgbClr val="B3B3B3"/>
+                </a:solidFill>
+                <a:effectLst/>
+                <a:latin typeface="Roboto Mono"/>
+              </a:rPr>
+              <a:t> control </a:t>
+            </a:r>
+            <a:r>
+              <a:rPr kumimoji="0" lang="es-MX" altLang="es-MX" sz="2400" b="0" i="0" u="none" strike="noStrike" cap="none" normalizeH="0" baseline="0" dirty="0" err="1">
+                <a:ln>
+                  <a:noFill/>
+                </a:ln>
+                <a:solidFill>
+                  <a:srgbClr val="B3B3B3"/>
+                </a:solidFill>
+                <a:effectLst/>
+                <a:latin typeface="Roboto Mono"/>
+              </a:rPr>
+              <a:t>won't</a:t>
+            </a:r>
+            <a:r>
+              <a:rPr kumimoji="0" lang="es-MX" altLang="es-MX" sz="2400" b="0" i="0" u="none" strike="noStrike" cap="none" normalizeH="0" baseline="0" dirty="0">
+                <a:ln>
+                  <a:noFill/>
+                </a:ln>
+                <a:solidFill>
+                  <a:srgbClr val="B3B3B3"/>
+                </a:solidFill>
+                <a:effectLst/>
+                <a:latin typeface="Roboto Mono"/>
+              </a:rPr>
+              <a:t> </a:t>
+            </a:r>
+            <a:r>
+              <a:rPr kumimoji="0" lang="es-MX" altLang="es-MX" sz="2400" b="0" i="0" u="none" strike="noStrike" cap="none" normalizeH="0" baseline="0" dirty="0" err="1">
+                <a:ln>
+                  <a:noFill/>
+                </a:ln>
+                <a:solidFill>
+                  <a:srgbClr val="B3B3B3"/>
+                </a:solidFill>
+                <a:effectLst/>
+                <a:latin typeface="Roboto Mono"/>
+              </a:rPr>
+              <a:t>work</a:t>
+            </a:r>
+            <a:r>
+              <a:rPr kumimoji="0" lang="es-MX" altLang="es-MX" sz="2400" b="0" i="0" u="none" strike="noStrike" cap="none" normalizeH="0" baseline="0" dirty="0">
+                <a:ln>
+                  <a:noFill/>
+                </a:ln>
+                <a:solidFill>
+                  <a:srgbClr val="B3B3B3"/>
+                </a:solidFill>
+                <a:effectLst/>
+                <a:latin typeface="Roboto Mono"/>
+              </a:rPr>
+              <a:t> </a:t>
+            </a:r>
+            <a:r>
+              <a:rPr kumimoji="0" lang="es-MX" altLang="es-MX" sz="2400" b="0" i="0" u="none" strike="noStrike" cap="none" normalizeH="0" baseline="0" dirty="0" err="1">
+                <a:ln>
+                  <a:noFill/>
+                </a:ln>
+                <a:solidFill>
+                  <a:srgbClr val="B3B3B3"/>
+                </a:solidFill>
+                <a:effectLst/>
+                <a:latin typeface="Roboto Mono"/>
+              </a:rPr>
+              <a:t>either</a:t>
+            </a:r>
+            <a:r>
+              <a:rPr kumimoji="0" lang="es-MX" altLang="es-MX" sz="2400" b="0" i="0" u="none" strike="noStrike" cap="none" normalizeH="0" baseline="0" dirty="0">
+                <a:ln>
+                  <a:noFill/>
+                </a:ln>
+                <a:solidFill>
+                  <a:srgbClr val="B3B3B3"/>
+                </a:solidFill>
+                <a:effectLst/>
+                <a:latin typeface="Roboto Mono"/>
+              </a:rPr>
+              <a:t>, use </a:t>
+            </a:r>
+            <a:r>
+              <a:rPr kumimoji="0" lang="es-MX" altLang="es-MX" sz="2400" b="0" i="0" u="none" strike="noStrike" cap="none" normalizeH="0" baseline="0" dirty="0" err="1">
+                <a:ln>
+                  <a:noFill/>
+                </a:ln>
+                <a:solidFill>
+                  <a:srgbClr val="B3B3B3"/>
+                </a:solidFill>
+                <a:effectLst/>
+                <a:latin typeface="Roboto Mono"/>
+              </a:rPr>
+              <a:t>ternary</a:t>
+            </a:r>
+            <a:r>
+              <a:rPr kumimoji="0" lang="es-MX" altLang="es-MX" sz="2400" b="0" i="0" u="none" strike="noStrike" cap="none" normalizeH="0" baseline="0" dirty="0">
+                <a:ln>
+                  <a:noFill/>
+                </a:ln>
+                <a:solidFill>
+                  <a:srgbClr val="B3B3B3"/>
+                </a:solidFill>
+                <a:effectLst/>
+                <a:latin typeface="Roboto Mono"/>
+              </a:rPr>
+              <a:t> </a:t>
+            </a:r>
+            <a:r>
+              <a:rPr kumimoji="0" lang="es-MX" altLang="es-MX" sz="2400" b="0" i="0" u="none" strike="noStrike" cap="none" normalizeH="0" baseline="0" dirty="0" err="1">
+                <a:ln>
+                  <a:noFill/>
+                </a:ln>
+                <a:solidFill>
+                  <a:srgbClr val="B3B3B3"/>
+                </a:solidFill>
+                <a:effectLst/>
+                <a:latin typeface="Roboto Mono"/>
+              </a:rPr>
+              <a:t>expressions</a:t>
+            </a:r>
+            <a:r>
+              <a:rPr kumimoji="0" lang="es-MX" altLang="es-MX" sz="2400" b="0" i="0" u="none" strike="noStrike" cap="none" normalizeH="0" baseline="0" dirty="0">
+                <a:ln>
+                  <a:noFill/>
+                </a:ln>
+                <a:solidFill>
+                  <a:srgbClr val="B3B3B3"/>
+                </a:solidFill>
+                <a:effectLst/>
+                <a:latin typeface="Roboto Mono"/>
+              </a:rPr>
+              <a:t> --&gt;</a:t>
+            </a:r>
+            <a:endParaRPr kumimoji="0" lang="es-MX" altLang="es-MX" sz="2400" b="0" i="0" u="none" strike="noStrike" cap="none" normalizeH="0" baseline="0" dirty="0">
+              <a:ln>
+                <a:noFill/>
+              </a:ln>
+              <a:solidFill>
+                <a:srgbClr val="525252"/>
+              </a:solidFill>
+              <a:effectLst/>
+              <a:latin typeface="Roboto Mono"/>
+            </a:endParaRPr>
+          </a:p>
+          <a:p>
+            <a:pPr marL="0" marR="0" lvl="0" indent="0" algn="l" defTabSz="914400" rtl="0" eaLnBrk="0" fontAlgn="base" latinLnBrk="0" hangingPunct="0">
+              <a:lnSpc>
+                <a:spcPct val="100000"/>
+              </a:lnSpc>
+              <a:spcBef>
+                <a:spcPct val="0"/>
+              </a:spcBef>
+              <a:spcAft>
+                <a:spcPct val="0"/>
+              </a:spcAft>
+              <a:buClrTx/>
+              <a:buSzTx/>
+              <a:buFontTx/>
+              <a:buNone/>
+              <a:tabLst/>
+            </a:pPr>
+            <a:r>
+              <a:rPr kumimoji="0" lang="es-MX" altLang="es-MX" sz="2400" b="0" i="0" u="none" strike="noStrike" cap="none" normalizeH="0" baseline="0" dirty="0">
+                <a:ln>
+                  <a:noFill/>
+                </a:ln>
+                <a:solidFill>
+                  <a:srgbClr val="525252"/>
+                </a:solidFill>
+                <a:effectLst/>
+                <a:latin typeface="Roboto Mono"/>
+              </a:rPr>
+              <a:t>{{ </a:t>
+            </a:r>
+            <a:r>
+              <a:rPr kumimoji="0" lang="es-MX" altLang="es-MX" sz="2400" b="0" i="0" u="none" strike="noStrike" cap="none" normalizeH="0" baseline="0" dirty="0" err="1">
+                <a:ln>
+                  <a:noFill/>
+                </a:ln>
+                <a:solidFill>
+                  <a:srgbClr val="525252"/>
+                </a:solidFill>
+                <a:effectLst/>
+                <a:latin typeface="Roboto Mono"/>
+              </a:rPr>
+              <a:t>if</a:t>
+            </a:r>
+            <a:r>
+              <a:rPr kumimoji="0" lang="es-MX" altLang="es-MX" sz="2400" b="0" i="0" u="none" strike="noStrike" cap="none" normalizeH="0" baseline="0" dirty="0">
+                <a:ln>
+                  <a:noFill/>
+                </a:ln>
+                <a:solidFill>
+                  <a:srgbClr val="525252"/>
+                </a:solidFill>
+                <a:effectLst/>
+                <a:latin typeface="Roboto Mono"/>
+              </a:rPr>
+              <a:t> (ok) { </a:t>
+            </a:r>
+            <a:r>
+              <a:rPr kumimoji="0" lang="es-MX" altLang="es-MX" sz="2400" b="0" i="0" u="none" strike="noStrike" cap="none" normalizeH="0" baseline="0" dirty="0" err="1">
+                <a:ln>
+                  <a:noFill/>
+                </a:ln>
+                <a:solidFill>
+                  <a:srgbClr val="525252"/>
+                </a:solidFill>
+                <a:effectLst/>
+                <a:latin typeface="Roboto Mono"/>
+              </a:rPr>
+              <a:t>return</a:t>
+            </a:r>
+            <a:r>
+              <a:rPr kumimoji="0" lang="es-MX" altLang="es-MX" sz="2400" b="0" i="0" u="none" strike="noStrike" cap="none" normalizeH="0" baseline="0" dirty="0">
+                <a:ln>
+                  <a:noFill/>
+                </a:ln>
+                <a:solidFill>
+                  <a:srgbClr val="525252"/>
+                </a:solidFill>
+                <a:effectLst/>
+                <a:latin typeface="Roboto Mono"/>
+              </a:rPr>
+              <a:t> </a:t>
+            </a:r>
+            <a:r>
+              <a:rPr kumimoji="0" lang="es-MX" altLang="es-MX" sz="2400" b="0" i="0" u="none" strike="noStrike" cap="none" normalizeH="0" baseline="0" dirty="0" err="1">
+                <a:ln>
+                  <a:noFill/>
+                </a:ln>
+                <a:solidFill>
+                  <a:srgbClr val="525252"/>
+                </a:solidFill>
+                <a:effectLst/>
+                <a:latin typeface="Roboto Mono"/>
+              </a:rPr>
+              <a:t>message</a:t>
+            </a:r>
+            <a:r>
+              <a:rPr kumimoji="0" lang="es-MX" altLang="es-MX" sz="2400" b="0" i="0" u="none" strike="noStrike" cap="none" normalizeH="0" baseline="0" dirty="0">
+                <a:ln>
+                  <a:noFill/>
+                </a:ln>
+                <a:solidFill>
+                  <a:srgbClr val="525252"/>
+                </a:solidFill>
+                <a:effectLst/>
+                <a:latin typeface="Roboto Mono"/>
+              </a:rPr>
+              <a:t> } }}</a:t>
+            </a:r>
+            <a:endParaRPr kumimoji="0" lang="es-MX" altLang="es-MX" sz="500" b="0" i="0" u="none" strike="noStrike" cap="none" normalizeH="0" baseline="0" dirty="0">
+              <a:ln>
+                <a:noFill/>
+              </a:ln>
+              <a:solidFill>
+                <a:schemeClr val="tx1"/>
+              </a:solidFill>
+              <a:effectLst/>
+              <a:latin typeface="Arial" panose="020B0604020202020204" pitchFamily="34" charset="0"/>
+            </a:endParaRPr>
+          </a:p>
+        </p:txBody>
+      </p:sp>
+    </p:spTree>
+    <p:extLst>
+      <p:ext uri="{BB962C8B-B14F-4D97-AF65-F5344CB8AC3E}">
+        <p14:creationId xmlns:p14="http://schemas.microsoft.com/office/powerpoint/2010/main" val="1171968225"/>
+      </p:ext>
+    </p:extLst>
+  </p:cSld>
+  <p:clrMapOvr>
+    <a:masterClrMapping/>
+  </p:clrMapOvr>
+</p:sld>
+</file>
+
+<file path=ppt/slides/slide29.xml><?xml version="1.0" encoding="utf-8"?>
+<p:sld xmlns:a="http://schemas.openxmlformats.org/drawingml/2006/main" xmlns:r="http://schemas.openxmlformats.org/officeDocument/2006/relationships" xmlns:p="http://schemas.openxmlformats.org/presentationml/2006/main">
+  <p:cSld>
+    <p:spTree>
+      <p:nvGrpSpPr>
+        <p:cNvPr id="1" name=""/>
+        <p:cNvGrpSpPr/>
+        <p:nvPr/>
+      </p:nvGrpSpPr>
+      <p:grpSpPr>
+        <a:xfrm>
+          <a:off x="0" y="0"/>
+          <a:ext cx="0" cy="0"/>
+          <a:chOff x="0" y="0"/>
+          <a:chExt cx="0" cy="0"/>
+        </a:xfrm>
+      </p:grpSpPr>
+      <p:grpSp>
+        <p:nvGrpSpPr>
+          <p:cNvPr id="6" name="Grupo 5">
+            <a:extLst>
+              <a:ext uri="{FF2B5EF4-FFF2-40B4-BE49-F238E27FC236}">
+                <a16:creationId xmlns:a16="http://schemas.microsoft.com/office/drawing/2014/main" id="{343A7275-E56E-4FEE-ABCF-A540F4DEE010}"/>
+              </a:ext>
+            </a:extLst>
+          </p:cNvPr>
+          <p:cNvGrpSpPr/>
+          <p:nvPr/>
+        </p:nvGrpSpPr>
+        <p:grpSpPr>
+          <a:xfrm>
+            <a:off x="6803571" y="0"/>
+            <a:ext cx="5388429" cy="6858000"/>
+            <a:chOff x="6803571" y="0"/>
+            <a:chExt cx="5388429" cy="6858000"/>
+          </a:xfrm>
+        </p:grpSpPr>
+        <p:sp>
+          <p:nvSpPr>
+            <p:cNvPr id="4" name="Triángulo isósceles 3">
+              <a:extLst>
+                <a:ext uri="{FF2B5EF4-FFF2-40B4-BE49-F238E27FC236}">
+                  <a16:creationId xmlns:a16="http://schemas.microsoft.com/office/drawing/2014/main" id="{E21A7FE1-A148-4572-8889-559F87E19312}"/>
+                </a:ext>
+              </a:extLst>
+            </p:cNvPr>
+            <p:cNvSpPr/>
+            <p:nvPr/>
+          </p:nvSpPr>
+          <p:spPr>
+            <a:xfrm>
+              <a:off x="6803571" y="1992086"/>
+              <a:ext cx="5388429" cy="4865914"/>
+            </a:xfrm>
+            <a:prstGeom prst="triangle">
+              <a:avLst>
+                <a:gd name="adj" fmla="val 100000"/>
+              </a:avLst>
+            </a:prstGeom>
+            <a:solidFill>
+              <a:srgbClr val="2FB982"/>
+            </a:solidFill>
+            <a:ln>
+              <a:solidFill>
+                <a:srgbClr val="2FB982"/>
+              </a:solidFill>
+            </a:ln>
+          </p:spPr>
+          <p:style>
+            <a:lnRef idx="2">
+              <a:schemeClr val="accent1">
+                <a:shade val="50000"/>
+              </a:schemeClr>
+            </a:lnRef>
+            <a:fillRef idx="1">
+              <a:schemeClr val="accent1"/>
+            </a:fillRef>
+            <a:effectRef idx="0">
+              <a:schemeClr val="accent1"/>
+            </a:effectRef>
+            <a:fontRef idx="minor">
+              <a:schemeClr val="lt1"/>
+            </a:fontRef>
+          </p:style>
+          <p:txBody>
+            <a:bodyPr rtlCol="0" anchor="ctr"/>
+            <a:lstStyle/>
+            <a:p>
+              <a:pPr algn="ctr"/>
+              <a:endParaRPr lang="es-MX"/>
+            </a:p>
+          </p:txBody>
+        </p:sp>
+        <p:sp>
+          <p:nvSpPr>
+            <p:cNvPr id="5" name="Triángulo isósceles 4">
+              <a:extLst>
+                <a:ext uri="{FF2B5EF4-FFF2-40B4-BE49-F238E27FC236}">
+                  <a16:creationId xmlns:a16="http://schemas.microsoft.com/office/drawing/2014/main" id="{ED709881-D5FA-47C9-A6F9-83B57056699B}"/>
+                </a:ext>
+              </a:extLst>
+            </p:cNvPr>
+            <p:cNvSpPr/>
+            <p:nvPr/>
+          </p:nvSpPr>
+          <p:spPr>
+            <a:xfrm rot="10800000">
+              <a:off x="9535885" y="0"/>
+              <a:ext cx="2656115" cy="4778832"/>
+            </a:xfrm>
+            <a:prstGeom prst="triangle">
+              <a:avLst>
+                <a:gd name="adj" fmla="val 0"/>
+              </a:avLst>
+            </a:prstGeom>
+            <a:solidFill>
+              <a:srgbClr val="34475F"/>
+            </a:solidFill>
+            <a:ln>
+              <a:solidFill>
+                <a:srgbClr val="34475F"/>
+              </a:solidFill>
+            </a:ln>
+          </p:spPr>
+          <p:style>
+            <a:lnRef idx="2">
+              <a:schemeClr val="accent1">
+                <a:shade val="50000"/>
+              </a:schemeClr>
+            </a:lnRef>
+            <a:fillRef idx="1">
+              <a:schemeClr val="accent1"/>
+            </a:fillRef>
+            <a:effectRef idx="0">
+              <a:schemeClr val="accent1"/>
+            </a:effectRef>
+            <a:fontRef idx="minor">
+              <a:schemeClr val="lt1"/>
+            </a:fontRef>
+          </p:style>
+          <p:txBody>
+            <a:bodyPr rtlCol="0" anchor="ctr"/>
+            <a:lstStyle/>
+            <a:p>
+              <a:pPr algn="ctr"/>
+              <a:endParaRPr lang="es-MX" dirty="0"/>
+            </a:p>
+          </p:txBody>
+        </p:sp>
+      </p:grpSp>
+      <p:sp>
+        <p:nvSpPr>
+          <p:cNvPr id="7" name="CuadroTexto 6">
+            <a:extLst>
+              <a:ext uri="{FF2B5EF4-FFF2-40B4-BE49-F238E27FC236}">
+                <a16:creationId xmlns:a16="http://schemas.microsoft.com/office/drawing/2014/main" id="{4C12B744-E3BD-4A2D-A4C2-17BC2CD88CE0}"/>
+              </a:ext>
+            </a:extLst>
+          </p:cNvPr>
+          <p:cNvSpPr txBox="1"/>
+          <p:nvPr/>
+        </p:nvSpPr>
+        <p:spPr>
+          <a:xfrm>
+            <a:off x="59685" y="272343"/>
+            <a:ext cx="9226928" cy="769441"/>
+          </a:xfrm>
+          <a:prstGeom prst="rect">
+            <a:avLst/>
+          </a:prstGeom>
+          <a:noFill/>
+        </p:spPr>
+        <p:txBody>
+          <a:bodyPr wrap="square" rtlCol="0">
+            <a:spAutoFit/>
+          </a:bodyPr>
+          <a:lstStyle/>
+          <a:p>
+            <a:pPr algn="ctr"/>
+            <a:r>
+              <a:rPr lang="en-US" sz="4400" dirty="0" err="1"/>
+              <a:t>Filtros</a:t>
+            </a:r>
+            <a:endParaRPr lang="en-US" sz="4400" dirty="0"/>
+          </a:p>
+        </p:txBody>
+      </p:sp>
+      <p:graphicFrame>
+        <p:nvGraphicFramePr>
+          <p:cNvPr id="10" name="Tabla 9">
+            <a:extLst>
+              <a:ext uri="{FF2B5EF4-FFF2-40B4-BE49-F238E27FC236}">
+                <a16:creationId xmlns:a16="http://schemas.microsoft.com/office/drawing/2014/main" id="{44F1E08C-E2AE-4FC5-ACBA-35E7EA688ED1}"/>
+              </a:ext>
+            </a:extLst>
+          </p:cNvPr>
+          <p:cNvGraphicFramePr>
+            <a:graphicFrameLocks noGrp="1"/>
+          </p:cNvGraphicFramePr>
+          <p:nvPr>
+            <p:extLst>
+              <p:ext uri="{D42A27DB-BD31-4B8C-83A1-F6EECF244321}">
+                <p14:modId xmlns:p14="http://schemas.microsoft.com/office/powerpoint/2010/main" val="4154735257"/>
+              </p:ext>
+            </p:extLst>
+          </p:nvPr>
+        </p:nvGraphicFramePr>
+        <p:xfrm>
+          <a:off x="361602" y="1154488"/>
+          <a:ext cx="6483337" cy="1310640"/>
+        </p:xfrm>
+        <a:graphic>
+          <a:graphicData uri="http://schemas.openxmlformats.org/drawingml/2006/table">
+            <a:tbl>
+              <a:tblPr/>
+              <a:tblGrid>
+                <a:gridCol w="6483337">
+                  <a:extLst>
+                    <a:ext uri="{9D8B030D-6E8A-4147-A177-3AD203B41FA5}">
+                      <a16:colId xmlns:a16="http://schemas.microsoft.com/office/drawing/2014/main" val="2967036340"/>
+                    </a:ext>
+                  </a:extLst>
+                </a:gridCol>
+              </a:tblGrid>
+              <a:tr h="0">
+                <a:tc>
+                  <a:txBody>
+                    <a:bodyPr/>
+                    <a:lstStyle/>
+                    <a:p>
+                      <a:r>
+                        <a:rPr lang="es-MX" sz="4000" dirty="0">
+                          <a:effectLst/>
+                        </a:rPr>
+                        <a:t>Normal:</a:t>
+                      </a:r>
+                    </a:p>
+                    <a:p>
+                      <a:r>
+                        <a:rPr lang="es-MX" sz="4000" i="1" u="none" dirty="0">
+                          <a:effectLst>
+                            <a:outerShdw blurRad="38100" dist="38100" dir="2700000" algn="tl">
+                              <a:srgbClr val="000000">
+                                <a:alpha val="43137"/>
+                              </a:srgbClr>
+                            </a:outerShdw>
+                          </a:effectLst>
+                        </a:rPr>
+                        <a:t>{{ </a:t>
+                      </a:r>
+                      <a:r>
+                        <a:rPr lang="es-MX" sz="4000" i="1" u="none" dirty="0" err="1">
+                          <a:effectLst>
+                            <a:outerShdw blurRad="38100" dist="38100" dir="2700000" algn="tl">
+                              <a:srgbClr val="000000">
+                                <a:alpha val="43137"/>
+                              </a:srgbClr>
+                            </a:outerShdw>
+                          </a:effectLst>
+                        </a:rPr>
+                        <a:t>message</a:t>
+                      </a:r>
+                      <a:r>
+                        <a:rPr lang="es-MX" sz="4000" i="1" u="none" dirty="0">
+                          <a:effectLst>
+                            <a:outerShdw blurRad="38100" dist="38100" dir="2700000" algn="tl">
+                              <a:srgbClr val="000000">
+                                <a:alpha val="43137"/>
+                              </a:srgbClr>
+                            </a:outerShdw>
+                          </a:effectLst>
+                        </a:rPr>
+                        <a:t> | </a:t>
+                      </a:r>
+                      <a:r>
+                        <a:rPr lang="es-MX" sz="4000" i="1" u="none" dirty="0" err="1">
+                          <a:effectLst>
+                            <a:outerShdw blurRad="38100" dist="38100" dir="2700000" algn="tl">
+                              <a:srgbClr val="000000">
+                                <a:alpha val="43137"/>
+                              </a:srgbClr>
+                            </a:outerShdw>
+                          </a:effectLst>
+                        </a:rPr>
+                        <a:t>capitalize</a:t>
+                      </a:r>
+                      <a:r>
+                        <a:rPr lang="es-MX" sz="4000" i="1" u="none" dirty="0">
+                          <a:effectLst>
+                            <a:outerShdw blurRad="38100" dist="38100" dir="2700000" algn="tl">
+                              <a:srgbClr val="000000">
+                                <a:alpha val="43137"/>
+                              </a:srgbClr>
+                            </a:outerShdw>
+                          </a:effectLst>
+                        </a:rPr>
+                        <a:t> }}</a:t>
+                      </a:r>
+                    </a:p>
+                  </a:txBody>
+                  <a:tcPr anchor="ctr">
+                    <a:lnL>
+                      <a:noFill/>
+                    </a:lnL>
+                    <a:lnR>
+                      <a:noFill/>
+                    </a:lnR>
+                    <a:lnT>
+                      <a:noFill/>
+                    </a:lnT>
+                    <a:lnB>
+                      <a:noFill/>
+                    </a:lnB>
+                  </a:tcPr>
+                </a:tc>
+                <a:extLst>
+                  <a:ext uri="{0D108BD9-81ED-4DB2-BD59-A6C34878D82A}">
+                    <a16:rowId xmlns:a16="http://schemas.microsoft.com/office/drawing/2014/main" val="2765911334"/>
+                  </a:ext>
+                </a:extLst>
+              </a:tr>
+            </a:tbl>
+          </a:graphicData>
+        </a:graphic>
+      </p:graphicFrame>
+      <p:sp>
+        <p:nvSpPr>
+          <p:cNvPr id="11" name="Rectangle 1">
+            <a:extLst>
+              <a:ext uri="{FF2B5EF4-FFF2-40B4-BE49-F238E27FC236}">
+                <a16:creationId xmlns:a16="http://schemas.microsoft.com/office/drawing/2014/main" id="{6377BC5C-5EFB-45D1-868D-41F2BC03AF9B}"/>
+              </a:ext>
+            </a:extLst>
+          </p:cNvPr>
+          <p:cNvSpPr>
+            <a:spLocks noChangeArrowheads="1"/>
+          </p:cNvSpPr>
+          <p:nvPr/>
+        </p:nvSpPr>
+        <p:spPr bwMode="auto">
+          <a:xfrm>
+            <a:off x="898975" y="3381759"/>
+            <a:ext cx="8526814" cy="646331"/>
+          </a:xfrm>
+          <a:prstGeom prst="rect">
+            <a:avLst/>
+          </a:prstGeom>
+          <a:noFill/>
+          <a:ln>
+            <a:noFill/>
+          </a:ln>
+          <a:effectLst/>
+          <a:extLst>
+            <a:ext uri="{909E8E84-426E-40DD-AFC4-6F175D3DCCD1}">
+              <a14:hiddenFill xmlns:a14="http://schemas.microsoft.com/office/drawing/2010/main">
+                <a:solidFill>
+                  <a:schemeClr val="accent1"/>
+                </a:solidFill>
+              </a14:hiddenFill>
+            </a:ext>
+            <a:ext uri="{91240B29-F687-4F45-9708-019B960494DF}">
+              <a14:hiddenLine xmlns:a14="http://schemas.microsoft.com/office/drawing/2010/main" w="9525">
+                <a:solidFill>
+                  <a:schemeClr val="tx1"/>
+                </a:solidFill>
+                <a:miter lim="800000"/>
+                <a:headEnd/>
+                <a:tailEnd/>
+              </a14:hiddenLine>
+            </a:ext>
+            <a:ext uri="{AF507438-7753-43E0-B8FC-AC1667EBCBE1}">
+              <a14:hiddenEffects xmlns:a14="http://schemas.microsoft.com/office/drawing/2010/main">
+                <a:effectLst>
+                  <a:outerShdw dist="35921" dir="2700000" algn="ctr" rotWithShape="0">
+                    <a:schemeClr val="bg2"/>
+                  </a:outerShdw>
+                </a:effectLst>
+              </a14:hiddenEffects>
+            </a:ext>
+          </a:extLst>
+        </p:spPr>
+        <p:txBody>
+          <a:bodyPr vert="horz" wrap="square" lIns="91440" tIns="45720" rIns="91440" bIns="45720" numCol="1" anchor="ctr" anchorCtr="0" compatLnSpc="1">
+            <a:prstTxWarp prst="textNoShape">
+              <a:avLst/>
+            </a:prstTxWarp>
+            <a:spAutoFit/>
+          </a:bodyPr>
+          <a:lstStyle/>
+          <a:p>
+            <a:pPr marL="0" marR="0" lvl="0" indent="0" algn="l" defTabSz="914400" rtl="0" eaLnBrk="0" fontAlgn="base" latinLnBrk="0" hangingPunct="0">
+              <a:lnSpc>
+                <a:spcPct val="100000"/>
+              </a:lnSpc>
+              <a:spcBef>
+                <a:spcPct val="0"/>
+              </a:spcBef>
+              <a:spcAft>
+                <a:spcPct val="0"/>
+              </a:spcAft>
+              <a:buClrTx/>
+              <a:buSzTx/>
+              <a:buFontTx/>
+              <a:buNone/>
+              <a:tabLst/>
+            </a:pPr>
+            <a:br>
+              <a:rPr kumimoji="0" lang="es-MX" altLang="es-MX" sz="1800" b="0" i="0" u="none" strike="noStrike" cap="none" normalizeH="0" baseline="0">
+                <a:ln>
+                  <a:noFill/>
+                </a:ln>
+                <a:solidFill>
+                  <a:schemeClr val="tx1"/>
+                </a:solidFill>
+                <a:effectLst/>
+                <a:latin typeface="Arial" panose="020B0604020202020204" pitchFamily="34" charset="0"/>
+              </a:rPr>
+            </a:br>
+            <a:endParaRPr kumimoji="0" lang="es-MX" altLang="es-MX" sz="1800" b="0" i="0" u="none" strike="noStrike" cap="none" normalizeH="0" baseline="0">
+              <a:ln>
+                <a:noFill/>
+              </a:ln>
+              <a:solidFill>
+                <a:schemeClr val="tx1"/>
+              </a:solidFill>
+              <a:effectLst/>
+              <a:latin typeface="Arial" panose="020B0604020202020204" pitchFamily="34" charset="0"/>
+            </a:endParaRPr>
+          </a:p>
+        </p:txBody>
+      </p:sp>
+      <p:graphicFrame>
+        <p:nvGraphicFramePr>
+          <p:cNvPr id="12" name="Tabla 11">
+            <a:extLst>
+              <a:ext uri="{FF2B5EF4-FFF2-40B4-BE49-F238E27FC236}">
+                <a16:creationId xmlns:a16="http://schemas.microsoft.com/office/drawing/2014/main" id="{A8135075-98E6-4404-9CD3-170F2780C5B9}"/>
+              </a:ext>
+            </a:extLst>
+          </p:cNvPr>
+          <p:cNvGraphicFramePr>
+            <a:graphicFrameLocks noGrp="1"/>
+          </p:cNvGraphicFramePr>
+          <p:nvPr>
+            <p:extLst>
+              <p:ext uri="{D42A27DB-BD31-4B8C-83A1-F6EECF244321}">
+                <p14:modId xmlns:p14="http://schemas.microsoft.com/office/powerpoint/2010/main" val="1140922438"/>
+              </p:ext>
+            </p:extLst>
+          </p:nvPr>
+        </p:nvGraphicFramePr>
+        <p:xfrm>
+          <a:off x="399565" y="2605244"/>
+          <a:ext cx="6366044" cy="1310640"/>
+        </p:xfrm>
+        <a:graphic>
+          <a:graphicData uri="http://schemas.openxmlformats.org/drawingml/2006/table">
+            <a:tbl>
+              <a:tblPr/>
+              <a:tblGrid>
+                <a:gridCol w="6366044">
+                  <a:extLst>
+                    <a:ext uri="{9D8B030D-6E8A-4147-A177-3AD203B41FA5}">
+                      <a16:colId xmlns:a16="http://schemas.microsoft.com/office/drawing/2014/main" val="855906576"/>
+                    </a:ext>
+                  </a:extLst>
+                </a:gridCol>
+              </a:tblGrid>
+              <a:tr h="0">
+                <a:tc>
+                  <a:txBody>
+                    <a:bodyPr/>
+                    <a:lstStyle/>
+                    <a:p>
+                      <a:r>
+                        <a:rPr lang="es-MX" sz="4000" dirty="0">
+                          <a:effectLst/>
+                        </a:rPr>
+                        <a:t>Encadenados:</a:t>
+                      </a:r>
+                    </a:p>
+                    <a:p>
+                      <a:r>
+                        <a:rPr lang="es-MX" sz="4000" i="1" dirty="0">
+                          <a:effectLst>
+                            <a:outerShdw blurRad="38100" dist="38100" dir="2700000" algn="tl">
+                              <a:srgbClr val="000000">
+                                <a:alpha val="43137"/>
+                              </a:srgbClr>
+                            </a:outerShdw>
+                          </a:effectLst>
+                        </a:rPr>
+                        <a:t>{{ </a:t>
+                      </a:r>
+                      <a:r>
+                        <a:rPr lang="es-MX" sz="4000" i="1" dirty="0" err="1">
+                          <a:effectLst>
+                            <a:outerShdw blurRad="38100" dist="38100" dir="2700000" algn="tl">
+                              <a:srgbClr val="000000">
+                                <a:alpha val="43137"/>
+                              </a:srgbClr>
+                            </a:outerShdw>
+                          </a:effectLst>
+                        </a:rPr>
+                        <a:t>message</a:t>
+                      </a:r>
+                      <a:r>
+                        <a:rPr lang="es-MX" sz="4000" i="1" dirty="0">
+                          <a:effectLst>
+                            <a:outerShdw blurRad="38100" dist="38100" dir="2700000" algn="tl">
+                              <a:srgbClr val="000000">
+                                <a:alpha val="43137"/>
+                              </a:srgbClr>
+                            </a:outerShdw>
+                          </a:effectLst>
+                        </a:rPr>
+                        <a:t> | </a:t>
+                      </a:r>
+                      <a:r>
+                        <a:rPr lang="es-MX" sz="4000" i="1" dirty="0" err="1">
+                          <a:effectLst>
+                            <a:outerShdw blurRad="38100" dist="38100" dir="2700000" algn="tl">
+                              <a:srgbClr val="000000">
+                                <a:alpha val="43137"/>
+                              </a:srgbClr>
+                            </a:outerShdw>
+                          </a:effectLst>
+                        </a:rPr>
+                        <a:t>filterA</a:t>
+                      </a:r>
+                      <a:r>
+                        <a:rPr lang="es-MX" sz="4000" i="1" dirty="0">
+                          <a:effectLst>
+                            <a:outerShdw blurRad="38100" dist="38100" dir="2700000" algn="tl">
+                              <a:srgbClr val="000000">
+                                <a:alpha val="43137"/>
+                              </a:srgbClr>
+                            </a:outerShdw>
+                          </a:effectLst>
+                        </a:rPr>
+                        <a:t> | </a:t>
+                      </a:r>
+                      <a:r>
+                        <a:rPr lang="es-MX" sz="4000" i="1" dirty="0" err="1">
+                          <a:effectLst>
+                            <a:outerShdw blurRad="38100" dist="38100" dir="2700000" algn="tl">
+                              <a:srgbClr val="000000">
+                                <a:alpha val="43137"/>
+                              </a:srgbClr>
+                            </a:outerShdw>
+                          </a:effectLst>
+                        </a:rPr>
+                        <a:t>filterB</a:t>
+                      </a:r>
+                      <a:r>
+                        <a:rPr lang="es-MX" sz="4000" i="1" dirty="0">
+                          <a:effectLst>
+                            <a:outerShdw blurRad="38100" dist="38100" dir="2700000" algn="tl">
+                              <a:srgbClr val="000000">
+                                <a:alpha val="43137"/>
+                              </a:srgbClr>
+                            </a:outerShdw>
+                          </a:effectLst>
+                        </a:rPr>
+                        <a:t> }}</a:t>
+                      </a:r>
+                    </a:p>
+                  </a:txBody>
+                  <a:tcPr anchor="ctr">
+                    <a:lnL>
+                      <a:noFill/>
+                    </a:lnL>
+                    <a:lnR>
+                      <a:noFill/>
+                    </a:lnR>
+                    <a:lnT>
+                      <a:noFill/>
+                    </a:lnT>
+                    <a:lnB>
+                      <a:noFill/>
+                    </a:lnB>
+                  </a:tcPr>
+                </a:tc>
+                <a:extLst>
+                  <a:ext uri="{0D108BD9-81ED-4DB2-BD59-A6C34878D82A}">
+                    <a16:rowId xmlns:a16="http://schemas.microsoft.com/office/drawing/2014/main" val="909812137"/>
+                  </a:ext>
+                </a:extLst>
+              </a:tr>
+            </a:tbl>
+          </a:graphicData>
+        </a:graphic>
+      </p:graphicFrame>
+      <p:sp>
+        <p:nvSpPr>
+          <p:cNvPr id="13" name="Rectangle 2">
+            <a:extLst>
+              <a:ext uri="{FF2B5EF4-FFF2-40B4-BE49-F238E27FC236}">
+                <a16:creationId xmlns:a16="http://schemas.microsoft.com/office/drawing/2014/main" id="{7C8C9F36-7706-4126-BDDF-6673F876882B}"/>
+              </a:ext>
+            </a:extLst>
+          </p:cNvPr>
+          <p:cNvSpPr>
+            <a:spLocks noChangeArrowheads="1"/>
+          </p:cNvSpPr>
+          <p:nvPr/>
+        </p:nvSpPr>
+        <p:spPr bwMode="auto">
+          <a:xfrm>
+            <a:off x="748455" y="4027614"/>
+            <a:ext cx="12192000" cy="0"/>
+          </a:xfrm>
+          <a:prstGeom prst="rect">
+            <a:avLst/>
+          </a:prstGeom>
+          <a:noFill/>
+          <a:ln>
+            <a:noFill/>
+          </a:ln>
+          <a:effectLst/>
+          <a:extLst>
+            <a:ext uri="{909E8E84-426E-40DD-AFC4-6F175D3DCCD1}">
+              <a14:hiddenFill xmlns:a14="http://schemas.microsoft.com/office/drawing/2010/main">
+                <a:solidFill>
+                  <a:schemeClr val="accent1"/>
+                </a:solidFill>
+              </a14:hiddenFill>
+            </a:ext>
+            <a:ext uri="{91240B29-F687-4F45-9708-019B960494DF}">
+              <a14:hiddenLine xmlns:a14="http://schemas.microsoft.com/office/drawing/2010/main" w="9525">
+                <a:solidFill>
+                  <a:schemeClr val="tx1"/>
+                </a:solidFill>
+                <a:miter lim="800000"/>
+                <a:headEnd/>
+                <a:tailEnd/>
+              </a14:hiddenLine>
+            </a:ext>
+            <a:ext uri="{AF507438-7753-43E0-B8FC-AC1667EBCBE1}">
+              <a14:hiddenEffects xmlns:a14="http://schemas.microsoft.com/office/drawing/2010/main">
+                <a:effectLst>
+                  <a:outerShdw dist="35921" dir="2700000" algn="ctr" rotWithShape="0">
+                    <a:schemeClr val="bg2"/>
+                  </a:outerShdw>
+                </a:effectLst>
+              </a14:hiddenEffects>
+            </a:ext>
+          </a:extLst>
+        </p:spPr>
+        <p:txBody>
+          <a:bodyPr vert="horz" wrap="none" lIns="91440" tIns="45720" rIns="91440" bIns="45720" numCol="1" anchor="ctr" anchorCtr="0" compatLnSpc="1">
+            <a:prstTxWarp prst="textNoShape">
+              <a:avLst/>
+            </a:prstTxWarp>
+            <a:spAutoFit/>
+          </a:bodyPr>
+          <a:lstStyle/>
+          <a:p>
+            <a:pPr marL="0" marR="0" lvl="0" indent="0" algn="l" defTabSz="914400" rtl="0" eaLnBrk="0" fontAlgn="base" latinLnBrk="0" hangingPunct="0">
+              <a:lnSpc>
+                <a:spcPct val="100000"/>
+              </a:lnSpc>
+              <a:spcBef>
+                <a:spcPct val="0"/>
+              </a:spcBef>
+              <a:spcAft>
+                <a:spcPct val="0"/>
+              </a:spcAft>
+              <a:buClrTx/>
+              <a:buSzTx/>
+              <a:buFontTx/>
+              <a:buNone/>
+              <a:tabLst/>
+            </a:pPr>
+            <a:br>
+              <a:rPr kumimoji="0" lang="es-MX" altLang="es-MX" sz="1800" b="0" i="0" u="none" strike="noStrike" cap="none" normalizeH="0" baseline="0">
+                <a:ln>
+                  <a:noFill/>
+                </a:ln>
+                <a:solidFill>
+                  <a:schemeClr val="tx1"/>
+                </a:solidFill>
+                <a:effectLst/>
+                <a:latin typeface="Arial" panose="020B0604020202020204" pitchFamily="34" charset="0"/>
+              </a:rPr>
+            </a:br>
+            <a:endParaRPr kumimoji="0" lang="es-MX" altLang="es-MX" sz="1800" b="0" i="0" u="none" strike="noStrike" cap="none" normalizeH="0" baseline="0">
+              <a:ln>
+                <a:noFill/>
+              </a:ln>
+              <a:solidFill>
+                <a:schemeClr val="tx1"/>
+              </a:solidFill>
+              <a:effectLst/>
+              <a:latin typeface="Arial" panose="020B0604020202020204" pitchFamily="34" charset="0"/>
+            </a:endParaRPr>
+          </a:p>
+        </p:txBody>
+      </p:sp>
+      <p:sp>
+        <p:nvSpPr>
+          <p:cNvPr id="14" name="Rectángulo 13">
+            <a:extLst>
+              <a:ext uri="{FF2B5EF4-FFF2-40B4-BE49-F238E27FC236}">
+                <a16:creationId xmlns:a16="http://schemas.microsoft.com/office/drawing/2014/main" id="{FFD50F7F-E284-4B3D-ACA9-3A440358DAD2}"/>
+              </a:ext>
+            </a:extLst>
+          </p:cNvPr>
+          <p:cNvSpPr/>
+          <p:nvPr/>
+        </p:nvSpPr>
+        <p:spPr>
+          <a:xfrm>
+            <a:off x="399565" y="3982118"/>
+            <a:ext cx="6711389" cy="1323439"/>
+          </a:xfrm>
+          <a:prstGeom prst="rect">
+            <a:avLst/>
+          </a:prstGeom>
+        </p:spPr>
+        <p:txBody>
+          <a:bodyPr wrap="none">
+            <a:spAutoFit/>
+          </a:bodyPr>
+          <a:lstStyle/>
+          <a:p>
+            <a:r>
+              <a:rPr lang="es-MX" sz="4000" dirty="0"/>
+              <a:t>Argumentos:</a:t>
+            </a:r>
+          </a:p>
+          <a:p>
+            <a:r>
+              <a:rPr lang="es-MX" sz="4000" i="1" dirty="0">
+                <a:effectLst>
+                  <a:outerShdw blurRad="38100" dist="38100" dir="2700000" algn="tl">
+                    <a:srgbClr val="000000">
+                      <a:alpha val="43137"/>
+                    </a:srgbClr>
+                  </a:outerShdw>
+                </a:effectLst>
+              </a:rPr>
+              <a:t>{{mensaje | </a:t>
+            </a:r>
+            <a:r>
+              <a:rPr lang="es-MX" sz="4000" i="1" dirty="0" err="1">
+                <a:effectLst>
+                  <a:outerShdw blurRad="38100" dist="38100" dir="2700000" algn="tl">
+                    <a:srgbClr val="000000">
+                      <a:alpha val="43137"/>
+                    </a:srgbClr>
+                  </a:outerShdw>
+                </a:effectLst>
+              </a:rPr>
+              <a:t>filterA</a:t>
+            </a:r>
+            <a:r>
+              <a:rPr lang="es-MX" sz="4000" i="1" dirty="0">
+                <a:effectLst>
+                  <a:outerShdw blurRad="38100" dist="38100" dir="2700000" algn="tl">
+                    <a:srgbClr val="000000">
+                      <a:alpha val="43137"/>
+                    </a:srgbClr>
+                  </a:outerShdw>
+                </a:effectLst>
+              </a:rPr>
+              <a:t> 'arg1' arg2}}</a:t>
+            </a:r>
+          </a:p>
+        </p:txBody>
+      </p:sp>
+    </p:spTree>
+    <p:extLst>
+      <p:ext uri="{BB962C8B-B14F-4D97-AF65-F5344CB8AC3E}">
+        <p14:creationId xmlns:p14="http://schemas.microsoft.com/office/powerpoint/2010/main" val="2890989843"/>
       </p:ext>
     </p:extLst>
   </p:cSld>
@@ -9009,6 +11339,3754 @@
     <p:extLst>
       <p:ext uri="{BB962C8B-B14F-4D97-AF65-F5344CB8AC3E}">
         <p14:creationId xmlns:p14="http://schemas.microsoft.com/office/powerpoint/2010/main" val="4204430569"/>
+      </p:ext>
+    </p:extLst>
+  </p:cSld>
+  <p:clrMapOvr>
+    <a:masterClrMapping/>
+  </p:clrMapOvr>
+</p:sld>
+</file>
+
+<file path=ppt/slides/slide30.xml><?xml version="1.0" encoding="utf-8"?>
+<p:sld xmlns:a="http://schemas.openxmlformats.org/drawingml/2006/main" xmlns:r="http://schemas.openxmlformats.org/officeDocument/2006/relationships" xmlns:p="http://schemas.openxmlformats.org/presentationml/2006/main">
+  <p:cSld>
+    <p:spTree>
+      <p:nvGrpSpPr>
+        <p:cNvPr id="1" name=""/>
+        <p:cNvGrpSpPr/>
+        <p:nvPr/>
+      </p:nvGrpSpPr>
+      <p:grpSpPr>
+        <a:xfrm>
+          <a:off x="0" y="0"/>
+          <a:ext cx="0" cy="0"/>
+          <a:chOff x="0" y="0"/>
+          <a:chExt cx="0" cy="0"/>
+        </a:xfrm>
+      </p:grpSpPr>
+      <p:grpSp>
+        <p:nvGrpSpPr>
+          <p:cNvPr id="6" name="Grupo 5">
+            <a:extLst>
+              <a:ext uri="{FF2B5EF4-FFF2-40B4-BE49-F238E27FC236}">
+                <a16:creationId xmlns:a16="http://schemas.microsoft.com/office/drawing/2014/main" id="{343A7275-E56E-4FEE-ABCF-A540F4DEE010}"/>
+              </a:ext>
+            </a:extLst>
+          </p:cNvPr>
+          <p:cNvGrpSpPr/>
+          <p:nvPr/>
+        </p:nvGrpSpPr>
+        <p:grpSpPr>
+          <a:xfrm>
+            <a:off x="6803571" y="0"/>
+            <a:ext cx="5388429" cy="6858000"/>
+            <a:chOff x="6803571" y="0"/>
+            <a:chExt cx="5388429" cy="6858000"/>
+          </a:xfrm>
+        </p:grpSpPr>
+        <p:sp>
+          <p:nvSpPr>
+            <p:cNvPr id="4" name="Triángulo isósceles 3">
+              <a:extLst>
+                <a:ext uri="{FF2B5EF4-FFF2-40B4-BE49-F238E27FC236}">
+                  <a16:creationId xmlns:a16="http://schemas.microsoft.com/office/drawing/2014/main" id="{E21A7FE1-A148-4572-8889-559F87E19312}"/>
+                </a:ext>
+              </a:extLst>
+            </p:cNvPr>
+            <p:cNvSpPr/>
+            <p:nvPr/>
+          </p:nvSpPr>
+          <p:spPr>
+            <a:xfrm>
+              <a:off x="6803571" y="1992086"/>
+              <a:ext cx="5388429" cy="4865914"/>
+            </a:xfrm>
+            <a:prstGeom prst="triangle">
+              <a:avLst>
+                <a:gd name="adj" fmla="val 100000"/>
+              </a:avLst>
+            </a:prstGeom>
+            <a:solidFill>
+              <a:srgbClr val="2FB982"/>
+            </a:solidFill>
+            <a:ln>
+              <a:solidFill>
+                <a:srgbClr val="2FB982"/>
+              </a:solidFill>
+            </a:ln>
+          </p:spPr>
+          <p:style>
+            <a:lnRef idx="2">
+              <a:schemeClr val="accent1">
+                <a:shade val="50000"/>
+              </a:schemeClr>
+            </a:lnRef>
+            <a:fillRef idx="1">
+              <a:schemeClr val="accent1"/>
+            </a:fillRef>
+            <a:effectRef idx="0">
+              <a:schemeClr val="accent1"/>
+            </a:effectRef>
+            <a:fontRef idx="minor">
+              <a:schemeClr val="lt1"/>
+            </a:fontRef>
+          </p:style>
+          <p:txBody>
+            <a:bodyPr rtlCol="0" anchor="ctr"/>
+            <a:lstStyle/>
+            <a:p>
+              <a:pPr algn="ctr"/>
+              <a:endParaRPr lang="es-MX"/>
+            </a:p>
+          </p:txBody>
+        </p:sp>
+        <p:sp>
+          <p:nvSpPr>
+            <p:cNvPr id="5" name="Triángulo isósceles 4">
+              <a:extLst>
+                <a:ext uri="{FF2B5EF4-FFF2-40B4-BE49-F238E27FC236}">
+                  <a16:creationId xmlns:a16="http://schemas.microsoft.com/office/drawing/2014/main" id="{ED709881-D5FA-47C9-A6F9-83B57056699B}"/>
+                </a:ext>
+              </a:extLst>
+            </p:cNvPr>
+            <p:cNvSpPr/>
+            <p:nvPr/>
+          </p:nvSpPr>
+          <p:spPr>
+            <a:xfrm rot="10800000">
+              <a:off x="9535885" y="0"/>
+              <a:ext cx="2656115" cy="4778832"/>
+            </a:xfrm>
+            <a:prstGeom prst="triangle">
+              <a:avLst>
+                <a:gd name="adj" fmla="val 0"/>
+              </a:avLst>
+            </a:prstGeom>
+            <a:solidFill>
+              <a:srgbClr val="34475F"/>
+            </a:solidFill>
+            <a:ln>
+              <a:solidFill>
+                <a:srgbClr val="34475F"/>
+              </a:solidFill>
+            </a:ln>
+          </p:spPr>
+          <p:style>
+            <a:lnRef idx="2">
+              <a:schemeClr val="accent1">
+                <a:shade val="50000"/>
+              </a:schemeClr>
+            </a:lnRef>
+            <a:fillRef idx="1">
+              <a:schemeClr val="accent1"/>
+            </a:fillRef>
+            <a:effectRef idx="0">
+              <a:schemeClr val="accent1"/>
+            </a:effectRef>
+            <a:fontRef idx="minor">
+              <a:schemeClr val="lt1"/>
+            </a:fontRef>
+          </p:style>
+          <p:txBody>
+            <a:bodyPr rtlCol="0" anchor="ctr"/>
+            <a:lstStyle/>
+            <a:p>
+              <a:pPr algn="ctr"/>
+              <a:endParaRPr lang="es-MX" dirty="0"/>
+            </a:p>
+          </p:txBody>
+        </p:sp>
+      </p:grpSp>
+      <p:sp>
+        <p:nvSpPr>
+          <p:cNvPr id="7" name="CuadroTexto 6">
+            <a:extLst>
+              <a:ext uri="{FF2B5EF4-FFF2-40B4-BE49-F238E27FC236}">
+                <a16:creationId xmlns:a16="http://schemas.microsoft.com/office/drawing/2014/main" id="{4C12B744-E3BD-4A2D-A4C2-17BC2CD88CE0}"/>
+              </a:ext>
+            </a:extLst>
+          </p:cNvPr>
+          <p:cNvSpPr txBox="1"/>
+          <p:nvPr/>
+        </p:nvSpPr>
+        <p:spPr>
+          <a:xfrm>
+            <a:off x="185520" y="381400"/>
+            <a:ext cx="9720942" cy="830997"/>
+          </a:xfrm>
+          <a:prstGeom prst="rect">
+            <a:avLst/>
+          </a:prstGeom>
+          <a:noFill/>
+        </p:spPr>
+        <p:txBody>
+          <a:bodyPr wrap="square" rtlCol="0">
+            <a:spAutoFit/>
+          </a:bodyPr>
+          <a:lstStyle/>
+          <a:p>
+            <a:pPr algn="ctr"/>
+            <a:r>
+              <a:rPr lang="es-MX" sz="4800" dirty="0">
+                <a:latin typeface="Arial" panose="020B0604020202020204" pitchFamily="34" charset="0"/>
+                <a:cs typeface="Arial" panose="020B0604020202020204" pitchFamily="34" charset="0"/>
+              </a:rPr>
+              <a:t>Clases y Estilos</a:t>
+            </a:r>
+          </a:p>
+        </p:txBody>
+      </p:sp>
+      <p:sp>
+        <p:nvSpPr>
+          <p:cNvPr id="2" name="Rectángulo 1">
+            <a:extLst>
+              <a:ext uri="{FF2B5EF4-FFF2-40B4-BE49-F238E27FC236}">
+                <a16:creationId xmlns:a16="http://schemas.microsoft.com/office/drawing/2014/main" id="{E01106D1-D8A4-44EF-A934-A383DA330087}"/>
+              </a:ext>
+            </a:extLst>
+          </p:cNvPr>
+          <p:cNvSpPr/>
+          <p:nvPr/>
+        </p:nvSpPr>
+        <p:spPr>
+          <a:xfrm>
+            <a:off x="321576" y="1268373"/>
+            <a:ext cx="8595623" cy="830997"/>
+          </a:xfrm>
+          <a:prstGeom prst="rect">
+            <a:avLst/>
+          </a:prstGeom>
+        </p:spPr>
+        <p:txBody>
+          <a:bodyPr wrap="none">
+            <a:spAutoFit/>
+          </a:bodyPr>
+          <a:lstStyle/>
+          <a:p>
+            <a:r>
+              <a:rPr lang="en-US" sz="2400" dirty="0">
+                <a:latin typeface="Roboto Mono"/>
+              </a:rPr>
+              <a:t>CLASE:</a:t>
+            </a:r>
+          </a:p>
+          <a:p>
+            <a:r>
+              <a:rPr lang="en-US" sz="2400" dirty="0">
+                <a:solidFill>
+                  <a:srgbClr val="2973B7"/>
+                </a:solidFill>
+                <a:latin typeface="Roboto Mono"/>
+              </a:rPr>
+              <a:t>&lt; div </a:t>
+            </a:r>
+            <a:r>
+              <a:rPr lang="en-US" sz="2400" dirty="0" err="1">
+                <a:solidFill>
+                  <a:srgbClr val="2973B7"/>
+                </a:solidFill>
+                <a:latin typeface="Roboto Mono"/>
+              </a:rPr>
+              <a:t>v-bind:class</a:t>
+            </a:r>
+            <a:r>
+              <a:rPr lang="en-US" sz="2400" dirty="0">
+                <a:solidFill>
+                  <a:srgbClr val="2973B7"/>
+                </a:solidFill>
+                <a:latin typeface="Roboto Mono"/>
+              </a:rPr>
+              <a:t> = </a:t>
+            </a:r>
+            <a:r>
+              <a:rPr lang="en-US" sz="2400" dirty="0">
+                <a:solidFill>
+                  <a:srgbClr val="42B983"/>
+                </a:solidFill>
+                <a:latin typeface="Roboto Mono"/>
+              </a:rPr>
+              <a:t>"[‘row’,</a:t>
+            </a:r>
+            <a:r>
+              <a:rPr lang="en-US" sz="2400" dirty="0" err="1">
+                <a:solidFill>
+                  <a:srgbClr val="42B983"/>
+                </a:solidFill>
+                <a:latin typeface="Roboto Mono"/>
+              </a:rPr>
+              <a:t>classA</a:t>
+            </a:r>
+            <a:r>
+              <a:rPr lang="en-US" sz="2400" dirty="0">
+                <a:solidFill>
+                  <a:srgbClr val="42B983"/>
+                </a:solidFill>
+                <a:latin typeface="Roboto Mono"/>
+              </a:rPr>
+              <a:t>, {</a:t>
+            </a:r>
+            <a:r>
+              <a:rPr lang="en-US" sz="2400" dirty="0" err="1">
+                <a:solidFill>
+                  <a:srgbClr val="42B983"/>
+                </a:solidFill>
+                <a:latin typeface="Roboto Mono"/>
+              </a:rPr>
+              <a:t>classB</a:t>
+            </a:r>
+            <a:r>
+              <a:rPr lang="en-US" sz="2400" dirty="0">
+                <a:solidFill>
+                  <a:srgbClr val="42B983"/>
+                </a:solidFill>
+                <a:latin typeface="Roboto Mono"/>
+              </a:rPr>
+              <a:t>: </a:t>
+            </a:r>
+            <a:r>
+              <a:rPr lang="en-US" sz="2400" dirty="0" err="1">
+                <a:solidFill>
+                  <a:srgbClr val="42B983"/>
+                </a:solidFill>
+                <a:latin typeface="Roboto Mono"/>
+              </a:rPr>
+              <a:t>isB</a:t>
+            </a:r>
+            <a:r>
+              <a:rPr lang="en-US" sz="2400" dirty="0">
+                <a:solidFill>
+                  <a:srgbClr val="42B983"/>
+                </a:solidFill>
+                <a:latin typeface="Roboto Mono"/>
+              </a:rPr>
+              <a:t>, </a:t>
+            </a:r>
+            <a:r>
+              <a:rPr lang="en-US" sz="2400" dirty="0" err="1">
+                <a:solidFill>
+                  <a:srgbClr val="42B983"/>
+                </a:solidFill>
+                <a:latin typeface="Roboto Mono"/>
+              </a:rPr>
+              <a:t>classC</a:t>
+            </a:r>
+            <a:r>
+              <a:rPr lang="en-US" sz="2400" dirty="0">
+                <a:solidFill>
+                  <a:srgbClr val="42B983"/>
+                </a:solidFill>
+                <a:latin typeface="Roboto Mono"/>
+              </a:rPr>
+              <a:t>: </a:t>
+            </a:r>
+            <a:r>
+              <a:rPr lang="en-US" sz="2400" dirty="0" err="1">
+                <a:solidFill>
+                  <a:srgbClr val="42B983"/>
+                </a:solidFill>
+                <a:latin typeface="Roboto Mono"/>
+              </a:rPr>
+              <a:t>isC</a:t>
+            </a:r>
+            <a:r>
+              <a:rPr lang="en-US" sz="2400" dirty="0">
+                <a:solidFill>
+                  <a:srgbClr val="42B983"/>
+                </a:solidFill>
+                <a:latin typeface="Roboto Mono"/>
+              </a:rPr>
+              <a:t>}]"</a:t>
+            </a:r>
+            <a:endParaRPr lang="es-MX" sz="2400" dirty="0"/>
+          </a:p>
+        </p:txBody>
+      </p:sp>
+      <p:sp>
+        <p:nvSpPr>
+          <p:cNvPr id="3" name="Rectángulo 2">
+            <a:extLst>
+              <a:ext uri="{FF2B5EF4-FFF2-40B4-BE49-F238E27FC236}">
+                <a16:creationId xmlns:a16="http://schemas.microsoft.com/office/drawing/2014/main" id="{341D87C8-E9BB-45EE-8224-530B3A648237}"/>
+              </a:ext>
+            </a:extLst>
+          </p:cNvPr>
+          <p:cNvSpPr/>
+          <p:nvPr/>
+        </p:nvSpPr>
+        <p:spPr>
+          <a:xfrm>
+            <a:off x="321576" y="2253695"/>
+            <a:ext cx="11129395" cy="830997"/>
+          </a:xfrm>
+          <a:prstGeom prst="rect">
+            <a:avLst/>
+          </a:prstGeom>
+        </p:spPr>
+        <p:txBody>
+          <a:bodyPr wrap="square">
+            <a:spAutoFit/>
+          </a:bodyPr>
+          <a:lstStyle/>
+          <a:p>
+            <a:r>
+              <a:rPr lang="es-MX" sz="2400" dirty="0">
+                <a:latin typeface="Roboto Mono"/>
+              </a:rPr>
+              <a:t>STYLE:</a:t>
+            </a:r>
+          </a:p>
+          <a:p>
+            <a:r>
+              <a:rPr lang="es-MX" sz="2400" dirty="0">
+                <a:solidFill>
+                  <a:srgbClr val="2973B7"/>
+                </a:solidFill>
+                <a:latin typeface="Roboto Mono"/>
+              </a:rPr>
+              <a:t>&lt; </a:t>
+            </a:r>
+            <a:r>
+              <a:rPr lang="es-MX" sz="2400" dirty="0" err="1">
+                <a:solidFill>
+                  <a:srgbClr val="2973B7"/>
+                </a:solidFill>
+                <a:latin typeface="Roboto Mono"/>
+              </a:rPr>
+              <a:t>div</a:t>
+            </a:r>
+            <a:r>
+              <a:rPr lang="es-MX" sz="2400" dirty="0">
+                <a:solidFill>
+                  <a:srgbClr val="2973B7"/>
+                </a:solidFill>
+                <a:latin typeface="Roboto Mono"/>
+              </a:rPr>
+              <a:t> </a:t>
+            </a:r>
+            <a:r>
+              <a:rPr lang="es-MX" sz="2400" dirty="0" err="1">
+                <a:solidFill>
+                  <a:srgbClr val="2973B7"/>
+                </a:solidFill>
+                <a:latin typeface="Roboto Mono"/>
+              </a:rPr>
+              <a:t>v-bind:style</a:t>
+            </a:r>
+            <a:r>
+              <a:rPr lang="es-MX" sz="2400" dirty="0">
+                <a:solidFill>
+                  <a:srgbClr val="2973B7"/>
+                </a:solidFill>
+                <a:latin typeface="Roboto Mono"/>
+              </a:rPr>
+              <a:t> = </a:t>
+            </a:r>
+            <a:r>
+              <a:rPr lang="es-MX" sz="2400" dirty="0">
+                <a:solidFill>
+                  <a:srgbClr val="42B983"/>
+                </a:solidFill>
+                <a:latin typeface="Roboto Mono"/>
+              </a:rPr>
+              <a:t>"{color: </a:t>
+            </a:r>
+            <a:r>
+              <a:rPr lang="es-MX" sz="2400" dirty="0" err="1">
+                <a:solidFill>
+                  <a:srgbClr val="42B983"/>
+                </a:solidFill>
+                <a:latin typeface="Roboto Mono"/>
+              </a:rPr>
+              <a:t>activeColor</a:t>
+            </a:r>
+            <a:r>
+              <a:rPr lang="es-MX" sz="2400" dirty="0">
+                <a:solidFill>
+                  <a:srgbClr val="42B983"/>
+                </a:solidFill>
+                <a:latin typeface="Roboto Mono"/>
+              </a:rPr>
+              <a:t>, </a:t>
+            </a:r>
+            <a:r>
+              <a:rPr lang="es-MX" sz="2400" dirty="0" err="1">
+                <a:solidFill>
+                  <a:srgbClr val="42B983"/>
+                </a:solidFill>
+                <a:latin typeface="Roboto Mono"/>
+              </a:rPr>
+              <a:t>fontSize</a:t>
+            </a:r>
+            <a:r>
+              <a:rPr lang="es-MX" sz="2400" dirty="0">
+                <a:solidFill>
+                  <a:srgbClr val="42B983"/>
+                </a:solidFill>
+                <a:latin typeface="Roboto Mono"/>
+              </a:rPr>
+              <a:t>: </a:t>
+            </a:r>
+            <a:r>
+              <a:rPr lang="es-MX" sz="2400" dirty="0" err="1">
+                <a:solidFill>
+                  <a:srgbClr val="42B983"/>
+                </a:solidFill>
+                <a:latin typeface="Roboto Mono"/>
+              </a:rPr>
+              <a:t>fontSize</a:t>
+            </a:r>
+            <a:r>
+              <a:rPr lang="es-MX" sz="2400" dirty="0">
+                <a:solidFill>
+                  <a:srgbClr val="42B983"/>
+                </a:solidFill>
+                <a:latin typeface="Roboto Mono"/>
+              </a:rPr>
+              <a:t> + '</a:t>
+            </a:r>
+            <a:r>
+              <a:rPr lang="es-MX" sz="2400" dirty="0" err="1">
+                <a:solidFill>
+                  <a:srgbClr val="42B983"/>
+                </a:solidFill>
+                <a:latin typeface="Roboto Mono"/>
+              </a:rPr>
+              <a:t>px</a:t>
+            </a:r>
+            <a:r>
+              <a:rPr lang="es-MX" sz="2400" dirty="0">
+                <a:solidFill>
+                  <a:srgbClr val="42B983"/>
+                </a:solidFill>
+                <a:latin typeface="Roboto Mono"/>
+              </a:rPr>
+              <a:t>'}"</a:t>
+            </a:r>
+            <a:r>
+              <a:rPr lang="es-MX" sz="2400" dirty="0">
+                <a:solidFill>
+                  <a:srgbClr val="2973B7"/>
+                </a:solidFill>
+                <a:latin typeface="Roboto Mono"/>
+              </a:rPr>
+              <a:t> &gt; &lt;/ </a:t>
+            </a:r>
+            <a:r>
+              <a:rPr lang="es-MX" sz="2400" dirty="0" err="1">
+                <a:solidFill>
+                  <a:srgbClr val="2973B7"/>
+                </a:solidFill>
+                <a:latin typeface="Roboto Mono"/>
+              </a:rPr>
+              <a:t>div</a:t>
+            </a:r>
+            <a:r>
+              <a:rPr lang="es-MX" sz="2400" dirty="0">
+                <a:solidFill>
+                  <a:srgbClr val="2973B7"/>
+                </a:solidFill>
+                <a:latin typeface="Roboto Mono"/>
+              </a:rPr>
+              <a:t> &gt;</a:t>
+            </a:r>
+            <a:endParaRPr lang="es-MX" sz="2400" dirty="0"/>
+          </a:p>
+        </p:txBody>
+      </p:sp>
+      <p:sp>
+        <p:nvSpPr>
+          <p:cNvPr id="8" name="Rectangle 1">
+            <a:extLst>
+              <a:ext uri="{FF2B5EF4-FFF2-40B4-BE49-F238E27FC236}">
+                <a16:creationId xmlns:a16="http://schemas.microsoft.com/office/drawing/2014/main" id="{34686A3B-93A1-4AE6-97CE-5E7E8A16CA98}"/>
+              </a:ext>
+            </a:extLst>
+          </p:cNvPr>
+          <p:cNvSpPr>
+            <a:spLocks noChangeArrowheads="1"/>
+          </p:cNvSpPr>
+          <p:nvPr/>
+        </p:nvSpPr>
+        <p:spPr bwMode="auto">
+          <a:xfrm>
+            <a:off x="2610223" y="3670836"/>
+            <a:ext cx="4018328" cy="2215991"/>
+          </a:xfrm>
+          <a:prstGeom prst="rect">
+            <a:avLst/>
+          </a:prstGeom>
+          <a:solidFill>
+            <a:srgbClr val="F8F8F8"/>
+          </a:solidFill>
+          <a:ln>
+            <a:noFill/>
+          </a:ln>
+          <a:effectLst/>
+          <a:extLst>
+            <a:ext uri="{91240B29-F687-4F45-9708-019B960494DF}">
+              <a14:hiddenLine xmlns:a14="http://schemas.microsoft.com/office/drawing/2010/main" w="9525">
+                <a:solidFill>
+                  <a:schemeClr val="tx1"/>
+                </a:solidFill>
+                <a:miter lim="800000"/>
+                <a:headEnd/>
+                <a:tailEnd/>
+              </a14:hiddenLine>
+            </a:ext>
+            <a:ext uri="{AF507438-7753-43E0-B8FC-AC1667EBCBE1}">
+              <a14:hiddenEffects xmlns:a14="http://schemas.microsoft.com/office/drawing/2010/main">
+                <a:effectLst>
+                  <a:outerShdw dist="35921" dir="2700000" algn="ctr" rotWithShape="0">
+                    <a:schemeClr val="bg2"/>
+                  </a:outerShdw>
+                </a:effectLst>
+              </a14:hiddenEffects>
+            </a:ext>
+          </a:extLst>
+        </p:spPr>
+        <p:txBody>
+          <a:bodyPr vert="horz" wrap="square" lIns="0" tIns="0" rIns="0" bIns="0" numCol="1" anchor="ctr" anchorCtr="0" compatLnSpc="1">
+            <a:prstTxWarp prst="textNoShape">
+              <a:avLst/>
+            </a:prstTxWarp>
+            <a:spAutoFit/>
+          </a:bodyPr>
+          <a:lstStyle/>
+          <a:p>
+            <a:pPr marL="0" marR="0" lvl="0" indent="0" algn="l" defTabSz="914400" rtl="0" eaLnBrk="0" fontAlgn="base" latinLnBrk="0" hangingPunct="0">
+              <a:lnSpc>
+                <a:spcPct val="100000"/>
+              </a:lnSpc>
+              <a:spcBef>
+                <a:spcPct val="0"/>
+              </a:spcBef>
+              <a:spcAft>
+                <a:spcPct val="0"/>
+              </a:spcAft>
+              <a:buClrTx/>
+              <a:buSzTx/>
+              <a:buFontTx/>
+              <a:buNone/>
+              <a:tabLst/>
+            </a:pPr>
+            <a:r>
+              <a:rPr kumimoji="0" lang="es-MX" altLang="es-MX" sz="2400" b="0" i="0" u="none" strike="noStrike" cap="none" normalizeH="0" baseline="0" dirty="0">
+                <a:ln>
+                  <a:noFill/>
+                </a:ln>
+                <a:solidFill>
+                  <a:srgbClr val="525252"/>
+                </a:solidFill>
+                <a:effectLst/>
+                <a:latin typeface="Roboto Mono"/>
+              </a:rPr>
+              <a:t>data: {</a:t>
+            </a:r>
+          </a:p>
+          <a:p>
+            <a:pPr lvl="1" eaLnBrk="0" fontAlgn="base" hangingPunct="0">
+              <a:spcBef>
+                <a:spcPct val="0"/>
+              </a:spcBef>
+              <a:spcAft>
+                <a:spcPct val="0"/>
+              </a:spcAft>
+            </a:pPr>
+            <a:r>
+              <a:rPr kumimoji="0" lang="es-MX" altLang="es-MX" sz="2400" b="0" i="0" u="none" strike="noStrike" cap="none" normalizeH="0" baseline="0" dirty="0" err="1">
+                <a:ln>
+                  <a:noFill/>
+                </a:ln>
+                <a:solidFill>
+                  <a:srgbClr val="525252"/>
+                </a:solidFill>
+                <a:effectLst/>
+                <a:latin typeface="Roboto Mono"/>
+              </a:rPr>
+              <a:t>styleObject</a:t>
+            </a:r>
+            <a:r>
+              <a:rPr kumimoji="0" lang="es-MX" altLang="es-MX" sz="2400" b="0" i="0" u="none" strike="noStrike" cap="none" normalizeH="0" baseline="0" dirty="0">
+                <a:ln>
+                  <a:noFill/>
+                </a:ln>
+                <a:solidFill>
+                  <a:srgbClr val="525252"/>
+                </a:solidFill>
+                <a:effectLst/>
+                <a:latin typeface="Roboto Mono"/>
+              </a:rPr>
+              <a:t>: {</a:t>
+            </a:r>
+          </a:p>
+          <a:p>
+            <a:pPr lvl="1" eaLnBrk="0" fontAlgn="base" hangingPunct="0">
+              <a:spcBef>
+                <a:spcPct val="0"/>
+              </a:spcBef>
+              <a:spcAft>
+                <a:spcPct val="0"/>
+              </a:spcAft>
+            </a:pPr>
+            <a:r>
+              <a:rPr kumimoji="0" lang="es-MX" altLang="es-MX" sz="2400" b="0" i="0" u="none" strike="noStrike" cap="none" normalizeH="0" baseline="0" dirty="0">
+                <a:ln>
+                  <a:noFill/>
+                </a:ln>
+                <a:solidFill>
+                  <a:srgbClr val="525252"/>
+                </a:solidFill>
+                <a:effectLst/>
+                <a:latin typeface="Roboto Mono"/>
+              </a:rPr>
+              <a:t>	color: </a:t>
+            </a:r>
+            <a:r>
+              <a:rPr kumimoji="0" lang="es-MX" altLang="es-MX" sz="2400" b="0" i="0" u="none" strike="noStrike" cap="none" normalizeH="0" baseline="0" dirty="0">
+                <a:ln>
+                  <a:noFill/>
+                </a:ln>
+                <a:solidFill>
+                  <a:srgbClr val="42B983"/>
+                </a:solidFill>
+                <a:effectLst/>
+                <a:latin typeface="Roboto Mono"/>
+              </a:rPr>
+              <a:t>'red’</a:t>
+            </a:r>
+            <a:r>
+              <a:rPr kumimoji="0" lang="es-MX" altLang="es-MX" sz="2400" b="0" i="0" u="none" strike="noStrike" cap="none" normalizeH="0" baseline="0" dirty="0">
+                <a:ln>
+                  <a:noFill/>
+                </a:ln>
+                <a:solidFill>
+                  <a:srgbClr val="525252"/>
+                </a:solidFill>
+                <a:effectLst/>
+                <a:latin typeface="Roboto Mono"/>
+              </a:rPr>
+              <a:t>,</a:t>
+            </a:r>
+          </a:p>
+          <a:p>
+            <a:pPr lvl="1" eaLnBrk="0" fontAlgn="base" hangingPunct="0">
+              <a:spcBef>
+                <a:spcPct val="0"/>
+              </a:spcBef>
+              <a:spcAft>
+                <a:spcPct val="0"/>
+              </a:spcAft>
+            </a:pPr>
+            <a:r>
+              <a:rPr kumimoji="0" lang="es-MX" altLang="es-MX" sz="2400" b="0" i="0" u="none" strike="noStrike" cap="none" normalizeH="0" baseline="0" dirty="0">
+                <a:ln>
+                  <a:noFill/>
+                </a:ln>
+                <a:solidFill>
+                  <a:srgbClr val="525252"/>
+                </a:solidFill>
+                <a:effectLst/>
+                <a:latin typeface="Roboto Mono"/>
+              </a:rPr>
+              <a:t>	</a:t>
+            </a:r>
+            <a:r>
+              <a:rPr kumimoji="0" lang="es-MX" altLang="es-MX" sz="2400" b="0" i="0" u="none" strike="noStrike" cap="none" normalizeH="0" baseline="0" dirty="0" err="1">
+                <a:ln>
+                  <a:noFill/>
+                </a:ln>
+                <a:solidFill>
+                  <a:srgbClr val="525252"/>
+                </a:solidFill>
+                <a:effectLst/>
+                <a:latin typeface="Roboto Mono"/>
+              </a:rPr>
+              <a:t>fontSize</a:t>
+            </a:r>
+            <a:r>
+              <a:rPr kumimoji="0" lang="es-MX" altLang="es-MX" sz="2400" b="0" i="0" u="none" strike="noStrike" cap="none" normalizeH="0" baseline="0" dirty="0">
+                <a:ln>
+                  <a:noFill/>
+                </a:ln>
+                <a:solidFill>
+                  <a:srgbClr val="525252"/>
+                </a:solidFill>
+                <a:effectLst/>
+                <a:latin typeface="Roboto Mono"/>
+              </a:rPr>
+              <a:t>: </a:t>
+            </a:r>
+            <a:r>
+              <a:rPr kumimoji="0" lang="es-MX" altLang="es-MX" sz="2400" b="0" i="0" u="none" strike="noStrike" cap="none" normalizeH="0" baseline="0" dirty="0">
+                <a:ln>
+                  <a:noFill/>
+                </a:ln>
+                <a:solidFill>
+                  <a:srgbClr val="42B983"/>
+                </a:solidFill>
+                <a:effectLst/>
+                <a:latin typeface="Roboto Mono"/>
+              </a:rPr>
+              <a:t>'13px'</a:t>
+            </a:r>
+            <a:endParaRPr kumimoji="0" lang="es-MX" altLang="es-MX" sz="2400" b="0" i="0" u="none" strike="noStrike" cap="none" normalizeH="0" baseline="0" dirty="0">
+              <a:ln>
+                <a:noFill/>
+              </a:ln>
+              <a:solidFill>
+                <a:srgbClr val="525252"/>
+              </a:solidFill>
+              <a:effectLst/>
+              <a:latin typeface="Roboto Mono"/>
+            </a:endParaRPr>
+          </a:p>
+          <a:p>
+            <a:pPr lvl="1" eaLnBrk="0" fontAlgn="base" hangingPunct="0">
+              <a:spcBef>
+                <a:spcPct val="0"/>
+              </a:spcBef>
+              <a:spcAft>
+                <a:spcPct val="0"/>
+              </a:spcAft>
+            </a:pPr>
+            <a:r>
+              <a:rPr kumimoji="0" lang="es-MX" altLang="es-MX" sz="2400" b="0" i="0" u="none" strike="noStrike" cap="none" normalizeH="0" baseline="0" dirty="0">
+                <a:ln>
+                  <a:noFill/>
+                </a:ln>
+                <a:solidFill>
+                  <a:srgbClr val="525252"/>
+                </a:solidFill>
+                <a:effectLst/>
+                <a:latin typeface="Roboto Mono"/>
+              </a:rPr>
+              <a:t>}</a:t>
+            </a:r>
+          </a:p>
+          <a:p>
+            <a:pPr marL="0" marR="0" lvl="0" indent="0" algn="l" defTabSz="914400" rtl="0" eaLnBrk="0" fontAlgn="base" latinLnBrk="0" hangingPunct="0">
+              <a:lnSpc>
+                <a:spcPct val="100000"/>
+              </a:lnSpc>
+              <a:spcBef>
+                <a:spcPct val="0"/>
+              </a:spcBef>
+              <a:spcAft>
+                <a:spcPct val="0"/>
+              </a:spcAft>
+              <a:buClrTx/>
+              <a:buSzTx/>
+              <a:buFontTx/>
+              <a:buNone/>
+              <a:tabLst/>
+            </a:pPr>
+            <a:r>
+              <a:rPr kumimoji="0" lang="es-MX" altLang="es-MX" sz="2400" b="0" i="0" u="none" strike="noStrike" cap="none" normalizeH="0" baseline="0" dirty="0">
+                <a:ln>
+                  <a:noFill/>
+                </a:ln>
+                <a:solidFill>
+                  <a:srgbClr val="525252"/>
+                </a:solidFill>
+                <a:effectLst/>
+                <a:latin typeface="Roboto Mono"/>
+              </a:rPr>
+              <a:t>}</a:t>
+            </a:r>
+            <a:endParaRPr kumimoji="0" lang="es-MX" altLang="es-MX" sz="500" b="0" i="0" u="none" strike="noStrike" cap="none" normalizeH="0" baseline="0" dirty="0">
+              <a:ln>
+                <a:noFill/>
+              </a:ln>
+              <a:solidFill>
+                <a:schemeClr val="tx1"/>
+              </a:solidFill>
+              <a:effectLst/>
+              <a:latin typeface="Arial" panose="020B0604020202020204" pitchFamily="34" charset="0"/>
+            </a:endParaRPr>
+          </a:p>
+        </p:txBody>
+      </p:sp>
+    </p:spTree>
+    <p:extLst>
+      <p:ext uri="{BB962C8B-B14F-4D97-AF65-F5344CB8AC3E}">
+        <p14:creationId xmlns:p14="http://schemas.microsoft.com/office/powerpoint/2010/main" val="2937912554"/>
+      </p:ext>
+    </p:extLst>
+  </p:cSld>
+  <p:clrMapOvr>
+    <a:masterClrMapping/>
+  </p:clrMapOvr>
+</p:sld>
+</file>
+
+<file path=ppt/slides/slide31.xml><?xml version="1.0" encoding="utf-8"?>
+<p:sld xmlns:a="http://schemas.openxmlformats.org/drawingml/2006/main" xmlns:r="http://schemas.openxmlformats.org/officeDocument/2006/relationships" xmlns:p="http://schemas.openxmlformats.org/presentationml/2006/main">
+  <p:cSld>
+    <p:spTree>
+      <p:nvGrpSpPr>
+        <p:cNvPr id="1" name=""/>
+        <p:cNvGrpSpPr/>
+        <p:nvPr/>
+      </p:nvGrpSpPr>
+      <p:grpSpPr>
+        <a:xfrm>
+          <a:off x="0" y="0"/>
+          <a:ext cx="0" cy="0"/>
+          <a:chOff x="0" y="0"/>
+          <a:chExt cx="0" cy="0"/>
+        </a:xfrm>
+      </p:grpSpPr>
+      <p:grpSp>
+        <p:nvGrpSpPr>
+          <p:cNvPr id="6" name="Grupo 5">
+            <a:extLst>
+              <a:ext uri="{FF2B5EF4-FFF2-40B4-BE49-F238E27FC236}">
+                <a16:creationId xmlns:a16="http://schemas.microsoft.com/office/drawing/2014/main" id="{343A7275-E56E-4FEE-ABCF-A540F4DEE010}"/>
+              </a:ext>
+            </a:extLst>
+          </p:cNvPr>
+          <p:cNvGrpSpPr/>
+          <p:nvPr/>
+        </p:nvGrpSpPr>
+        <p:grpSpPr>
+          <a:xfrm>
+            <a:off x="6803571" y="0"/>
+            <a:ext cx="5388429" cy="6858000"/>
+            <a:chOff x="6803571" y="0"/>
+            <a:chExt cx="5388429" cy="6858000"/>
+          </a:xfrm>
+        </p:grpSpPr>
+        <p:sp>
+          <p:nvSpPr>
+            <p:cNvPr id="4" name="Triángulo isósceles 3">
+              <a:extLst>
+                <a:ext uri="{FF2B5EF4-FFF2-40B4-BE49-F238E27FC236}">
+                  <a16:creationId xmlns:a16="http://schemas.microsoft.com/office/drawing/2014/main" id="{E21A7FE1-A148-4572-8889-559F87E19312}"/>
+                </a:ext>
+              </a:extLst>
+            </p:cNvPr>
+            <p:cNvSpPr/>
+            <p:nvPr/>
+          </p:nvSpPr>
+          <p:spPr>
+            <a:xfrm>
+              <a:off x="6803571" y="1992086"/>
+              <a:ext cx="5388429" cy="4865914"/>
+            </a:xfrm>
+            <a:prstGeom prst="triangle">
+              <a:avLst>
+                <a:gd name="adj" fmla="val 100000"/>
+              </a:avLst>
+            </a:prstGeom>
+            <a:solidFill>
+              <a:srgbClr val="2FB982"/>
+            </a:solidFill>
+            <a:ln>
+              <a:solidFill>
+                <a:srgbClr val="2FB982"/>
+              </a:solidFill>
+            </a:ln>
+          </p:spPr>
+          <p:style>
+            <a:lnRef idx="2">
+              <a:schemeClr val="accent1">
+                <a:shade val="50000"/>
+              </a:schemeClr>
+            </a:lnRef>
+            <a:fillRef idx="1">
+              <a:schemeClr val="accent1"/>
+            </a:fillRef>
+            <a:effectRef idx="0">
+              <a:schemeClr val="accent1"/>
+            </a:effectRef>
+            <a:fontRef idx="minor">
+              <a:schemeClr val="lt1"/>
+            </a:fontRef>
+          </p:style>
+          <p:txBody>
+            <a:bodyPr rtlCol="0" anchor="ctr"/>
+            <a:lstStyle/>
+            <a:p>
+              <a:pPr algn="ctr"/>
+              <a:endParaRPr lang="es-MX"/>
+            </a:p>
+          </p:txBody>
+        </p:sp>
+        <p:sp>
+          <p:nvSpPr>
+            <p:cNvPr id="5" name="Triángulo isósceles 4">
+              <a:extLst>
+                <a:ext uri="{FF2B5EF4-FFF2-40B4-BE49-F238E27FC236}">
+                  <a16:creationId xmlns:a16="http://schemas.microsoft.com/office/drawing/2014/main" id="{ED709881-D5FA-47C9-A6F9-83B57056699B}"/>
+                </a:ext>
+              </a:extLst>
+            </p:cNvPr>
+            <p:cNvSpPr/>
+            <p:nvPr/>
+          </p:nvSpPr>
+          <p:spPr>
+            <a:xfrm rot="10800000">
+              <a:off x="9535885" y="0"/>
+              <a:ext cx="2656115" cy="4778832"/>
+            </a:xfrm>
+            <a:prstGeom prst="triangle">
+              <a:avLst>
+                <a:gd name="adj" fmla="val 0"/>
+              </a:avLst>
+            </a:prstGeom>
+            <a:solidFill>
+              <a:srgbClr val="34475F"/>
+            </a:solidFill>
+            <a:ln>
+              <a:solidFill>
+                <a:srgbClr val="34475F"/>
+              </a:solidFill>
+            </a:ln>
+          </p:spPr>
+          <p:style>
+            <a:lnRef idx="2">
+              <a:schemeClr val="accent1">
+                <a:shade val="50000"/>
+              </a:schemeClr>
+            </a:lnRef>
+            <a:fillRef idx="1">
+              <a:schemeClr val="accent1"/>
+            </a:fillRef>
+            <a:effectRef idx="0">
+              <a:schemeClr val="accent1"/>
+            </a:effectRef>
+            <a:fontRef idx="minor">
+              <a:schemeClr val="lt1"/>
+            </a:fontRef>
+          </p:style>
+          <p:txBody>
+            <a:bodyPr rtlCol="0" anchor="ctr"/>
+            <a:lstStyle/>
+            <a:p>
+              <a:pPr algn="ctr"/>
+              <a:endParaRPr lang="es-MX" dirty="0"/>
+            </a:p>
+          </p:txBody>
+        </p:sp>
+      </p:grpSp>
+      <p:sp>
+        <p:nvSpPr>
+          <p:cNvPr id="7" name="CuadroTexto 6">
+            <a:extLst>
+              <a:ext uri="{FF2B5EF4-FFF2-40B4-BE49-F238E27FC236}">
+                <a16:creationId xmlns:a16="http://schemas.microsoft.com/office/drawing/2014/main" id="{4C12B744-E3BD-4A2D-A4C2-17BC2CD88CE0}"/>
+              </a:ext>
+            </a:extLst>
+          </p:cNvPr>
+          <p:cNvSpPr txBox="1"/>
+          <p:nvPr/>
+        </p:nvSpPr>
+        <p:spPr>
+          <a:xfrm>
+            <a:off x="185520" y="381400"/>
+            <a:ext cx="9720942" cy="830997"/>
+          </a:xfrm>
+          <a:prstGeom prst="rect">
+            <a:avLst/>
+          </a:prstGeom>
+          <a:noFill/>
+        </p:spPr>
+        <p:txBody>
+          <a:bodyPr wrap="square" rtlCol="0">
+            <a:spAutoFit/>
+          </a:bodyPr>
+          <a:lstStyle/>
+          <a:p>
+            <a:pPr algn="ctr"/>
+            <a:r>
+              <a:rPr lang="es-MX" sz="4800" dirty="0">
+                <a:latin typeface="Arial" panose="020B0604020202020204" pitchFamily="34" charset="0"/>
+                <a:cs typeface="Arial" panose="020B0604020202020204" pitchFamily="34" charset="0"/>
+              </a:rPr>
+              <a:t>Atributos</a:t>
+            </a:r>
+          </a:p>
+        </p:txBody>
+      </p:sp>
+      <p:sp>
+        <p:nvSpPr>
+          <p:cNvPr id="8" name="Rectángulo 7">
+            <a:extLst>
+              <a:ext uri="{FF2B5EF4-FFF2-40B4-BE49-F238E27FC236}">
+                <a16:creationId xmlns:a16="http://schemas.microsoft.com/office/drawing/2014/main" id="{5218AECF-F14E-4B84-ACDB-7BB978BF5E6B}"/>
+              </a:ext>
+            </a:extLst>
+          </p:cNvPr>
+          <p:cNvSpPr/>
+          <p:nvPr/>
+        </p:nvSpPr>
+        <p:spPr>
+          <a:xfrm>
+            <a:off x="1940651" y="1593798"/>
+            <a:ext cx="7899635" cy="1938992"/>
+          </a:xfrm>
+          <a:prstGeom prst="rect">
+            <a:avLst/>
+          </a:prstGeom>
+        </p:spPr>
+        <p:txBody>
+          <a:bodyPr wrap="square">
+            <a:spAutoFit/>
+          </a:bodyPr>
+          <a:lstStyle/>
+          <a:p>
+            <a:endParaRPr lang="es-MX" sz="2400" dirty="0">
+              <a:latin typeface="Roboto Mono"/>
+            </a:endParaRPr>
+          </a:p>
+          <a:p>
+            <a:r>
+              <a:rPr lang="es-MX" sz="2400" dirty="0">
+                <a:solidFill>
+                  <a:srgbClr val="2973B7"/>
+                </a:solidFill>
+                <a:latin typeface="Roboto Mono"/>
+              </a:rPr>
+              <a:t>&lt; </a:t>
+            </a:r>
+            <a:r>
+              <a:rPr lang="es-MX" sz="2400" dirty="0" err="1">
+                <a:solidFill>
+                  <a:srgbClr val="2973B7"/>
+                </a:solidFill>
+                <a:latin typeface="Roboto Mono"/>
+              </a:rPr>
+              <a:t>div</a:t>
+            </a:r>
+            <a:r>
+              <a:rPr lang="es-MX" sz="2400" dirty="0">
+                <a:solidFill>
+                  <a:srgbClr val="2973B7"/>
+                </a:solidFill>
+                <a:latin typeface="Roboto Mono"/>
+              </a:rPr>
+              <a:t> </a:t>
+            </a:r>
+          </a:p>
+          <a:p>
+            <a:r>
+              <a:rPr lang="es-MX" sz="2400" dirty="0">
+                <a:solidFill>
+                  <a:srgbClr val="2973B7"/>
+                </a:solidFill>
+                <a:latin typeface="Roboto Mono"/>
+              </a:rPr>
+              <a:t>	:id = </a:t>
+            </a:r>
+            <a:r>
+              <a:rPr lang="es-MX" sz="2400" dirty="0">
+                <a:solidFill>
+                  <a:srgbClr val="42B983"/>
+                </a:solidFill>
+                <a:latin typeface="Roboto Mono"/>
+              </a:rPr>
+              <a:t>“</a:t>
+            </a:r>
+            <a:r>
+              <a:rPr lang="es-MX" sz="2400" dirty="0" err="1">
+                <a:solidFill>
+                  <a:srgbClr val="42B983"/>
+                </a:solidFill>
+                <a:latin typeface="Roboto Mono"/>
+              </a:rPr>
+              <a:t>componentId</a:t>
+            </a:r>
+            <a:r>
+              <a:rPr lang="es-MX" sz="2400" dirty="0">
+                <a:solidFill>
+                  <a:srgbClr val="42B983"/>
+                </a:solidFill>
+                <a:latin typeface="Roboto Mono"/>
+              </a:rPr>
+              <a:t>"</a:t>
+            </a:r>
+            <a:r>
+              <a:rPr lang="es-MX" sz="2400" dirty="0">
+                <a:solidFill>
+                  <a:srgbClr val="2973B7"/>
+                </a:solidFill>
+                <a:latin typeface="Roboto Mono"/>
+              </a:rPr>
+              <a:t>  </a:t>
+            </a:r>
+          </a:p>
+          <a:p>
+            <a:r>
+              <a:rPr lang="es-MX" sz="2400" dirty="0">
+                <a:solidFill>
+                  <a:srgbClr val="2973B7"/>
+                </a:solidFill>
+                <a:latin typeface="Roboto Mono"/>
+              </a:rPr>
+              <a:t>	:data-</a:t>
+            </a:r>
+            <a:r>
+              <a:rPr lang="es-MX" sz="2400" dirty="0" err="1">
+                <a:solidFill>
+                  <a:srgbClr val="2973B7"/>
+                </a:solidFill>
+                <a:latin typeface="Roboto Mono"/>
+              </a:rPr>
+              <a:t>name</a:t>
+            </a:r>
+            <a:r>
+              <a:rPr lang="es-MX" sz="2400" dirty="0">
+                <a:solidFill>
+                  <a:srgbClr val="2973B7"/>
+                </a:solidFill>
+                <a:latin typeface="Roboto Mono"/>
+              </a:rPr>
+              <a:t>=</a:t>
+            </a:r>
+            <a:r>
+              <a:rPr lang="es-MX" sz="2400" dirty="0">
+                <a:solidFill>
+                  <a:srgbClr val="42B983"/>
+                </a:solidFill>
+                <a:latin typeface="Roboto Mono"/>
+              </a:rPr>
+              <a:t>“</a:t>
+            </a:r>
+            <a:r>
+              <a:rPr lang="es-MX" sz="2400" dirty="0">
+                <a:solidFill>
+                  <a:srgbClr val="2973B7"/>
+                </a:solidFill>
+                <a:latin typeface="Roboto Mono"/>
+              </a:rPr>
+              <a:t>‘</a:t>
+            </a:r>
+            <a:r>
+              <a:rPr lang="es-MX" sz="2400" u="sng" dirty="0">
+                <a:solidFill>
+                  <a:srgbClr val="2973B7"/>
+                </a:solidFill>
+                <a:latin typeface="Roboto Mono"/>
+              </a:rPr>
+              <a:t>componente-</a:t>
+            </a:r>
+            <a:r>
+              <a:rPr lang="es-MX" sz="2400" dirty="0">
+                <a:solidFill>
+                  <a:srgbClr val="2973B7"/>
+                </a:solidFill>
+                <a:latin typeface="Roboto Mono"/>
+              </a:rPr>
+              <a:t>’</a:t>
+            </a:r>
+            <a:r>
+              <a:rPr lang="es-MX" sz="2400" dirty="0">
+                <a:solidFill>
+                  <a:srgbClr val="FF0000"/>
+                </a:solidFill>
+                <a:latin typeface="Roboto Mono"/>
+              </a:rPr>
+              <a:t>+</a:t>
+            </a:r>
+            <a:r>
+              <a:rPr lang="es-MX" sz="2400" dirty="0" err="1">
+                <a:solidFill>
+                  <a:srgbClr val="42B983"/>
+                </a:solidFill>
+                <a:latin typeface="Roboto Mono"/>
+              </a:rPr>
+              <a:t>componentId</a:t>
+            </a:r>
+            <a:r>
+              <a:rPr lang="es-MX" sz="2400" dirty="0">
+                <a:solidFill>
+                  <a:srgbClr val="42B983"/>
+                </a:solidFill>
+                <a:latin typeface="Roboto Mono"/>
+              </a:rPr>
+              <a:t>"</a:t>
+            </a:r>
+            <a:r>
+              <a:rPr lang="es-MX" sz="2400" dirty="0">
+                <a:solidFill>
+                  <a:srgbClr val="2973B7"/>
+                </a:solidFill>
+                <a:latin typeface="Roboto Mono"/>
+              </a:rPr>
+              <a:t> </a:t>
+            </a:r>
+          </a:p>
+          <a:p>
+            <a:r>
+              <a:rPr lang="es-MX" sz="2400" u="sng" dirty="0">
+                <a:solidFill>
+                  <a:srgbClr val="2973B7"/>
+                </a:solidFill>
+                <a:latin typeface="Roboto Mono"/>
+              </a:rPr>
+              <a:t>&gt;&lt;/</a:t>
+            </a:r>
+            <a:r>
+              <a:rPr lang="es-MX" sz="2400" dirty="0">
+                <a:solidFill>
+                  <a:srgbClr val="2973B7"/>
+                </a:solidFill>
+                <a:latin typeface="Roboto Mono"/>
+              </a:rPr>
+              <a:t> </a:t>
+            </a:r>
+            <a:r>
+              <a:rPr lang="es-MX" sz="2400" dirty="0" err="1">
+                <a:solidFill>
+                  <a:srgbClr val="2973B7"/>
+                </a:solidFill>
+                <a:latin typeface="Roboto Mono"/>
+              </a:rPr>
+              <a:t>div</a:t>
+            </a:r>
+            <a:r>
+              <a:rPr lang="es-MX" sz="2400" dirty="0">
+                <a:solidFill>
+                  <a:srgbClr val="2973B7"/>
+                </a:solidFill>
+                <a:latin typeface="Roboto Mono"/>
+              </a:rPr>
+              <a:t> &gt;</a:t>
+            </a:r>
+            <a:endParaRPr lang="es-MX" sz="2400" dirty="0"/>
+          </a:p>
+        </p:txBody>
+      </p:sp>
+    </p:spTree>
+    <p:extLst>
+      <p:ext uri="{BB962C8B-B14F-4D97-AF65-F5344CB8AC3E}">
+        <p14:creationId xmlns:p14="http://schemas.microsoft.com/office/powerpoint/2010/main" val="3938808920"/>
+      </p:ext>
+    </p:extLst>
+  </p:cSld>
+  <p:clrMapOvr>
+    <a:masterClrMapping/>
+  </p:clrMapOvr>
+</p:sld>
+</file>
+
+<file path=ppt/slides/slide32.xml><?xml version="1.0" encoding="utf-8"?>
+<p:sld xmlns:a="http://schemas.openxmlformats.org/drawingml/2006/main" xmlns:r="http://schemas.openxmlformats.org/officeDocument/2006/relationships" xmlns:p="http://schemas.openxmlformats.org/presentationml/2006/main">
+  <p:cSld>
+    <p:spTree>
+      <p:nvGrpSpPr>
+        <p:cNvPr id="1" name=""/>
+        <p:cNvGrpSpPr/>
+        <p:nvPr/>
+      </p:nvGrpSpPr>
+      <p:grpSpPr>
+        <a:xfrm>
+          <a:off x="0" y="0"/>
+          <a:ext cx="0" cy="0"/>
+          <a:chOff x="0" y="0"/>
+          <a:chExt cx="0" cy="0"/>
+        </a:xfrm>
+      </p:grpSpPr>
+      <p:grpSp>
+        <p:nvGrpSpPr>
+          <p:cNvPr id="6" name="Grupo 5">
+            <a:extLst>
+              <a:ext uri="{FF2B5EF4-FFF2-40B4-BE49-F238E27FC236}">
+                <a16:creationId xmlns:a16="http://schemas.microsoft.com/office/drawing/2014/main" id="{343A7275-E56E-4FEE-ABCF-A540F4DEE010}"/>
+              </a:ext>
+            </a:extLst>
+          </p:cNvPr>
+          <p:cNvGrpSpPr/>
+          <p:nvPr/>
+        </p:nvGrpSpPr>
+        <p:grpSpPr>
+          <a:xfrm>
+            <a:off x="6803571" y="0"/>
+            <a:ext cx="5388429" cy="6858000"/>
+            <a:chOff x="6803571" y="0"/>
+            <a:chExt cx="5388429" cy="6858000"/>
+          </a:xfrm>
+        </p:grpSpPr>
+        <p:sp>
+          <p:nvSpPr>
+            <p:cNvPr id="4" name="Triángulo isósceles 3">
+              <a:extLst>
+                <a:ext uri="{FF2B5EF4-FFF2-40B4-BE49-F238E27FC236}">
+                  <a16:creationId xmlns:a16="http://schemas.microsoft.com/office/drawing/2014/main" id="{E21A7FE1-A148-4572-8889-559F87E19312}"/>
+                </a:ext>
+              </a:extLst>
+            </p:cNvPr>
+            <p:cNvSpPr/>
+            <p:nvPr/>
+          </p:nvSpPr>
+          <p:spPr>
+            <a:xfrm>
+              <a:off x="6803571" y="1992086"/>
+              <a:ext cx="5388429" cy="4865914"/>
+            </a:xfrm>
+            <a:prstGeom prst="triangle">
+              <a:avLst>
+                <a:gd name="adj" fmla="val 100000"/>
+              </a:avLst>
+            </a:prstGeom>
+            <a:solidFill>
+              <a:srgbClr val="2FB982"/>
+            </a:solidFill>
+            <a:ln>
+              <a:solidFill>
+                <a:srgbClr val="2FB982"/>
+              </a:solidFill>
+            </a:ln>
+          </p:spPr>
+          <p:style>
+            <a:lnRef idx="2">
+              <a:schemeClr val="accent1">
+                <a:shade val="50000"/>
+              </a:schemeClr>
+            </a:lnRef>
+            <a:fillRef idx="1">
+              <a:schemeClr val="accent1"/>
+            </a:fillRef>
+            <a:effectRef idx="0">
+              <a:schemeClr val="accent1"/>
+            </a:effectRef>
+            <a:fontRef idx="minor">
+              <a:schemeClr val="lt1"/>
+            </a:fontRef>
+          </p:style>
+          <p:txBody>
+            <a:bodyPr rtlCol="0" anchor="ctr"/>
+            <a:lstStyle/>
+            <a:p>
+              <a:pPr algn="ctr"/>
+              <a:endParaRPr lang="es-MX"/>
+            </a:p>
+          </p:txBody>
+        </p:sp>
+        <p:sp>
+          <p:nvSpPr>
+            <p:cNvPr id="5" name="Triángulo isósceles 4">
+              <a:extLst>
+                <a:ext uri="{FF2B5EF4-FFF2-40B4-BE49-F238E27FC236}">
+                  <a16:creationId xmlns:a16="http://schemas.microsoft.com/office/drawing/2014/main" id="{ED709881-D5FA-47C9-A6F9-83B57056699B}"/>
+                </a:ext>
+              </a:extLst>
+            </p:cNvPr>
+            <p:cNvSpPr/>
+            <p:nvPr/>
+          </p:nvSpPr>
+          <p:spPr>
+            <a:xfrm rot="10800000">
+              <a:off x="9535885" y="0"/>
+              <a:ext cx="2656115" cy="4778832"/>
+            </a:xfrm>
+            <a:prstGeom prst="triangle">
+              <a:avLst>
+                <a:gd name="adj" fmla="val 0"/>
+              </a:avLst>
+            </a:prstGeom>
+            <a:solidFill>
+              <a:srgbClr val="34475F"/>
+            </a:solidFill>
+            <a:ln>
+              <a:solidFill>
+                <a:srgbClr val="34475F"/>
+              </a:solidFill>
+            </a:ln>
+          </p:spPr>
+          <p:style>
+            <a:lnRef idx="2">
+              <a:schemeClr val="accent1">
+                <a:shade val="50000"/>
+              </a:schemeClr>
+            </a:lnRef>
+            <a:fillRef idx="1">
+              <a:schemeClr val="accent1"/>
+            </a:fillRef>
+            <a:effectRef idx="0">
+              <a:schemeClr val="accent1"/>
+            </a:effectRef>
+            <a:fontRef idx="minor">
+              <a:schemeClr val="lt1"/>
+            </a:fontRef>
+          </p:style>
+          <p:txBody>
+            <a:bodyPr rtlCol="0" anchor="ctr"/>
+            <a:lstStyle/>
+            <a:p>
+              <a:pPr algn="ctr"/>
+              <a:endParaRPr lang="es-MX" dirty="0"/>
+            </a:p>
+          </p:txBody>
+        </p:sp>
+      </p:grpSp>
+      <p:sp>
+        <p:nvSpPr>
+          <p:cNvPr id="7" name="CuadroTexto 6">
+            <a:extLst>
+              <a:ext uri="{FF2B5EF4-FFF2-40B4-BE49-F238E27FC236}">
+                <a16:creationId xmlns:a16="http://schemas.microsoft.com/office/drawing/2014/main" id="{4C12B744-E3BD-4A2D-A4C2-17BC2CD88CE0}"/>
+              </a:ext>
+            </a:extLst>
+          </p:cNvPr>
+          <p:cNvSpPr txBox="1"/>
+          <p:nvPr/>
+        </p:nvSpPr>
+        <p:spPr>
+          <a:xfrm>
+            <a:off x="67112" y="625287"/>
+            <a:ext cx="9720942" cy="830997"/>
+          </a:xfrm>
+          <a:prstGeom prst="rect">
+            <a:avLst/>
+          </a:prstGeom>
+          <a:noFill/>
+        </p:spPr>
+        <p:txBody>
+          <a:bodyPr wrap="square" rtlCol="0">
+            <a:spAutoFit/>
+          </a:bodyPr>
+          <a:lstStyle/>
+          <a:p>
+            <a:pPr algn="ctr"/>
+            <a:r>
+              <a:rPr lang="es-MX" sz="4800" dirty="0">
+                <a:latin typeface="Arial" panose="020B0604020202020204" pitchFamily="34" charset="0"/>
+                <a:cs typeface="Arial" panose="020B0604020202020204" pitchFamily="34" charset="0"/>
+              </a:rPr>
+              <a:t>Condicionales y ciclos</a:t>
+            </a:r>
+          </a:p>
+        </p:txBody>
+      </p:sp>
+      <p:pic>
+        <p:nvPicPr>
+          <p:cNvPr id="8" name="Imagen 7" descr="Imagen que contiene imágenes prediseñadas&#10;&#10;Descripción generada automáticamente">
+            <a:extLst>
+              <a:ext uri="{FF2B5EF4-FFF2-40B4-BE49-F238E27FC236}">
+                <a16:creationId xmlns:a16="http://schemas.microsoft.com/office/drawing/2014/main" id="{9584C193-C1FC-4899-A48E-4E033074E2C2}"/>
+              </a:ext>
+            </a:extLst>
+          </p:cNvPr>
+          <p:cNvPicPr>
+            <a:picLocks noChangeAspect="1"/>
+          </p:cNvPicPr>
+          <p:nvPr/>
+        </p:nvPicPr>
+        <p:blipFill>
+          <a:blip r:embed="rId2">
+            <a:extLst>
+              <a:ext uri="{28A0092B-C50C-407E-A947-70E740481C1C}">
+                <a14:useLocalDpi xmlns:a14="http://schemas.microsoft.com/office/drawing/2010/main" val="0"/>
+              </a:ext>
+            </a:extLst>
+          </a:blip>
+          <a:stretch>
+            <a:fillRect/>
+          </a:stretch>
+        </p:blipFill>
+        <p:spPr>
+          <a:xfrm>
+            <a:off x="2146427" y="2254542"/>
+            <a:ext cx="5310144" cy="3236659"/>
+          </a:xfrm>
+          <a:prstGeom prst="rect">
+            <a:avLst/>
+          </a:prstGeom>
+        </p:spPr>
+      </p:pic>
+    </p:spTree>
+    <p:extLst>
+      <p:ext uri="{BB962C8B-B14F-4D97-AF65-F5344CB8AC3E}">
+        <p14:creationId xmlns:p14="http://schemas.microsoft.com/office/powerpoint/2010/main" val="480194583"/>
+      </p:ext>
+    </p:extLst>
+  </p:cSld>
+  <p:clrMapOvr>
+    <a:masterClrMapping/>
+  </p:clrMapOvr>
+</p:sld>
+</file>
+
+<file path=ppt/slides/slide33.xml><?xml version="1.0" encoding="utf-8"?>
+<p:sld xmlns:a="http://schemas.openxmlformats.org/drawingml/2006/main" xmlns:r="http://schemas.openxmlformats.org/officeDocument/2006/relationships" xmlns:p="http://schemas.openxmlformats.org/presentationml/2006/main">
+  <p:cSld>
+    <p:spTree>
+      <p:nvGrpSpPr>
+        <p:cNvPr id="1" name=""/>
+        <p:cNvGrpSpPr/>
+        <p:nvPr/>
+      </p:nvGrpSpPr>
+      <p:grpSpPr>
+        <a:xfrm>
+          <a:off x="0" y="0"/>
+          <a:ext cx="0" cy="0"/>
+          <a:chOff x="0" y="0"/>
+          <a:chExt cx="0" cy="0"/>
+        </a:xfrm>
+      </p:grpSpPr>
+      <p:grpSp>
+        <p:nvGrpSpPr>
+          <p:cNvPr id="6" name="Grupo 5">
+            <a:extLst>
+              <a:ext uri="{FF2B5EF4-FFF2-40B4-BE49-F238E27FC236}">
+                <a16:creationId xmlns:a16="http://schemas.microsoft.com/office/drawing/2014/main" id="{343A7275-E56E-4FEE-ABCF-A540F4DEE010}"/>
+              </a:ext>
+            </a:extLst>
+          </p:cNvPr>
+          <p:cNvGrpSpPr/>
+          <p:nvPr/>
+        </p:nvGrpSpPr>
+        <p:grpSpPr>
+          <a:xfrm>
+            <a:off x="6803571" y="0"/>
+            <a:ext cx="5388429" cy="6858000"/>
+            <a:chOff x="6803571" y="0"/>
+            <a:chExt cx="5388429" cy="6858000"/>
+          </a:xfrm>
+        </p:grpSpPr>
+        <p:sp>
+          <p:nvSpPr>
+            <p:cNvPr id="4" name="Triángulo isósceles 3">
+              <a:extLst>
+                <a:ext uri="{FF2B5EF4-FFF2-40B4-BE49-F238E27FC236}">
+                  <a16:creationId xmlns:a16="http://schemas.microsoft.com/office/drawing/2014/main" id="{E21A7FE1-A148-4572-8889-559F87E19312}"/>
+                </a:ext>
+              </a:extLst>
+            </p:cNvPr>
+            <p:cNvSpPr/>
+            <p:nvPr/>
+          </p:nvSpPr>
+          <p:spPr>
+            <a:xfrm>
+              <a:off x="6803571" y="1992086"/>
+              <a:ext cx="5388429" cy="4865914"/>
+            </a:xfrm>
+            <a:prstGeom prst="triangle">
+              <a:avLst>
+                <a:gd name="adj" fmla="val 100000"/>
+              </a:avLst>
+            </a:prstGeom>
+            <a:solidFill>
+              <a:srgbClr val="2FB982"/>
+            </a:solidFill>
+            <a:ln>
+              <a:solidFill>
+                <a:srgbClr val="2FB982"/>
+              </a:solidFill>
+            </a:ln>
+          </p:spPr>
+          <p:style>
+            <a:lnRef idx="2">
+              <a:schemeClr val="accent1">
+                <a:shade val="50000"/>
+              </a:schemeClr>
+            </a:lnRef>
+            <a:fillRef idx="1">
+              <a:schemeClr val="accent1"/>
+            </a:fillRef>
+            <a:effectRef idx="0">
+              <a:schemeClr val="accent1"/>
+            </a:effectRef>
+            <a:fontRef idx="minor">
+              <a:schemeClr val="lt1"/>
+            </a:fontRef>
+          </p:style>
+          <p:txBody>
+            <a:bodyPr rtlCol="0" anchor="ctr"/>
+            <a:lstStyle/>
+            <a:p>
+              <a:pPr algn="ctr"/>
+              <a:endParaRPr lang="es-MX"/>
+            </a:p>
+          </p:txBody>
+        </p:sp>
+        <p:sp>
+          <p:nvSpPr>
+            <p:cNvPr id="5" name="Triángulo isósceles 4">
+              <a:extLst>
+                <a:ext uri="{FF2B5EF4-FFF2-40B4-BE49-F238E27FC236}">
+                  <a16:creationId xmlns:a16="http://schemas.microsoft.com/office/drawing/2014/main" id="{ED709881-D5FA-47C9-A6F9-83B57056699B}"/>
+                </a:ext>
+              </a:extLst>
+            </p:cNvPr>
+            <p:cNvSpPr/>
+            <p:nvPr/>
+          </p:nvSpPr>
+          <p:spPr>
+            <a:xfrm rot="10800000">
+              <a:off x="9535885" y="0"/>
+              <a:ext cx="2656115" cy="4778832"/>
+            </a:xfrm>
+            <a:prstGeom prst="triangle">
+              <a:avLst>
+                <a:gd name="adj" fmla="val 0"/>
+              </a:avLst>
+            </a:prstGeom>
+            <a:solidFill>
+              <a:srgbClr val="34475F"/>
+            </a:solidFill>
+            <a:ln>
+              <a:solidFill>
+                <a:srgbClr val="34475F"/>
+              </a:solidFill>
+            </a:ln>
+          </p:spPr>
+          <p:style>
+            <a:lnRef idx="2">
+              <a:schemeClr val="accent1">
+                <a:shade val="50000"/>
+              </a:schemeClr>
+            </a:lnRef>
+            <a:fillRef idx="1">
+              <a:schemeClr val="accent1"/>
+            </a:fillRef>
+            <a:effectRef idx="0">
+              <a:schemeClr val="accent1"/>
+            </a:effectRef>
+            <a:fontRef idx="minor">
+              <a:schemeClr val="lt1"/>
+            </a:fontRef>
+          </p:style>
+          <p:txBody>
+            <a:bodyPr rtlCol="0" anchor="ctr"/>
+            <a:lstStyle/>
+            <a:p>
+              <a:pPr algn="ctr"/>
+              <a:endParaRPr lang="es-MX" dirty="0"/>
+            </a:p>
+          </p:txBody>
+        </p:sp>
+      </p:grpSp>
+      <p:sp>
+        <p:nvSpPr>
+          <p:cNvPr id="7" name="CuadroTexto 6">
+            <a:extLst>
+              <a:ext uri="{FF2B5EF4-FFF2-40B4-BE49-F238E27FC236}">
+                <a16:creationId xmlns:a16="http://schemas.microsoft.com/office/drawing/2014/main" id="{4C12B744-E3BD-4A2D-A4C2-17BC2CD88CE0}"/>
+              </a:ext>
+            </a:extLst>
+          </p:cNvPr>
+          <p:cNvSpPr txBox="1"/>
+          <p:nvPr/>
+        </p:nvSpPr>
+        <p:spPr>
+          <a:xfrm>
+            <a:off x="185520" y="373011"/>
+            <a:ext cx="9720942" cy="830997"/>
+          </a:xfrm>
+          <a:prstGeom prst="rect">
+            <a:avLst/>
+          </a:prstGeom>
+          <a:noFill/>
+        </p:spPr>
+        <p:txBody>
+          <a:bodyPr wrap="square" rtlCol="0">
+            <a:spAutoFit/>
+          </a:bodyPr>
+          <a:lstStyle/>
+          <a:p>
+            <a:pPr algn="ctr"/>
+            <a:r>
+              <a:rPr lang="es-MX" sz="4800" dirty="0">
+                <a:latin typeface="Arial" panose="020B0604020202020204" pitchFamily="34" charset="0"/>
+                <a:cs typeface="Arial" panose="020B0604020202020204" pitchFamily="34" charset="0"/>
+              </a:rPr>
+              <a:t>IF - ELSE</a:t>
+            </a:r>
+          </a:p>
+        </p:txBody>
+      </p:sp>
+      <p:sp>
+        <p:nvSpPr>
+          <p:cNvPr id="2" name="Rectángulo 1">
+            <a:extLst>
+              <a:ext uri="{FF2B5EF4-FFF2-40B4-BE49-F238E27FC236}">
+                <a16:creationId xmlns:a16="http://schemas.microsoft.com/office/drawing/2014/main" id="{BDD08563-AD42-4F57-A18F-0938FD7B6E6E}"/>
+              </a:ext>
+            </a:extLst>
+          </p:cNvPr>
+          <p:cNvSpPr/>
+          <p:nvPr/>
+        </p:nvSpPr>
+        <p:spPr>
+          <a:xfrm>
+            <a:off x="2081882" y="1726685"/>
+            <a:ext cx="6558779" cy="2308324"/>
+          </a:xfrm>
+          <a:prstGeom prst="rect">
+            <a:avLst/>
+          </a:prstGeom>
+        </p:spPr>
+        <p:txBody>
+          <a:bodyPr wrap="square">
+            <a:spAutoFit/>
+          </a:bodyPr>
+          <a:lstStyle/>
+          <a:p>
+            <a:r>
+              <a:rPr lang="en-US" sz="3600" dirty="0">
+                <a:solidFill>
+                  <a:srgbClr val="2973B7"/>
+                </a:solidFill>
+                <a:latin typeface="Roboto Mono"/>
+              </a:rPr>
+              <a:t>&lt;h1 v-if=</a:t>
+            </a:r>
+            <a:r>
+              <a:rPr lang="en-US" sz="3600" dirty="0">
+                <a:solidFill>
+                  <a:srgbClr val="42B983"/>
+                </a:solidFill>
+                <a:latin typeface="Roboto Mono"/>
+              </a:rPr>
+              <a:t>"awesome“</a:t>
+            </a:r>
+            <a:r>
+              <a:rPr lang="en-US" sz="3600" dirty="0">
+                <a:solidFill>
+                  <a:srgbClr val="2973B7"/>
+                </a:solidFill>
+                <a:latin typeface="Roboto Mono"/>
+              </a:rPr>
+              <a:t>&gt;</a:t>
+            </a:r>
+          </a:p>
+          <a:p>
+            <a:r>
+              <a:rPr lang="en-US" sz="3600" dirty="0">
+                <a:solidFill>
+                  <a:srgbClr val="2973B7"/>
+                </a:solidFill>
+                <a:latin typeface="Roboto Mono"/>
+              </a:rPr>
+              <a:t>	</a:t>
+            </a:r>
+            <a:r>
+              <a:rPr lang="en-US" sz="3600" dirty="0">
+                <a:solidFill>
+                  <a:srgbClr val="525252"/>
+                </a:solidFill>
+                <a:latin typeface="Roboto Mono"/>
+              </a:rPr>
+              <a:t>Vue is awesome!</a:t>
+            </a:r>
+          </a:p>
+          <a:p>
+            <a:r>
+              <a:rPr lang="en-US" sz="3600" dirty="0">
+                <a:solidFill>
+                  <a:srgbClr val="2973B7"/>
+                </a:solidFill>
+                <a:latin typeface="Roboto Mono"/>
+              </a:rPr>
+              <a:t>&lt;/h1&gt;</a:t>
+            </a:r>
+            <a:r>
+              <a:rPr lang="en-US" sz="3600" dirty="0">
+                <a:solidFill>
+                  <a:srgbClr val="525252"/>
+                </a:solidFill>
+                <a:latin typeface="Roboto Mono"/>
+              </a:rPr>
+              <a:t> </a:t>
+            </a:r>
+          </a:p>
+          <a:p>
+            <a:r>
+              <a:rPr lang="en-US" sz="3600" dirty="0">
+                <a:solidFill>
+                  <a:srgbClr val="2973B7"/>
+                </a:solidFill>
+                <a:latin typeface="Roboto Mono"/>
+              </a:rPr>
+              <a:t>&lt;h1 v-else&gt;</a:t>
+            </a:r>
+            <a:r>
+              <a:rPr lang="en-US" sz="3600" dirty="0">
+                <a:solidFill>
+                  <a:srgbClr val="525252"/>
+                </a:solidFill>
+                <a:latin typeface="Roboto Mono"/>
+              </a:rPr>
+              <a:t>Shit 😢</a:t>
+            </a:r>
+            <a:r>
+              <a:rPr lang="en-US" sz="3600" dirty="0">
+                <a:solidFill>
+                  <a:srgbClr val="2973B7"/>
+                </a:solidFill>
+                <a:latin typeface="Roboto Mono"/>
+              </a:rPr>
+              <a:t>&lt;/h1&gt;</a:t>
+            </a:r>
+            <a:endParaRPr lang="es-MX" sz="3600" dirty="0"/>
+          </a:p>
+        </p:txBody>
+      </p:sp>
+    </p:spTree>
+    <p:extLst>
+      <p:ext uri="{BB962C8B-B14F-4D97-AF65-F5344CB8AC3E}">
+        <p14:creationId xmlns:p14="http://schemas.microsoft.com/office/powerpoint/2010/main" val="2458956759"/>
+      </p:ext>
+    </p:extLst>
+  </p:cSld>
+  <p:clrMapOvr>
+    <a:masterClrMapping/>
+  </p:clrMapOvr>
+</p:sld>
+</file>
+
+<file path=ppt/slides/slide34.xml><?xml version="1.0" encoding="utf-8"?>
+<p:sld xmlns:a="http://schemas.openxmlformats.org/drawingml/2006/main" xmlns:r="http://schemas.openxmlformats.org/officeDocument/2006/relationships" xmlns:p="http://schemas.openxmlformats.org/presentationml/2006/main">
+  <p:cSld>
+    <p:spTree>
+      <p:nvGrpSpPr>
+        <p:cNvPr id="1" name=""/>
+        <p:cNvGrpSpPr/>
+        <p:nvPr/>
+      </p:nvGrpSpPr>
+      <p:grpSpPr>
+        <a:xfrm>
+          <a:off x="0" y="0"/>
+          <a:ext cx="0" cy="0"/>
+          <a:chOff x="0" y="0"/>
+          <a:chExt cx="0" cy="0"/>
+        </a:xfrm>
+      </p:grpSpPr>
+      <p:grpSp>
+        <p:nvGrpSpPr>
+          <p:cNvPr id="6" name="Grupo 5">
+            <a:extLst>
+              <a:ext uri="{FF2B5EF4-FFF2-40B4-BE49-F238E27FC236}">
+                <a16:creationId xmlns:a16="http://schemas.microsoft.com/office/drawing/2014/main" id="{343A7275-E56E-4FEE-ABCF-A540F4DEE010}"/>
+              </a:ext>
+            </a:extLst>
+          </p:cNvPr>
+          <p:cNvGrpSpPr/>
+          <p:nvPr/>
+        </p:nvGrpSpPr>
+        <p:grpSpPr>
+          <a:xfrm>
+            <a:off x="6803571" y="0"/>
+            <a:ext cx="5388429" cy="6858000"/>
+            <a:chOff x="6803571" y="0"/>
+            <a:chExt cx="5388429" cy="6858000"/>
+          </a:xfrm>
+        </p:grpSpPr>
+        <p:sp>
+          <p:nvSpPr>
+            <p:cNvPr id="4" name="Triángulo isósceles 3">
+              <a:extLst>
+                <a:ext uri="{FF2B5EF4-FFF2-40B4-BE49-F238E27FC236}">
+                  <a16:creationId xmlns:a16="http://schemas.microsoft.com/office/drawing/2014/main" id="{E21A7FE1-A148-4572-8889-559F87E19312}"/>
+                </a:ext>
+              </a:extLst>
+            </p:cNvPr>
+            <p:cNvSpPr/>
+            <p:nvPr/>
+          </p:nvSpPr>
+          <p:spPr>
+            <a:xfrm>
+              <a:off x="6803571" y="1992086"/>
+              <a:ext cx="5388429" cy="4865914"/>
+            </a:xfrm>
+            <a:prstGeom prst="triangle">
+              <a:avLst>
+                <a:gd name="adj" fmla="val 100000"/>
+              </a:avLst>
+            </a:prstGeom>
+            <a:solidFill>
+              <a:srgbClr val="2FB982"/>
+            </a:solidFill>
+            <a:ln>
+              <a:solidFill>
+                <a:srgbClr val="2FB982"/>
+              </a:solidFill>
+            </a:ln>
+          </p:spPr>
+          <p:style>
+            <a:lnRef idx="2">
+              <a:schemeClr val="accent1">
+                <a:shade val="50000"/>
+              </a:schemeClr>
+            </a:lnRef>
+            <a:fillRef idx="1">
+              <a:schemeClr val="accent1"/>
+            </a:fillRef>
+            <a:effectRef idx="0">
+              <a:schemeClr val="accent1"/>
+            </a:effectRef>
+            <a:fontRef idx="minor">
+              <a:schemeClr val="lt1"/>
+            </a:fontRef>
+          </p:style>
+          <p:txBody>
+            <a:bodyPr rtlCol="0" anchor="ctr"/>
+            <a:lstStyle/>
+            <a:p>
+              <a:pPr algn="ctr"/>
+              <a:endParaRPr lang="es-MX"/>
+            </a:p>
+          </p:txBody>
+        </p:sp>
+        <p:sp>
+          <p:nvSpPr>
+            <p:cNvPr id="5" name="Triángulo isósceles 4">
+              <a:extLst>
+                <a:ext uri="{FF2B5EF4-FFF2-40B4-BE49-F238E27FC236}">
+                  <a16:creationId xmlns:a16="http://schemas.microsoft.com/office/drawing/2014/main" id="{ED709881-D5FA-47C9-A6F9-83B57056699B}"/>
+                </a:ext>
+              </a:extLst>
+            </p:cNvPr>
+            <p:cNvSpPr/>
+            <p:nvPr/>
+          </p:nvSpPr>
+          <p:spPr>
+            <a:xfrm rot="10800000">
+              <a:off x="9535885" y="0"/>
+              <a:ext cx="2656115" cy="4778832"/>
+            </a:xfrm>
+            <a:prstGeom prst="triangle">
+              <a:avLst>
+                <a:gd name="adj" fmla="val 0"/>
+              </a:avLst>
+            </a:prstGeom>
+            <a:solidFill>
+              <a:srgbClr val="34475F"/>
+            </a:solidFill>
+            <a:ln>
+              <a:solidFill>
+                <a:srgbClr val="34475F"/>
+              </a:solidFill>
+            </a:ln>
+          </p:spPr>
+          <p:style>
+            <a:lnRef idx="2">
+              <a:schemeClr val="accent1">
+                <a:shade val="50000"/>
+              </a:schemeClr>
+            </a:lnRef>
+            <a:fillRef idx="1">
+              <a:schemeClr val="accent1"/>
+            </a:fillRef>
+            <a:effectRef idx="0">
+              <a:schemeClr val="accent1"/>
+            </a:effectRef>
+            <a:fontRef idx="minor">
+              <a:schemeClr val="lt1"/>
+            </a:fontRef>
+          </p:style>
+          <p:txBody>
+            <a:bodyPr rtlCol="0" anchor="ctr"/>
+            <a:lstStyle/>
+            <a:p>
+              <a:pPr algn="ctr"/>
+              <a:endParaRPr lang="es-MX" dirty="0"/>
+            </a:p>
+          </p:txBody>
+        </p:sp>
+      </p:grpSp>
+      <p:sp>
+        <p:nvSpPr>
+          <p:cNvPr id="7" name="CuadroTexto 6">
+            <a:extLst>
+              <a:ext uri="{FF2B5EF4-FFF2-40B4-BE49-F238E27FC236}">
+                <a16:creationId xmlns:a16="http://schemas.microsoft.com/office/drawing/2014/main" id="{4C12B744-E3BD-4A2D-A4C2-17BC2CD88CE0}"/>
+              </a:ext>
+            </a:extLst>
+          </p:cNvPr>
+          <p:cNvSpPr txBox="1"/>
+          <p:nvPr/>
+        </p:nvSpPr>
+        <p:spPr>
+          <a:xfrm>
+            <a:off x="185520" y="373011"/>
+            <a:ext cx="9720942" cy="830997"/>
+          </a:xfrm>
+          <a:prstGeom prst="rect">
+            <a:avLst/>
+          </a:prstGeom>
+          <a:noFill/>
+        </p:spPr>
+        <p:txBody>
+          <a:bodyPr wrap="square" rtlCol="0">
+            <a:spAutoFit/>
+          </a:bodyPr>
+          <a:lstStyle/>
+          <a:p>
+            <a:pPr algn="ctr"/>
+            <a:r>
+              <a:rPr lang="es-MX" sz="4800" dirty="0">
+                <a:latin typeface="Arial" panose="020B0604020202020204" pitchFamily="34" charset="0"/>
+                <a:cs typeface="Arial" panose="020B0604020202020204" pitchFamily="34" charset="0"/>
+              </a:rPr>
+              <a:t>ELSE-IF</a:t>
+            </a:r>
+          </a:p>
+        </p:txBody>
+      </p:sp>
+      <p:sp>
+        <p:nvSpPr>
+          <p:cNvPr id="3" name="Rectángulo 2">
+            <a:extLst>
+              <a:ext uri="{FF2B5EF4-FFF2-40B4-BE49-F238E27FC236}">
+                <a16:creationId xmlns:a16="http://schemas.microsoft.com/office/drawing/2014/main" id="{E309968C-1FA9-43A4-A7FB-C9675A3BF7B9}"/>
+              </a:ext>
+            </a:extLst>
+          </p:cNvPr>
+          <p:cNvSpPr/>
+          <p:nvPr/>
+        </p:nvSpPr>
+        <p:spPr>
+          <a:xfrm>
+            <a:off x="3049647" y="1593798"/>
+            <a:ext cx="5120081" cy="4524315"/>
+          </a:xfrm>
+          <a:prstGeom prst="rect">
+            <a:avLst/>
+          </a:prstGeom>
+        </p:spPr>
+        <p:txBody>
+          <a:bodyPr wrap="square">
+            <a:spAutoFit/>
+          </a:bodyPr>
+          <a:lstStyle/>
+          <a:p>
+            <a:r>
+              <a:rPr lang="en-US" sz="2400" dirty="0">
+                <a:solidFill>
+                  <a:srgbClr val="2973B7"/>
+                </a:solidFill>
+                <a:latin typeface="Roboto Mono"/>
+              </a:rPr>
+              <a:t>&lt;div v-if=</a:t>
+            </a:r>
+            <a:r>
+              <a:rPr lang="en-US" sz="2400" dirty="0">
+                <a:solidFill>
+                  <a:srgbClr val="42B983"/>
+                </a:solidFill>
+                <a:latin typeface="Roboto Mono"/>
+              </a:rPr>
+              <a:t>"type === 'A'”</a:t>
+            </a:r>
+            <a:r>
+              <a:rPr lang="en-US" sz="2400" dirty="0">
+                <a:solidFill>
+                  <a:srgbClr val="2973B7"/>
+                </a:solidFill>
+                <a:latin typeface="Roboto Mono"/>
+              </a:rPr>
+              <a:t>&gt;</a:t>
+            </a:r>
+            <a:r>
+              <a:rPr lang="en-US" sz="2400" dirty="0">
+                <a:solidFill>
+                  <a:srgbClr val="525252"/>
+                </a:solidFill>
+                <a:latin typeface="Roboto Mono"/>
+              </a:rPr>
+              <a:t> </a:t>
+            </a:r>
+          </a:p>
+          <a:p>
+            <a:r>
+              <a:rPr lang="en-US" sz="2400" dirty="0">
+                <a:solidFill>
+                  <a:srgbClr val="525252"/>
+                </a:solidFill>
+                <a:latin typeface="Roboto Mono"/>
+              </a:rPr>
+              <a:t>	A </a:t>
+            </a:r>
+          </a:p>
+          <a:p>
+            <a:r>
+              <a:rPr lang="en-US" sz="2400" dirty="0">
+                <a:solidFill>
+                  <a:srgbClr val="2973B7"/>
+                </a:solidFill>
+                <a:latin typeface="Roboto Mono"/>
+              </a:rPr>
+              <a:t>&lt;/div&gt;</a:t>
+            </a:r>
+            <a:r>
+              <a:rPr lang="en-US" sz="2400" dirty="0">
+                <a:solidFill>
+                  <a:srgbClr val="525252"/>
+                </a:solidFill>
+                <a:latin typeface="Roboto Mono"/>
+              </a:rPr>
+              <a:t> </a:t>
+            </a:r>
+          </a:p>
+          <a:p>
+            <a:r>
+              <a:rPr lang="en-US" sz="2400" dirty="0">
+                <a:solidFill>
+                  <a:srgbClr val="2973B7"/>
+                </a:solidFill>
+                <a:latin typeface="Roboto Mono"/>
+              </a:rPr>
+              <a:t>&lt;div v-else-if=</a:t>
+            </a:r>
+            <a:r>
+              <a:rPr lang="en-US" sz="2400" dirty="0">
+                <a:solidFill>
+                  <a:srgbClr val="42B983"/>
+                </a:solidFill>
+                <a:latin typeface="Roboto Mono"/>
+              </a:rPr>
+              <a:t>"type == 'B'”</a:t>
+            </a:r>
+            <a:r>
+              <a:rPr lang="en-US" sz="2400" dirty="0">
+                <a:solidFill>
+                  <a:srgbClr val="2973B7"/>
+                </a:solidFill>
+                <a:latin typeface="Roboto Mono"/>
+              </a:rPr>
+              <a:t>&gt;</a:t>
+            </a:r>
+            <a:r>
+              <a:rPr lang="en-US" sz="2400" dirty="0">
+                <a:solidFill>
+                  <a:srgbClr val="525252"/>
+                </a:solidFill>
+                <a:latin typeface="Roboto Mono"/>
+              </a:rPr>
+              <a:t> </a:t>
+            </a:r>
+          </a:p>
+          <a:p>
+            <a:r>
+              <a:rPr lang="en-US" sz="2400" dirty="0">
+                <a:solidFill>
+                  <a:srgbClr val="525252"/>
+                </a:solidFill>
+                <a:latin typeface="Roboto Mono"/>
+              </a:rPr>
+              <a:t>	B </a:t>
+            </a:r>
+          </a:p>
+          <a:p>
+            <a:r>
+              <a:rPr lang="en-US" sz="2400" dirty="0">
+                <a:solidFill>
+                  <a:srgbClr val="2973B7"/>
+                </a:solidFill>
+                <a:latin typeface="Roboto Mono"/>
+              </a:rPr>
+              <a:t>&lt;/div&gt;</a:t>
+            </a:r>
+            <a:r>
+              <a:rPr lang="en-US" sz="2400" dirty="0">
+                <a:solidFill>
+                  <a:srgbClr val="525252"/>
+                </a:solidFill>
+                <a:latin typeface="Roboto Mono"/>
+              </a:rPr>
+              <a:t> </a:t>
+            </a:r>
+          </a:p>
+          <a:p>
+            <a:r>
+              <a:rPr lang="en-US" sz="2400" dirty="0">
+                <a:solidFill>
+                  <a:srgbClr val="2973B7"/>
+                </a:solidFill>
+                <a:latin typeface="Roboto Mono"/>
+              </a:rPr>
+              <a:t>&lt;div v-else-if=</a:t>
+            </a:r>
+            <a:r>
+              <a:rPr lang="en-US" sz="2400" dirty="0">
+                <a:solidFill>
+                  <a:srgbClr val="42B983"/>
+                </a:solidFill>
+                <a:latin typeface="Roboto Mono"/>
+              </a:rPr>
+              <a:t>"type == C”</a:t>
+            </a:r>
+            <a:r>
+              <a:rPr lang="en-US" sz="2400" dirty="0">
+                <a:solidFill>
+                  <a:srgbClr val="2973B7"/>
+                </a:solidFill>
+                <a:latin typeface="Roboto Mono"/>
+              </a:rPr>
+              <a:t>&gt;</a:t>
+            </a:r>
+            <a:r>
+              <a:rPr lang="en-US" sz="2400" dirty="0">
+                <a:solidFill>
+                  <a:srgbClr val="525252"/>
+                </a:solidFill>
+                <a:latin typeface="Roboto Mono"/>
+              </a:rPr>
+              <a:t> </a:t>
+            </a:r>
+          </a:p>
+          <a:p>
+            <a:r>
+              <a:rPr lang="en-US" sz="2400" dirty="0">
+                <a:solidFill>
+                  <a:srgbClr val="525252"/>
+                </a:solidFill>
+                <a:latin typeface="Roboto Mono"/>
+              </a:rPr>
+              <a:t>	C </a:t>
+            </a:r>
+          </a:p>
+          <a:p>
+            <a:r>
+              <a:rPr lang="en-US" sz="2400" dirty="0">
+                <a:solidFill>
+                  <a:srgbClr val="2973B7"/>
+                </a:solidFill>
+                <a:latin typeface="Roboto Mono"/>
+              </a:rPr>
+              <a:t>&lt;/div&gt;</a:t>
+            </a:r>
+            <a:r>
+              <a:rPr lang="en-US" sz="2400" dirty="0">
+                <a:solidFill>
+                  <a:srgbClr val="525252"/>
+                </a:solidFill>
+                <a:latin typeface="Roboto Mono"/>
+              </a:rPr>
+              <a:t> </a:t>
+            </a:r>
+          </a:p>
+          <a:p>
+            <a:r>
+              <a:rPr lang="en-US" sz="2400" dirty="0">
+                <a:solidFill>
+                  <a:srgbClr val="2973B7"/>
+                </a:solidFill>
+                <a:latin typeface="Roboto Mono"/>
+              </a:rPr>
+              <a:t>&lt;div v-else&gt;</a:t>
+            </a:r>
+            <a:r>
+              <a:rPr lang="en-US" sz="2400" dirty="0">
+                <a:solidFill>
+                  <a:srgbClr val="525252"/>
+                </a:solidFill>
+                <a:latin typeface="Roboto Mono"/>
+              </a:rPr>
+              <a:t> </a:t>
+            </a:r>
+          </a:p>
+          <a:p>
+            <a:r>
+              <a:rPr lang="en-US" sz="2400" dirty="0">
+                <a:solidFill>
+                  <a:srgbClr val="525252"/>
+                </a:solidFill>
+                <a:latin typeface="Roboto Mono"/>
+              </a:rPr>
+              <a:t>	Not A/B/C </a:t>
+            </a:r>
+          </a:p>
+          <a:p>
+            <a:r>
+              <a:rPr lang="en-US" sz="2400" dirty="0">
+                <a:solidFill>
+                  <a:srgbClr val="2973B7"/>
+                </a:solidFill>
+                <a:latin typeface="Roboto Mono"/>
+              </a:rPr>
+              <a:t>&lt;/div&gt;</a:t>
+            </a:r>
+          </a:p>
+        </p:txBody>
+      </p:sp>
+    </p:spTree>
+    <p:extLst>
+      <p:ext uri="{BB962C8B-B14F-4D97-AF65-F5344CB8AC3E}">
+        <p14:creationId xmlns:p14="http://schemas.microsoft.com/office/powerpoint/2010/main" val="2161151702"/>
+      </p:ext>
+    </p:extLst>
+  </p:cSld>
+  <p:clrMapOvr>
+    <a:masterClrMapping/>
+  </p:clrMapOvr>
+</p:sld>
+</file>
+
+<file path=ppt/slides/slide35.xml><?xml version="1.0" encoding="utf-8"?>
+<p:sld xmlns:a="http://schemas.openxmlformats.org/drawingml/2006/main" xmlns:r="http://schemas.openxmlformats.org/officeDocument/2006/relationships" xmlns:p="http://schemas.openxmlformats.org/presentationml/2006/main">
+  <p:cSld>
+    <p:spTree>
+      <p:nvGrpSpPr>
+        <p:cNvPr id="1" name=""/>
+        <p:cNvGrpSpPr/>
+        <p:nvPr/>
+      </p:nvGrpSpPr>
+      <p:grpSpPr>
+        <a:xfrm>
+          <a:off x="0" y="0"/>
+          <a:ext cx="0" cy="0"/>
+          <a:chOff x="0" y="0"/>
+          <a:chExt cx="0" cy="0"/>
+        </a:xfrm>
+      </p:grpSpPr>
+      <p:grpSp>
+        <p:nvGrpSpPr>
+          <p:cNvPr id="6" name="Grupo 5">
+            <a:extLst>
+              <a:ext uri="{FF2B5EF4-FFF2-40B4-BE49-F238E27FC236}">
+                <a16:creationId xmlns:a16="http://schemas.microsoft.com/office/drawing/2014/main" id="{343A7275-E56E-4FEE-ABCF-A540F4DEE010}"/>
+              </a:ext>
+            </a:extLst>
+          </p:cNvPr>
+          <p:cNvGrpSpPr/>
+          <p:nvPr/>
+        </p:nvGrpSpPr>
+        <p:grpSpPr>
+          <a:xfrm>
+            <a:off x="6803571" y="0"/>
+            <a:ext cx="5388429" cy="6858000"/>
+            <a:chOff x="6803571" y="0"/>
+            <a:chExt cx="5388429" cy="6858000"/>
+          </a:xfrm>
+        </p:grpSpPr>
+        <p:sp>
+          <p:nvSpPr>
+            <p:cNvPr id="4" name="Triángulo isósceles 3">
+              <a:extLst>
+                <a:ext uri="{FF2B5EF4-FFF2-40B4-BE49-F238E27FC236}">
+                  <a16:creationId xmlns:a16="http://schemas.microsoft.com/office/drawing/2014/main" id="{E21A7FE1-A148-4572-8889-559F87E19312}"/>
+                </a:ext>
+              </a:extLst>
+            </p:cNvPr>
+            <p:cNvSpPr/>
+            <p:nvPr/>
+          </p:nvSpPr>
+          <p:spPr>
+            <a:xfrm>
+              <a:off x="6803571" y="1992086"/>
+              <a:ext cx="5388429" cy="4865914"/>
+            </a:xfrm>
+            <a:prstGeom prst="triangle">
+              <a:avLst>
+                <a:gd name="adj" fmla="val 100000"/>
+              </a:avLst>
+            </a:prstGeom>
+            <a:solidFill>
+              <a:srgbClr val="2FB982"/>
+            </a:solidFill>
+            <a:ln>
+              <a:solidFill>
+                <a:srgbClr val="2FB982"/>
+              </a:solidFill>
+            </a:ln>
+          </p:spPr>
+          <p:style>
+            <a:lnRef idx="2">
+              <a:schemeClr val="accent1">
+                <a:shade val="50000"/>
+              </a:schemeClr>
+            </a:lnRef>
+            <a:fillRef idx="1">
+              <a:schemeClr val="accent1"/>
+            </a:fillRef>
+            <a:effectRef idx="0">
+              <a:schemeClr val="accent1"/>
+            </a:effectRef>
+            <a:fontRef idx="minor">
+              <a:schemeClr val="lt1"/>
+            </a:fontRef>
+          </p:style>
+          <p:txBody>
+            <a:bodyPr rtlCol="0" anchor="ctr"/>
+            <a:lstStyle/>
+            <a:p>
+              <a:pPr algn="ctr"/>
+              <a:endParaRPr lang="es-MX"/>
+            </a:p>
+          </p:txBody>
+        </p:sp>
+        <p:sp>
+          <p:nvSpPr>
+            <p:cNvPr id="5" name="Triángulo isósceles 4">
+              <a:extLst>
+                <a:ext uri="{FF2B5EF4-FFF2-40B4-BE49-F238E27FC236}">
+                  <a16:creationId xmlns:a16="http://schemas.microsoft.com/office/drawing/2014/main" id="{ED709881-D5FA-47C9-A6F9-83B57056699B}"/>
+                </a:ext>
+              </a:extLst>
+            </p:cNvPr>
+            <p:cNvSpPr/>
+            <p:nvPr/>
+          </p:nvSpPr>
+          <p:spPr>
+            <a:xfrm rot="10800000">
+              <a:off x="9535885" y="0"/>
+              <a:ext cx="2656115" cy="4778832"/>
+            </a:xfrm>
+            <a:prstGeom prst="triangle">
+              <a:avLst>
+                <a:gd name="adj" fmla="val 0"/>
+              </a:avLst>
+            </a:prstGeom>
+            <a:solidFill>
+              <a:srgbClr val="34475F"/>
+            </a:solidFill>
+            <a:ln>
+              <a:solidFill>
+                <a:srgbClr val="34475F"/>
+              </a:solidFill>
+            </a:ln>
+          </p:spPr>
+          <p:style>
+            <a:lnRef idx="2">
+              <a:schemeClr val="accent1">
+                <a:shade val="50000"/>
+              </a:schemeClr>
+            </a:lnRef>
+            <a:fillRef idx="1">
+              <a:schemeClr val="accent1"/>
+            </a:fillRef>
+            <a:effectRef idx="0">
+              <a:schemeClr val="accent1"/>
+            </a:effectRef>
+            <a:fontRef idx="minor">
+              <a:schemeClr val="lt1"/>
+            </a:fontRef>
+          </p:style>
+          <p:txBody>
+            <a:bodyPr rtlCol="0" anchor="ctr"/>
+            <a:lstStyle/>
+            <a:p>
+              <a:pPr algn="ctr"/>
+              <a:endParaRPr lang="es-MX" dirty="0"/>
+            </a:p>
+          </p:txBody>
+        </p:sp>
+      </p:grpSp>
+      <p:sp>
+        <p:nvSpPr>
+          <p:cNvPr id="7" name="CuadroTexto 6">
+            <a:extLst>
+              <a:ext uri="{FF2B5EF4-FFF2-40B4-BE49-F238E27FC236}">
+                <a16:creationId xmlns:a16="http://schemas.microsoft.com/office/drawing/2014/main" id="{4C12B744-E3BD-4A2D-A4C2-17BC2CD88CE0}"/>
+              </a:ext>
+            </a:extLst>
+          </p:cNvPr>
+          <p:cNvSpPr txBox="1"/>
+          <p:nvPr/>
+        </p:nvSpPr>
+        <p:spPr>
+          <a:xfrm>
+            <a:off x="185520" y="373011"/>
+            <a:ext cx="9720942" cy="830997"/>
+          </a:xfrm>
+          <a:prstGeom prst="rect">
+            <a:avLst/>
+          </a:prstGeom>
+          <a:noFill/>
+        </p:spPr>
+        <p:txBody>
+          <a:bodyPr wrap="square" rtlCol="0">
+            <a:spAutoFit/>
+          </a:bodyPr>
+          <a:lstStyle/>
+          <a:p>
+            <a:pPr algn="ctr"/>
+            <a:r>
+              <a:rPr lang="es-MX" sz="4800" dirty="0">
+                <a:latin typeface="Arial" panose="020B0604020202020204" pitchFamily="34" charset="0"/>
+                <a:cs typeface="Arial" panose="020B0604020202020204" pitchFamily="34" charset="0"/>
+              </a:rPr>
+              <a:t>V-SHOW</a:t>
+            </a:r>
+          </a:p>
+        </p:txBody>
+      </p:sp>
+      <p:sp>
+        <p:nvSpPr>
+          <p:cNvPr id="3" name="Rectángulo 2">
+            <a:extLst>
+              <a:ext uri="{FF2B5EF4-FFF2-40B4-BE49-F238E27FC236}">
+                <a16:creationId xmlns:a16="http://schemas.microsoft.com/office/drawing/2014/main" id="{EAAA37B6-C3C3-4B5E-9606-E964E79F315B}"/>
+              </a:ext>
+            </a:extLst>
+          </p:cNvPr>
+          <p:cNvSpPr/>
+          <p:nvPr/>
+        </p:nvSpPr>
+        <p:spPr>
+          <a:xfrm>
+            <a:off x="1568917" y="2035472"/>
+            <a:ext cx="6954148" cy="707886"/>
+          </a:xfrm>
+          <a:prstGeom prst="rect">
+            <a:avLst/>
+          </a:prstGeom>
+        </p:spPr>
+        <p:txBody>
+          <a:bodyPr wrap="none">
+            <a:spAutoFit/>
+          </a:bodyPr>
+          <a:lstStyle/>
+          <a:p>
+            <a:r>
+              <a:rPr lang="es-MX" sz="4000" dirty="0">
+                <a:solidFill>
+                  <a:srgbClr val="2973B7"/>
+                </a:solidFill>
+                <a:latin typeface="Roboto Mono"/>
+              </a:rPr>
+              <a:t>&lt;h1 v-show=</a:t>
+            </a:r>
+            <a:r>
+              <a:rPr lang="es-MX" sz="4000" dirty="0">
+                <a:solidFill>
+                  <a:srgbClr val="42B983"/>
+                </a:solidFill>
+                <a:latin typeface="Roboto Mono"/>
+              </a:rPr>
+              <a:t>"ok"</a:t>
+            </a:r>
+            <a:r>
+              <a:rPr lang="es-MX" sz="4000" dirty="0">
+                <a:solidFill>
+                  <a:srgbClr val="2973B7"/>
+                </a:solidFill>
+                <a:latin typeface="Roboto Mono"/>
+              </a:rPr>
+              <a:t>&gt;</a:t>
+            </a:r>
+            <a:r>
+              <a:rPr lang="es-MX" sz="4000" dirty="0" err="1">
+                <a:solidFill>
+                  <a:srgbClr val="525252"/>
+                </a:solidFill>
+                <a:latin typeface="Roboto Mono"/>
+              </a:rPr>
+              <a:t>Hello</a:t>
+            </a:r>
+            <a:r>
+              <a:rPr lang="es-MX" sz="4000" dirty="0">
+                <a:solidFill>
+                  <a:srgbClr val="525252"/>
+                </a:solidFill>
+                <a:latin typeface="Roboto Mono"/>
+              </a:rPr>
+              <a:t>!</a:t>
+            </a:r>
+            <a:r>
+              <a:rPr lang="es-MX" sz="4000" dirty="0">
+                <a:solidFill>
+                  <a:srgbClr val="2973B7"/>
+                </a:solidFill>
+                <a:latin typeface="Roboto Mono"/>
+              </a:rPr>
+              <a:t>&lt;/h1&gt;</a:t>
+            </a:r>
+            <a:endParaRPr lang="es-MX" sz="4000" dirty="0"/>
+          </a:p>
+        </p:txBody>
+      </p:sp>
+    </p:spTree>
+    <p:extLst>
+      <p:ext uri="{BB962C8B-B14F-4D97-AF65-F5344CB8AC3E}">
+        <p14:creationId xmlns:p14="http://schemas.microsoft.com/office/powerpoint/2010/main" val="3366411448"/>
+      </p:ext>
+    </p:extLst>
+  </p:cSld>
+  <p:clrMapOvr>
+    <a:masterClrMapping/>
+  </p:clrMapOvr>
+</p:sld>
+</file>
+
+<file path=ppt/slides/slide36.xml><?xml version="1.0" encoding="utf-8"?>
+<p:sld xmlns:a="http://schemas.openxmlformats.org/drawingml/2006/main" xmlns:r="http://schemas.openxmlformats.org/officeDocument/2006/relationships" xmlns:p="http://schemas.openxmlformats.org/presentationml/2006/main">
+  <p:cSld>
+    <p:spTree>
+      <p:nvGrpSpPr>
+        <p:cNvPr id="1" name=""/>
+        <p:cNvGrpSpPr/>
+        <p:nvPr/>
+      </p:nvGrpSpPr>
+      <p:grpSpPr>
+        <a:xfrm>
+          <a:off x="0" y="0"/>
+          <a:ext cx="0" cy="0"/>
+          <a:chOff x="0" y="0"/>
+          <a:chExt cx="0" cy="0"/>
+        </a:xfrm>
+      </p:grpSpPr>
+      <p:grpSp>
+        <p:nvGrpSpPr>
+          <p:cNvPr id="6" name="Grupo 5">
+            <a:extLst>
+              <a:ext uri="{FF2B5EF4-FFF2-40B4-BE49-F238E27FC236}">
+                <a16:creationId xmlns:a16="http://schemas.microsoft.com/office/drawing/2014/main" id="{343A7275-E56E-4FEE-ABCF-A540F4DEE010}"/>
+              </a:ext>
+            </a:extLst>
+          </p:cNvPr>
+          <p:cNvGrpSpPr/>
+          <p:nvPr/>
+        </p:nvGrpSpPr>
+        <p:grpSpPr>
+          <a:xfrm>
+            <a:off x="6803571" y="0"/>
+            <a:ext cx="5388429" cy="6858000"/>
+            <a:chOff x="6803571" y="0"/>
+            <a:chExt cx="5388429" cy="6858000"/>
+          </a:xfrm>
+        </p:grpSpPr>
+        <p:sp>
+          <p:nvSpPr>
+            <p:cNvPr id="4" name="Triángulo isósceles 3">
+              <a:extLst>
+                <a:ext uri="{FF2B5EF4-FFF2-40B4-BE49-F238E27FC236}">
+                  <a16:creationId xmlns:a16="http://schemas.microsoft.com/office/drawing/2014/main" id="{E21A7FE1-A148-4572-8889-559F87E19312}"/>
+                </a:ext>
+              </a:extLst>
+            </p:cNvPr>
+            <p:cNvSpPr/>
+            <p:nvPr/>
+          </p:nvSpPr>
+          <p:spPr>
+            <a:xfrm>
+              <a:off x="6803571" y="1992086"/>
+              <a:ext cx="5388429" cy="4865914"/>
+            </a:xfrm>
+            <a:prstGeom prst="triangle">
+              <a:avLst>
+                <a:gd name="adj" fmla="val 100000"/>
+              </a:avLst>
+            </a:prstGeom>
+            <a:solidFill>
+              <a:srgbClr val="2FB982"/>
+            </a:solidFill>
+            <a:ln>
+              <a:solidFill>
+                <a:srgbClr val="2FB982"/>
+              </a:solidFill>
+            </a:ln>
+          </p:spPr>
+          <p:style>
+            <a:lnRef idx="2">
+              <a:schemeClr val="accent1">
+                <a:shade val="50000"/>
+              </a:schemeClr>
+            </a:lnRef>
+            <a:fillRef idx="1">
+              <a:schemeClr val="accent1"/>
+            </a:fillRef>
+            <a:effectRef idx="0">
+              <a:schemeClr val="accent1"/>
+            </a:effectRef>
+            <a:fontRef idx="minor">
+              <a:schemeClr val="lt1"/>
+            </a:fontRef>
+          </p:style>
+          <p:txBody>
+            <a:bodyPr rtlCol="0" anchor="ctr"/>
+            <a:lstStyle/>
+            <a:p>
+              <a:pPr algn="ctr"/>
+              <a:endParaRPr lang="es-MX"/>
+            </a:p>
+          </p:txBody>
+        </p:sp>
+        <p:sp>
+          <p:nvSpPr>
+            <p:cNvPr id="5" name="Triángulo isósceles 4">
+              <a:extLst>
+                <a:ext uri="{FF2B5EF4-FFF2-40B4-BE49-F238E27FC236}">
+                  <a16:creationId xmlns:a16="http://schemas.microsoft.com/office/drawing/2014/main" id="{ED709881-D5FA-47C9-A6F9-83B57056699B}"/>
+                </a:ext>
+              </a:extLst>
+            </p:cNvPr>
+            <p:cNvSpPr/>
+            <p:nvPr/>
+          </p:nvSpPr>
+          <p:spPr>
+            <a:xfrm rot="10800000">
+              <a:off x="9535885" y="0"/>
+              <a:ext cx="2656115" cy="4778832"/>
+            </a:xfrm>
+            <a:prstGeom prst="triangle">
+              <a:avLst>
+                <a:gd name="adj" fmla="val 0"/>
+              </a:avLst>
+            </a:prstGeom>
+            <a:solidFill>
+              <a:srgbClr val="34475F"/>
+            </a:solidFill>
+            <a:ln>
+              <a:solidFill>
+                <a:srgbClr val="34475F"/>
+              </a:solidFill>
+            </a:ln>
+          </p:spPr>
+          <p:style>
+            <a:lnRef idx="2">
+              <a:schemeClr val="accent1">
+                <a:shade val="50000"/>
+              </a:schemeClr>
+            </a:lnRef>
+            <a:fillRef idx="1">
+              <a:schemeClr val="accent1"/>
+            </a:fillRef>
+            <a:effectRef idx="0">
+              <a:schemeClr val="accent1"/>
+            </a:effectRef>
+            <a:fontRef idx="minor">
+              <a:schemeClr val="lt1"/>
+            </a:fontRef>
+          </p:style>
+          <p:txBody>
+            <a:bodyPr rtlCol="0" anchor="ctr"/>
+            <a:lstStyle/>
+            <a:p>
+              <a:pPr algn="ctr"/>
+              <a:endParaRPr lang="es-MX" dirty="0"/>
+            </a:p>
+          </p:txBody>
+        </p:sp>
+      </p:grpSp>
+      <p:sp>
+        <p:nvSpPr>
+          <p:cNvPr id="7" name="CuadroTexto 6">
+            <a:extLst>
+              <a:ext uri="{FF2B5EF4-FFF2-40B4-BE49-F238E27FC236}">
+                <a16:creationId xmlns:a16="http://schemas.microsoft.com/office/drawing/2014/main" id="{4C12B744-E3BD-4A2D-A4C2-17BC2CD88CE0}"/>
+              </a:ext>
+            </a:extLst>
+          </p:cNvPr>
+          <p:cNvSpPr txBox="1"/>
+          <p:nvPr/>
+        </p:nvSpPr>
+        <p:spPr>
+          <a:xfrm>
+            <a:off x="277799" y="49587"/>
+            <a:ext cx="9720942" cy="830997"/>
+          </a:xfrm>
+          <a:prstGeom prst="rect">
+            <a:avLst/>
+          </a:prstGeom>
+          <a:noFill/>
+        </p:spPr>
+        <p:txBody>
+          <a:bodyPr wrap="square" rtlCol="0">
+            <a:spAutoFit/>
+          </a:bodyPr>
+          <a:lstStyle/>
+          <a:p>
+            <a:pPr algn="ctr"/>
+            <a:r>
+              <a:rPr lang="es-MX" sz="4800" dirty="0">
+                <a:latin typeface="Arial" panose="020B0604020202020204" pitchFamily="34" charset="0"/>
+                <a:cs typeface="Arial" panose="020B0604020202020204" pitchFamily="34" charset="0"/>
+              </a:rPr>
+              <a:t>V-FOR</a:t>
+            </a:r>
+          </a:p>
+        </p:txBody>
+      </p:sp>
+      <p:sp>
+        <p:nvSpPr>
+          <p:cNvPr id="2" name="Rectángulo 1">
+            <a:extLst>
+              <a:ext uri="{FF2B5EF4-FFF2-40B4-BE49-F238E27FC236}">
+                <a16:creationId xmlns:a16="http://schemas.microsoft.com/office/drawing/2014/main" id="{21CF0E76-553B-4AA1-99AA-E0B90CBCC6CC}"/>
+              </a:ext>
+            </a:extLst>
+          </p:cNvPr>
+          <p:cNvSpPr/>
+          <p:nvPr/>
+        </p:nvSpPr>
+        <p:spPr>
+          <a:xfrm>
+            <a:off x="954307" y="796784"/>
+            <a:ext cx="10141064" cy="2246769"/>
+          </a:xfrm>
+          <a:prstGeom prst="rect">
+            <a:avLst/>
+          </a:prstGeom>
+        </p:spPr>
+        <p:txBody>
+          <a:bodyPr wrap="square">
+            <a:spAutoFit/>
+          </a:bodyPr>
+          <a:lstStyle/>
+          <a:p>
+            <a:r>
+              <a:rPr lang="en-US" sz="2800" dirty="0">
+                <a:solidFill>
+                  <a:srgbClr val="2973B7"/>
+                </a:solidFill>
+                <a:latin typeface="Roboto Mono"/>
+              </a:rPr>
+              <a:t>&lt;ul id=</a:t>
+            </a:r>
+            <a:r>
+              <a:rPr lang="en-US" sz="2800" dirty="0">
+                <a:solidFill>
+                  <a:srgbClr val="42B983"/>
+                </a:solidFill>
+                <a:latin typeface="Roboto Mono"/>
+              </a:rPr>
+              <a:t>"example-1"</a:t>
+            </a:r>
+            <a:r>
+              <a:rPr lang="en-US" sz="2800" dirty="0">
+                <a:solidFill>
+                  <a:srgbClr val="2973B7"/>
+                </a:solidFill>
+                <a:latin typeface="Roboto Mono"/>
+              </a:rPr>
+              <a:t>&gt;</a:t>
+            </a:r>
+            <a:r>
+              <a:rPr lang="en-US" sz="2800" dirty="0">
+                <a:solidFill>
+                  <a:srgbClr val="525252"/>
+                </a:solidFill>
+                <a:latin typeface="Roboto Mono"/>
+              </a:rPr>
+              <a:t> </a:t>
+            </a:r>
+          </a:p>
+          <a:p>
+            <a:r>
+              <a:rPr lang="en-US" sz="2800" dirty="0">
+                <a:solidFill>
+                  <a:srgbClr val="525252"/>
+                </a:solidFill>
+                <a:latin typeface="Roboto Mono"/>
+              </a:rPr>
+              <a:t>	</a:t>
+            </a:r>
+            <a:r>
+              <a:rPr lang="en-US" sz="2800" dirty="0">
+                <a:solidFill>
+                  <a:srgbClr val="2973B7"/>
+                </a:solidFill>
+                <a:latin typeface="Roboto Mono"/>
+              </a:rPr>
+              <a:t>&lt;li v-for=</a:t>
+            </a:r>
+            <a:r>
+              <a:rPr lang="en-US" sz="2800" dirty="0">
+                <a:solidFill>
+                  <a:srgbClr val="42B983"/>
+                </a:solidFill>
+                <a:latin typeface="Roboto Mono"/>
+              </a:rPr>
+              <a:t>"(</a:t>
+            </a:r>
+            <a:r>
+              <a:rPr lang="en-US" sz="2800" dirty="0" err="1">
+                <a:solidFill>
+                  <a:srgbClr val="42B983"/>
+                </a:solidFill>
+                <a:latin typeface="Roboto Mono"/>
+              </a:rPr>
+              <a:t>item,i</a:t>
+            </a:r>
+            <a:r>
+              <a:rPr lang="en-US" sz="2800" dirty="0">
+                <a:solidFill>
+                  <a:srgbClr val="42B983"/>
+                </a:solidFill>
+                <a:latin typeface="Roboto Mono"/>
+              </a:rPr>
+              <a:t>) in items" :index=“</a:t>
+            </a:r>
+            <a:r>
+              <a:rPr lang="en-US" sz="2800" dirty="0" err="1">
+                <a:solidFill>
+                  <a:srgbClr val="42B983"/>
+                </a:solidFill>
+                <a:latin typeface="Roboto Mono"/>
+              </a:rPr>
+              <a:t>i</a:t>
+            </a:r>
+            <a:r>
+              <a:rPr lang="en-US" sz="2800" dirty="0">
+                <a:solidFill>
+                  <a:srgbClr val="42B983"/>
+                </a:solidFill>
+                <a:latin typeface="Roboto Mono"/>
+              </a:rPr>
+              <a:t>” :key=“item”</a:t>
+            </a:r>
+            <a:r>
+              <a:rPr lang="en-US" sz="2800" dirty="0">
+                <a:solidFill>
+                  <a:srgbClr val="2973B7"/>
+                </a:solidFill>
+                <a:latin typeface="Roboto Mono"/>
+              </a:rPr>
+              <a:t>&gt;</a:t>
+            </a:r>
+            <a:r>
+              <a:rPr lang="en-US" sz="2800" dirty="0">
+                <a:solidFill>
+                  <a:srgbClr val="525252"/>
+                </a:solidFill>
+                <a:latin typeface="Roboto Mono"/>
+              </a:rPr>
+              <a:t> </a:t>
+            </a:r>
+          </a:p>
+          <a:p>
+            <a:r>
+              <a:rPr lang="en-US" sz="2800" dirty="0">
+                <a:solidFill>
+                  <a:srgbClr val="525252"/>
+                </a:solidFill>
+                <a:latin typeface="Roboto Mono"/>
+              </a:rPr>
+              <a:t>		{{ </a:t>
+            </a:r>
+            <a:r>
+              <a:rPr lang="en-US" sz="2800" dirty="0" err="1">
+                <a:solidFill>
+                  <a:srgbClr val="525252"/>
+                </a:solidFill>
+                <a:latin typeface="Roboto Mono"/>
+              </a:rPr>
+              <a:t>item.message</a:t>
+            </a:r>
+            <a:r>
+              <a:rPr lang="en-US" sz="2800" dirty="0">
+                <a:solidFill>
+                  <a:srgbClr val="525252"/>
+                </a:solidFill>
+                <a:latin typeface="Roboto Mono"/>
+              </a:rPr>
+              <a:t> }} </a:t>
+            </a:r>
+          </a:p>
+          <a:p>
+            <a:r>
+              <a:rPr lang="en-US" sz="2800" dirty="0">
+                <a:solidFill>
+                  <a:srgbClr val="525252"/>
+                </a:solidFill>
+                <a:latin typeface="Roboto Mono"/>
+              </a:rPr>
+              <a:t>	</a:t>
+            </a:r>
+            <a:r>
+              <a:rPr lang="en-US" sz="2800" dirty="0">
+                <a:solidFill>
+                  <a:srgbClr val="2973B7"/>
+                </a:solidFill>
+                <a:latin typeface="Roboto Mono"/>
+              </a:rPr>
+              <a:t>&lt;/li&gt;</a:t>
+            </a:r>
+            <a:r>
+              <a:rPr lang="en-US" sz="2800" dirty="0">
+                <a:solidFill>
+                  <a:srgbClr val="525252"/>
+                </a:solidFill>
+                <a:latin typeface="Roboto Mono"/>
+              </a:rPr>
+              <a:t> </a:t>
+            </a:r>
+          </a:p>
+          <a:p>
+            <a:r>
+              <a:rPr lang="en-US" sz="2800" dirty="0">
+                <a:solidFill>
+                  <a:srgbClr val="2973B7"/>
+                </a:solidFill>
+                <a:latin typeface="Roboto Mono"/>
+              </a:rPr>
+              <a:t>&lt;/ul&gt;</a:t>
+            </a:r>
+            <a:endParaRPr lang="es-MX" sz="2800" dirty="0"/>
+          </a:p>
+        </p:txBody>
+      </p:sp>
+      <p:sp>
+        <p:nvSpPr>
+          <p:cNvPr id="8" name="Rectángulo 7">
+            <a:extLst>
+              <a:ext uri="{FF2B5EF4-FFF2-40B4-BE49-F238E27FC236}">
+                <a16:creationId xmlns:a16="http://schemas.microsoft.com/office/drawing/2014/main" id="{F94ECAB8-72BC-403A-9CB3-EB7BEFDF189D}"/>
+              </a:ext>
+            </a:extLst>
+          </p:cNvPr>
+          <p:cNvSpPr/>
+          <p:nvPr/>
+        </p:nvSpPr>
+        <p:spPr>
+          <a:xfrm>
+            <a:off x="2780426" y="2793673"/>
+            <a:ext cx="7420587" cy="3970318"/>
+          </a:xfrm>
+          <a:prstGeom prst="rect">
+            <a:avLst/>
+          </a:prstGeom>
+        </p:spPr>
+        <p:txBody>
+          <a:bodyPr wrap="square">
+            <a:spAutoFit/>
+          </a:bodyPr>
+          <a:lstStyle/>
+          <a:p>
+            <a:r>
+              <a:rPr lang="es-MX" sz="2800" dirty="0" err="1">
+                <a:solidFill>
+                  <a:srgbClr val="D63200"/>
+                </a:solidFill>
+                <a:latin typeface="Roboto Mono"/>
+              </a:rPr>
+              <a:t>var</a:t>
+            </a:r>
+            <a:r>
+              <a:rPr lang="es-MX" sz="2800" dirty="0">
+                <a:solidFill>
+                  <a:srgbClr val="525252"/>
+                </a:solidFill>
+                <a:latin typeface="Roboto Mono"/>
+              </a:rPr>
+              <a:t> example1 = </a:t>
+            </a:r>
+            <a:r>
+              <a:rPr lang="es-MX" sz="2800" dirty="0">
+                <a:solidFill>
+                  <a:srgbClr val="D63200"/>
+                </a:solidFill>
+                <a:latin typeface="Roboto Mono"/>
+              </a:rPr>
+              <a:t>new</a:t>
+            </a:r>
+            <a:r>
+              <a:rPr lang="es-MX" sz="2800" dirty="0">
+                <a:solidFill>
+                  <a:srgbClr val="525252"/>
+                </a:solidFill>
+                <a:latin typeface="Roboto Mono"/>
+              </a:rPr>
+              <a:t> </a:t>
+            </a:r>
+            <a:r>
+              <a:rPr lang="es-MX" sz="2800" dirty="0" err="1">
+                <a:solidFill>
+                  <a:srgbClr val="525252"/>
+                </a:solidFill>
+                <a:latin typeface="Roboto Mono"/>
+              </a:rPr>
+              <a:t>Vue</a:t>
+            </a:r>
+            <a:r>
+              <a:rPr lang="es-MX" sz="2800" dirty="0">
+                <a:solidFill>
+                  <a:srgbClr val="525252"/>
+                </a:solidFill>
+                <a:latin typeface="Roboto Mono"/>
+              </a:rPr>
+              <a:t>({ </a:t>
+            </a:r>
+          </a:p>
+          <a:p>
+            <a:r>
+              <a:rPr lang="es-MX" sz="2800" dirty="0">
+                <a:solidFill>
+                  <a:srgbClr val="525252"/>
+                </a:solidFill>
+                <a:latin typeface="Roboto Mono"/>
+              </a:rPr>
+              <a:t>	el: </a:t>
+            </a:r>
+            <a:r>
+              <a:rPr lang="es-MX" sz="2800" dirty="0">
+                <a:solidFill>
+                  <a:srgbClr val="42B983"/>
+                </a:solidFill>
+                <a:latin typeface="Roboto Mono"/>
+              </a:rPr>
+              <a:t>'#example-1’</a:t>
+            </a:r>
+            <a:r>
+              <a:rPr lang="es-MX" sz="2800" dirty="0">
+                <a:solidFill>
+                  <a:srgbClr val="525252"/>
+                </a:solidFill>
+                <a:latin typeface="Roboto Mono"/>
+              </a:rPr>
+              <a:t>, </a:t>
+            </a:r>
+          </a:p>
+          <a:p>
+            <a:r>
+              <a:rPr lang="es-MX" sz="2800" dirty="0">
+                <a:solidFill>
+                  <a:srgbClr val="525252"/>
+                </a:solidFill>
+                <a:latin typeface="Roboto Mono"/>
+              </a:rPr>
+              <a:t>	data: { </a:t>
+            </a:r>
+          </a:p>
+          <a:p>
+            <a:r>
+              <a:rPr lang="es-MX" sz="2800" dirty="0">
+                <a:solidFill>
+                  <a:srgbClr val="525252"/>
+                </a:solidFill>
+                <a:latin typeface="Roboto Mono"/>
+              </a:rPr>
+              <a:t>		</a:t>
+            </a:r>
+            <a:r>
+              <a:rPr lang="es-MX" sz="2800" dirty="0" err="1">
+                <a:solidFill>
+                  <a:srgbClr val="525252"/>
+                </a:solidFill>
+                <a:latin typeface="Roboto Mono"/>
+              </a:rPr>
+              <a:t>items</a:t>
+            </a:r>
+            <a:r>
+              <a:rPr lang="es-MX" sz="2800" dirty="0">
+                <a:solidFill>
+                  <a:srgbClr val="525252"/>
+                </a:solidFill>
+                <a:latin typeface="Roboto Mono"/>
+              </a:rPr>
+              <a:t>: [ </a:t>
+            </a:r>
+          </a:p>
+          <a:p>
+            <a:r>
+              <a:rPr lang="es-MX" sz="2800" dirty="0">
+                <a:solidFill>
+                  <a:srgbClr val="525252"/>
+                </a:solidFill>
+                <a:latin typeface="Roboto Mono"/>
+              </a:rPr>
+              <a:t>			{ </a:t>
+            </a:r>
+            <a:r>
+              <a:rPr lang="es-MX" sz="2800" dirty="0" err="1">
+                <a:solidFill>
+                  <a:srgbClr val="525252"/>
+                </a:solidFill>
+                <a:latin typeface="Roboto Mono"/>
+              </a:rPr>
+              <a:t>message</a:t>
+            </a:r>
+            <a:r>
+              <a:rPr lang="es-MX" sz="2800" dirty="0">
+                <a:solidFill>
+                  <a:srgbClr val="525252"/>
+                </a:solidFill>
+                <a:latin typeface="Roboto Mono"/>
+              </a:rPr>
+              <a:t>: </a:t>
+            </a:r>
+            <a:r>
+              <a:rPr lang="es-MX" sz="2800" dirty="0">
+                <a:solidFill>
+                  <a:srgbClr val="42B983"/>
+                </a:solidFill>
+                <a:latin typeface="Roboto Mono"/>
+              </a:rPr>
+              <a:t>'</a:t>
+            </a:r>
+            <a:r>
+              <a:rPr lang="es-MX" sz="2800" dirty="0" err="1">
+                <a:solidFill>
+                  <a:srgbClr val="42B983"/>
+                </a:solidFill>
+                <a:latin typeface="Roboto Mono"/>
+              </a:rPr>
+              <a:t>Foo</a:t>
+            </a:r>
+            <a:r>
+              <a:rPr lang="es-MX" sz="2800" dirty="0">
+                <a:solidFill>
+                  <a:srgbClr val="42B983"/>
+                </a:solidFill>
+                <a:latin typeface="Roboto Mono"/>
+              </a:rPr>
+              <a:t>'</a:t>
+            </a:r>
+            <a:r>
+              <a:rPr lang="es-MX" sz="2800" dirty="0">
+                <a:solidFill>
+                  <a:srgbClr val="525252"/>
+                </a:solidFill>
+                <a:latin typeface="Roboto Mono"/>
+              </a:rPr>
+              <a:t> }, </a:t>
+            </a:r>
+          </a:p>
+          <a:p>
+            <a:r>
+              <a:rPr lang="es-MX" sz="2800" dirty="0">
+                <a:solidFill>
+                  <a:srgbClr val="525252"/>
+                </a:solidFill>
+                <a:latin typeface="Roboto Mono"/>
+              </a:rPr>
+              <a:t>			{ </a:t>
+            </a:r>
+            <a:r>
+              <a:rPr lang="es-MX" sz="2800" dirty="0" err="1">
+                <a:solidFill>
+                  <a:srgbClr val="525252"/>
+                </a:solidFill>
+                <a:latin typeface="Roboto Mono"/>
+              </a:rPr>
+              <a:t>message</a:t>
+            </a:r>
+            <a:r>
+              <a:rPr lang="es-MX" sz="2800" dirty="0">
+                <a:solidFill>
+                  <a:srgbClr val="525252"/>
+                </a:solidFill>
+                <a:latin typeface="Roboto Mono"/>
+              </a:rPr>
+              <a:t>: </a:t>
+            </a:r>
+            <a:r>
+              <a:rPr lang="es-MX" sz="2800" dirty="0">
+                <a:solidFill>
+                  <a:srgbClr val="42B983"/>
+                </a:solidFill>
+                <a:latin typeface="Roboto Mono"/>
+              </a:rPr>
+              <a:t>'Bar’</a:t>
+            </a:r>
+            <a:r>
+              <a:rPr lang="es-MX" sz="2800" dirty="0">
+                <a:solidFill>
+                  <a:srgbClr val="525252"/>
+                </a:solidFill>
+                <a:latin typeface="Roboto Mono"/>
+              </a:rPr>
+              <a:t> } </a:t>
+            </a:r>
+          </a:p>
+          <a:p>
+            <a:r>
+              <a:rPr lang="es-MX" sz="2800" dirty="0">
+                <a:solidFill>
+                  <a:srgbClr val="525252"/>
+                </a:solidFill>
+                <a:latin typeface="Roboto Mono"/>
+              </a:rPr>
+              <a:t>		] </a:t>
+            </a:r>
+          </a:p>
+          <a:p>
+            <a:r>
+              <a:rPr lang="es-MX" sz="2800" dirty="0">
+                <a:solidFill>
+                  <a:srgbClr val="525252"/>
+                </a:solidFill>
+                <a:latin typeface="Roboto Mono"/>
+              </a:rPr>
+              <a:t>	} </a:t>
+            </a:r>
+          </a:p>
+          <a:p>
+            <a:r>
+              <a:rPr lang="es-MX" sz="2800" dirty="0">
+                <a:solidFill>
+                  <a:srgbClr val="525252"/>
+                </a:solidFill>
+                <a:latin typeface="Roboto Mono"/>
+              </a:rPr>
+              <a:t>})</a:t>
+            </a:r>
+            <a:endParaRPr lang="es-MX" sz="2800" dirty="0"/>
+          </a:p>
+        </p:txBody>
+      </p:sp>
+    </p:spTree>
+    <p:extLst>
+      <p:ext uri="{BB962C8B-B14F-4D97-AF65-F5344CB8AC3E}">
+        <p14:creationId xmlns:p14="http://schemas.microsoft.com/office/powerpoint/2010/main" val="805006489"/>
+      </p:ext>
+    </p:extLst>
+  </p:cSld>
+  <p:clrMapOvr>
+    <a:masterClrMapping/>
+  </p:clrMapOvr>
+</p:sld>
+</file>
+
+<file path=ppt/slides/slide37.xml><?xml version="1.0" encoding="utf-8"?>
+<p:sld xmlns:a="http://schemas.openxmlformats.org/drawingml/2006/main" xmlns:r="http://schemas.openxmlformats.org/officeDocument/2006/relationships" xmlns:p="http://schemas.openxmlformats.org/presentationml/2006/main">
+  <p:cSld>
+    <p:spTree>
+      <p:nvGrpSpPr>
+        <p:cNvPr id="1" name=""/>
+        <p:cNvGrpSpPr/>
+        <p:nvPr/>
+      </p:nvGrpSpPr>
+      <p:grpSpPr>
+        <a:xfrm>
+          <a:off x="0" y="0"/>
+          <a:ext cx="0" cy="0"/>
+          <a:chOff x="0" y="0"/>
+          <a:chExt cx="0" cy="0"/>
+        </a:xfrm>
+      </p:grpSpPr>
+      <p:grpSp>
+        <p:nvGrpSpPr>
+          <p:cNvPr id="6" name="Grupo 5">
+            <a:extLst>
+              <a:ext uri="{FF2B5EF4-FFF2-40B4-BE49-F238E27FC236}">
+                <a16:creationId xmlns:a16="http://schemas.microsoft.com/office/drawing/2014/main" id="{343A7275-E56E-4FEE-ABCF-A540F4DEE010}"/>
+              </a:ext>
+            </a:extLst>
+          </p:cNvPr>
+          <p:cNvGrpSpPr/>
+          <p:nvPr/>
+        </p:nvGrpSpPr>
+        <p:grpSpPr>
+          <a:xfrm>
+            <a:off x="6803571" y="0"/>
+            <a:ext cx="5388429" cy="6858000"/>
+            <a:chOff x="6803571" y="0"/>
+            <a:chExt cx="5388429" cy="6858000"/>
+          </a:xfrm>
+        </p:grpSpPr>
+        <p:sp>
+          <p:nvSpPr>
+            <p:cNvPr id="4" name="Triángulo isósceles 3">
+              <a:extLst>
+                <a:ext uri="{FF2B5EF4-FFF2-40B4-BE49-F238E27FC236}">
+                  <a16:creationId xmlns:a16="http://schemas.microsoft.com/office/drawing/2014/main" id="{E21A7FE1-A148-4572-8889-559F87E19312}"/>
+                </a:ext>
+              </a:extLst>
+            </p:cNvPr>
+            <p:cNvSpPr/>
+            <p:nvPr/>
+          </p:nvSpPr>
+          <p:spPr>
+            <a:xfrm>
+              <a:off x="6803571" y="1992086"/>
+              <a:ext cx="5388429" cy="4865914"/>
+            </a:xfrm>
+            <a:prstGeom prst="triangle">
+              <a:avLst>
+                <a:gd name="adj" fmla="val 100000"/>
+              </a:avLst>
+            </a:prstGeom>
+            <a:solidFill>
+              <a:srgbClr val="2FB982"/>
+            </a:solidFill>
+            <a:ln>
+              <a:solidFill>
+                <a:srgbClr val="2FB982"/>
+              </a:solidFill>
+            </a:ln>
+          </p:spPr>
+          <p:style>
+            <a:lnRef idx="2">
+              <a:schemeClr val="accent1">
+                <a:shade val="50000"/>
+              </a:schemeClr>
+            </a:lnRef>
+            <a:fillRef idx="1">
+              <a:schemeClr val="accent1"/>
+            </a:fillRef>
+            <a:effectRef idx="0">
+              <a:schemeClr val="accent1"/>
+            </a:effectRef>
+            <a:fontRef idx="minor">
+              <a:schemeClr val="lt1"/>
+            </a:fontRef>
+          </p:style>
+          <p:txBody>
+            <a:bodyPr rtlCol="0" anchor="ctr"/>
+            <a:lstStyle/>
+            <a:p>
+              <a:pPr algn="ctr"/>
+              <a:endParaRPr lang="es-MX"/>
+            </a:p>
+          </p:txBody>
+        </p:sp>
+        <p:sp>
+          <p:nvSpPr>
+            <p:cNvPr id="5" name="Triángulo isósceles 4">
+              <a:extLst>
+                <a:ext uri="{FF2B5EF4-FFF2-40B4-BE49-F238E27FC236}">
+                  <a16:creationId xmlns:a16="http://schemas.microsoft.com/office/drawing/2014/main" id="{ED709881-D5FA-47C9-A6F9-83B57056699B}"/>
+                </a:ext>
+              </a:extLst>
+            </p:cNvPr>
+            <p:cNvSpPr/>
+            <p:nvPr/>
+          </p:nvSpPr>
+          <p:spPr>
+            <a:xfrm rot="10800000">
+              <a:off x="9535885" y="0"/>
+              <a:ext cx="2656115" cy="4778832"/>
+            </a:xfrm>
+            <a:prstGeom prst="triangle">
+              <a:avLst>
+                <a:gd name="adj" fmla="val 0"/>
+              </a:avLst>
+            </a:prstGeom>
+            <a:solidFill>
+              <a:srgbClr val="34475F"/>
+            </a:solidFill>
+            <a:ln>
+              <a:solidFill>
+                <a:srgbClr val="34475F"/>
+              </a:solidFill>
+            </a:ln>
+          </p:spPr>
+          <p:style>
+            <a:lnRef idx="2">
+              <a:schemeClr val="accent1">
+                <a:shade val="50000"/>
+              </a:schemeClr>
+            </a:lnRef>
+            <a:fillRef idx="1">
+              <a:schemeClr val="accent1"/>
+            </a:fillRef>
+            <a:effectRef idx="0">
+              <a:schemeClr val="accent1"/>
+            </a:effectRef>
+            <a:fontRef idx="minor">
+              <a:schemeClr val="lt1"/>
+            </a:fontRef>
+          </p:style>
+          <p:txBody>
+            <a:bodyPr rtlCol="0" anchor="ctr"/>
+            <a:lstStyle/>
+            <a:p>
+              <a:pPr algn="ctr"/>
+              <a:endParaRPr lang="es-MX" dirty="0"/>
+            </a:p>
+          </p:txBody>
+        </p:sp>
+      </p:grpSp>
+      <p:sp>
+        <p:nvSpPr>
+          <p:cNvPr id="7" name="CuadroTexto 6">
+            <a:extLst>
+              <a:ext uri="{FF2B5EF4-FFF2-40B4-BE49-F238E27FC236}">
+                <a16:creationId xmlns:a16="http://schemas.microsoft.com/office/drawing/2014/main" id="{074EE99A-5541-427A-B215-BD19665AF749}"/>
+              </a:ext>
+            </a:extLst>
+          </p:cNvPr>
+          <p:cNvSpPr txBox="1"/>
+          <p:nvPr/>
+        </p:nvSpPr>
+        <p:spPr>
+          <a:xfrm>
+            <a:off x="131990" y="668273"/>
+            <a:ext cx="9720942" cy="830997"/>
+          </a:xfrm>
+          <a:prstGeom prst="rect">
+            <a:avLst/>
+          </a:prstGeom>
+          <a:noFill/>
+        </p:spPr>
+        <p:txBody>
+          <a:bodyPr wrap="square" rtlCol="0">
+            <a:spAutoFit/>
+          </a:bodyPr>
+          <a:lstStyle/>
+          <a:p>
+            <a:pPr algn="ctr"/>
+            <a:r>
+              <a:rPr lang="en-US" sz="4800" dirty="0" err="1">
+                <a:latin typeface="Arial" panose="020B0604020202020204" pitchFamily="34" charset="0"/>
+                <a:cs typeface="Arial" panose="020B0604020202020204" pitchFamily="34" charset="0"/>
+              </a:rPr>
+              <a:t>Cibergraf</a:t>
+            </a:r>
+            <a:r>
+              <a:rPr lang="es-MX" sz="4800" dirty="0" err="1">
+                <a:latin typeface="Arial" panose="020B0604020202020204" pitchFamily="34" charset="0"/>
+                <a:cs typeface="Arial" panose="020B0604020202020204" pitchFamily="34" charset="0"/>
+              </a:rPr>
+              <a:t>ía</a:t>
+            </a:r>
+            <a:endParaRPr lang="es-MX" sz="4800" dirty="0">
+              <a:latin typeface="Arial" panose="020B0604020202020204" pitchFamily="34" charset="0"/>
+              <a:cs typeface="Arial" panose="020B0604020202020204" pitchFamily="34" charset="0"/>
+            </a:endParaRPr>
+          </a:p>
+        </p:txBody>
+      </p:sp>
+      <p:sp>
+        <p:nvSpPr>
+          <p:cNvPr id="2" name="CuadroTexto 1">
+            <a:extLst>
+              <a:ext uri="{FF2B5EF4-FFF2-40B4-BE49-F238E27FC236}">
+                <a16:creationId xmlns:a16="http://schemas.microsoft.com/office/drawing/2014/main" id="{6F9F0A0B-CC5A-4AC2-BDCC-A693C1DDAB20}"/>
+              </a:ext>
+            </a:extLst>
+          </p:cNvPr>
+          <p:cNvSpPr txBox="1"/>
+          <p:nvPr/>
+        </p:nvSpPr>
+        <p:spPr>
+          <a:xfrm>
+            <a:off x="228599" y="1430997"/>
+            <a:ext cx="11831411" cy="3785652"/>
+          </a:xfrm>
+          <a:prstGeom prst="rect">
+            <a:avLst/>
+          </a:prstGeom>
+          <a:noFill/>
+        </p:spPr>
+        <p:txBody>
+          <a:bodyPr wrap="square" rtlCol="0">
+            <a:spAutoFit/>
+          </a:bodyPr>
+          <a:lstStyle/>
+          <a:p>
+            <a:pPr marL="285750" indent="-285750">
+              <a:buFont typeface="Arial" panose="020B0604020202020204" pitchFamily="34" charset="0"/>
+              <a:buChar char="•"/>
+            </a:pPr>
+            <a:r>
+              <a:rPr lang="es-MX" sz="2400" dirty="0">
+                <a:hlinkClick r:id="rId2"/>
+              </a:rPr>
+              <a:t>https://www.adictosaltrabajo.com/2012/10/07/zk-mvc-mvvm/</a:t>
+            </a:r>
+            <a:endParaRPr lang="es-MX" sz="2400" dirty="0"/>
+          </a:p>
+          <a:p>
+            <a:pPr marL="285750" indent="-285750">
+              <a:buFont typeface="Arial" panose="020B0604020202020204" pitchFamily="34" charset="0"/>
+              <a:buChar char="•"/>
+            </a:pPr>
+            <a:r>
+              <a:rPr lang="es-MX" sz="2400" dirty="0">
+                <a:hlinkClick r:id="rId3"/>
+              </a:rPr>
+              <a:t>https://msdn.microsoft.com/en-us/magazine/dn463786.aspx</a:t>
+            </a:r>
+            <a:endParaRPr lang="es-MX" sz="2400" dirty="0"/>
+          </a:p>
+          <a:p>
+            <a:pPr marL="285750" indent="-285750">
+              <a:buFont typeface="Arial" panose="020B0604020202020204" pitchFamily="34" charset="0"/>
+              <a:buChar char="•"/>
+            </a:pPr>
+            <a:r>
+              <a:rPr lang="es-MX" sz="2400" dirty="0">
+                <a:hlinkClick r:id="rId4"/>
+              </a:rPr>
+              <a:t>https://en.wikipedia.org/wiki/Vue.js</a:t>
+            </a:r>
+            <a:endParaRPr lang="es-MX" sz="2400" dirty="0"/>
+          </a:p>
+          <a:p>
+            <a:pPr marL="285750" indent="-285750">
+              <a:buFont typeface="Arial" panose="020B0604020202020204" pitchFamily="34" charset="0"/>
+              <a:buChar char="•"/>
+            </a:pPr>
+            <a:r>
+              <a:rPr lang="es-MX" sz="2400" dirty="0">
+                <a:hlinkClick r:id="rId5"/>
+              </a:rPr>
+              <a:t>https://es-vuejs.github.io/vuejs.org/v2/guide/</a:t>
+            </a:r>
+            <a:endParaRPr lang="es-MX" sz="2400" dirty="0"/>
+          </a:p>
+          <a:p>
+            <a:pPr marL="285750" indent="-285750">
+              <a:buFont typeface="Arial" panose="020B0604020202020204" pitchFamily="34" charset="0"/>
+              <a:buChar char="•"/>
+            </a:pPr>
+            <a:r>
+              <a:rPr lang="es-MX" sz="2400" dirty="0">
+                <a:hlinkClick r:id="rId6"/>
+              </a:rPr>
+              <a:t>https://github.com/vuejs/vue</a:t>
+            </a:r>
+            <a:endParaRPr lang="es-MX" sz="2400" dirty="0"/>
+          </a:p>
+          <a:p>
+            <a:pPr marL="285750" indent="-285750">
+              <a:buFont typeface="Arial" panose="020B0604020202020204" pitchFamily="34" charset="0"/>
+              <a:buChar char="•"/>
+            </a:pPr>
+            <a:r>
+              <a:rPr lang="es-MX" sz="2400" dirty="0">
+                <a:hlinkClick r:id="rId7"/>
+              </a:rPr>
+              <a:t>https://vuejs.org/</a:t>
+            </a:r>
+            <a:endParaRPr lang="es-MX" sz="2400" dirty="0"/>
+          </a:p>
+          <a:p>
+            <a:pPr marL="285750" indent="-285750">
+              <a:buFont typeface="Arial" panose="020B0604020202020204" pitchFamily="34" charset="0"/>
+              <a:buChar char="•"/>
+            </a:pPr>
+            <a:r>
+              <a:rPr lang="es-MX" sz="2400" dirty="0">
+                <a:hlinkClick r:id="rId8"/>
+              </a:rPr>
+              <a:t>https://es.slideshare.net/HctorPablosLpez/introduccin-a-vuejs</a:t>
+            </a:r>
+            <a:endParaRPr lang="es-MX" sz="2400" dirty="0"/>
+          </a:p>
+          <a:p>
+            <a:pPr marL="285750" indent="-285750">
+              <a:buFont typeface="Arial" panose="020B0604020202020204" pitchFamily="34" charset="0"/>
+              <a:buChar char="•"/>
+            </a:pPr>
+            <a:r>
+              <a:rPr lang="es-MX" sz="2400" dirty="0">
+                <a:hlinkClick r:id="rId8"/>
+              </a:rPr>
+              <a:t>https://es.slideshare.net/HctorPablosLpez/introduccin-a-vuejs</a:t>
+            </a:r>
+            <a:endParaRPr lang="es-MX" sz="2400" dirty="0"/>
+          </a:p>
+          <a:p>
+            <a:pPr marL="285750" indent="-285750">
+              <a:buFont typeface="Arial" panose="020B0604020202020204" pitchFamily="34" charset="0"/>
+              <a:buChar char="•"/>
+            </a:pPr>
+            <a:r>
+              <a:rPr lang="es-MX" sz="2400" dirty="0">
+                <a:hlinkClick r:id="rId9"/>
+              </a:rPr>
+              <a:t>https://www.fullstack.pe/blog/angular-data-binding</a:t>
+            </a:r>
+            <a:endParaRPr lang="es-MX" sz="2400" dirty="0"/>
+          </a:p>
+          <a:p>
+            <a:pPr marL="285750" indent="-285750">
+              <a:buFont typeface="Arial" panose="020B0604020202020204" pitchFamily="34" charset="0"/>
+              <a:buChar char="•"/>
+            </a:pPr>
+            <a:r>
+              <a:rPr lang="es-MX" sz="2400" dirty="0">
+                <a:hlinkClick r:id="rId10"/>
+              </a:rPr>
+              <a:t>https://cli.vuejs.org/guide/cli-service.html#using-the-binary</a:t>
+            </a:r>
+            <a:endParaRPr lang="es-MX" sz="2400" dirty="0"/>
+          </a:p>
+        </p:txBody>
+      </p:sp>
+    </p:spTree>
+    <p:extLst>
+      <p:ext uri="{BB962C8B-B14F-4D97-AF65-F5344CB8AC3E}">
+        <p14:creationId xmlns:p14="http://schemas.microsoft.com/office/powerpoint/2010/main" val="3398731177"/>
       </p:ext>
     </p:extLst>
   </p:cSld>
